--- a/background/comp-dataset-name-and-title-prep.pptx
+++ b/background/comp-dataset-name-and-title-prep.pptx
@@ -5,57 +5,60 @@
     <p:sldMasterId id="2147483648" r:id="rId1"/>
     <p:sldMasterId id="2147483660" r:id="rId2"/>
     <p:sldMasterId id="2147483672" r:id="rId3"/>
+    <p:sldMasterId id="2147483684" r:id="rId4"/>
   </p:sldMasterIdLst>
   <p:sldIdLst>
-    <p:sldId id="256" r:id="rId4"/>
-    <p:sldId id="312" r:id="rId5"/>
-    <p:sldId id="314" r:id="rId6"/>
-    <p:sldId id="270" r:id="rId7"/>
-    <p:sldId id="297" r:id="rId8"/>
-    <p:sldId id="296" r:id="rId9"/>
-    <p:sldId id="313" r:id="rId10"/>
-    <p:sldId id="315" r:id="rId11"/>
-    <p:sldId id="258" r:id="rId12"/>
-    <p:sldId id="265" r:id="rId13"/>
-    <p:sldId id="299" r:id="rId14"/>
-    <p:sldId id="300" r:id="rId15"/>
-    <p:sldId id="301" r:id="rId16"/>
-    <p:sldId id="298" r:id="rId17"/>
-    <p:sldId id="271" r:id="rId18"/>
-    <p:sldId id="303" r:id="rId19"/>
-    <p:sldId id="274" r:id="rId20"/>
-    <p:sldId id="311" r:id="rId21"/>
-    <p:sldId id="263" r:id="rId22"/>
-    <p:sldId id="307" r:id="rId23"/>
-    <p:sldId id="304" r:id="rId24"/>
-    <p:sldId id="306" r:id="rId25"/>
-    <p:sldId id="310" r:id="rId26"/>
-    <p:sldId id="308" r:id="rId27"/>
-    <p:sldId id="316" r:id="rId28"/>
-    <p:sldId id="261" r:id="rId29"/>
-    <p:sldId id="262" r:id="rId30"/>
-    <p:sldId id="264" r:id="rId31"/>
-    <p:sldId id="260" r:id="rId32"/>
-    <p:sldId id="279" r:id="rId33"/>
-    <p:sldId id="280" r:id="rId34"/>
-    <p:sldId id="281" r:id="rId35"/>
-    <p:sldId id="282" r:id="rId36"/>
-    <p:sldId id="284" r:id="rId37"/>
-    <p:sldId id="285" r:id="rId38"/>
-    <p:sldId id="286" r:id="rId39"/>
-    <p:sldId id="287" r:id="rId40"/>
-    <p:sldId id="676" r:id="rId41"/>
-    <p:sldId id="677" r:id="rId42"/>
-    <p:sldId id="288" r:id="rId43"/>
-    <p:sldId id="289" r:id="rId44"/>
-    <p:sldId id="291" r:id="rId45"/>
-    <p:sldId id="435" r:id="rId46"/>
-    <p:sldId id="434" r:id="rId47"/>
-    <p:sldId id="443" r:id="rId48"/>
-    <p:sldId id="444" r:id="rId49"/>
-    <p:sldId id="660" r:id="rId50"/>
-    <p:sldId id="276" r:id="rId51"/>
-    <p:sldId id="278" r:id="rId52"/>
+    <p:sldId id="256" r:id="rId5"/>
+    <p:sldId id="312" r:id="rId6"/>
+    <p:sldId id="314" r:id="rId7"/>
+    <p:sldId id="270" r:id="rId8"/>
+    <p:sldId id="297" r:id="rId9"/>
+    <p:sldId id="296" r:id="rId10"/>
+    <p:sldId id="313" r:id="rId11"/>
+    <p:sldId id="315" r:id="rId12"/>
+    <p:sldId id="258" r:id="rId13"/>
+    <p:sldId id="265" r:id="rId14"/>
+    <p:sldId id="299" r:id="rId15"/>
+    <p:sldId id="300" r:id="rId16"/>
+    <p:sldId id="301" r:id="rId17"/>
+    <p:sldId id="298" r:id="rId18"/>
+    <p:sldId id="271" r:id="rId19"/>
+    <p:sldId id="303" r:id="rId20"/>
+    <p:sldId id="274" r:id="rId21"/>
+    <p:sldId id="311" r:id="rId22"/>
+    <p:sldId id="263" r:id="rId23"/>
+    <p:sldId id="307" r:id="rId24"/>
+    <p:sldId id="304" r:id="rId25"/>
+    <p:sldId id="306" r:id="rId26"/>
+    <p:sldId id="310" r:id="rId27"/>
+    <p:sldId id="308" r:id="rId28"/>
+    <p:sldId id="316" r:id="rId29"/>
+    <p:sldId id="261" r:id="rId30"/>
+    <p:sldId id="262" r:id="rId31"/>
+    <p:sldId id="264" r:id="rId32"/>
+    <p:sldId id="260" r:id="rId33"/>
+    <p:sldId id="279" r:id="rId34"/>
+    <p:sldId id="280" r:id="rId35"/>
+    <p:sldId id="281" r:id="rId36"/>
+    <p:sldId id="282" r:id="rId37"/>
+    <p:sldId id="284" r:id="rId38"/>
+    <p:sldId id="285" r:id="rId39"/>
+    <p:sldId id="286" r:id="rId40"/>
+    <p:sldId id="287" r:id="rId41"/>
+    <p:sldId id="676" r:id="rId42"/>
+    <p:sldId id="677" r:id="rId43"/>
+    <p:sldId id="288" r:id="rId44"/>
+    <p:sldId id="289" r:id="rId45"/>
+    <p:sldId id="291" r:id="rId46"/>
+    <p:sldId id="502" r:id="rId47"/>
+    <p:sldId id="500" r:id="rId48"/>
+    <p:sldId id="435" r:id="rId49"/>
+    <p:sldId id="434" r:id="rId50"/>
+    <p:sldId id="443" r:id="rId51"/>
+    <p:sldId id="444" r:id="rId52"/>
+    <p:sldId id="660" r:id="rId53"/>
+    <p:sldId id="276" r:id="rId54"/>
+    <p:sldId id="278" r:id="rId55"/>
   </p:sldIdLst>
   <p:sldSz cx="12192000" cy="6858000"/>
   <p:notesSz cx="6858000" cy="9144000"/>
@@ -291,7 +294,7 @@
           <a:p>
             <a:fld id="{439A28B4-5BA0-4091-964E-885CA2C876C9}" type="datetimeFigureOut">
               <a:rPr lang="en-US" smtClean="0"/>
-              <a:t>5/13/2022</a:t>
+              <a:t>6/8/2022</a:t>
             </a:fld>
             <a:endParaRPr lang="en-US"/>
           </a:p>
@@ -459,7 +462,7 @@
           <a:p>
             <a:fld id="{439A28B4-5BA0-4091-964E-885CA2C876C9}" type="datetimeFigureOut">
               <a:rPr lang="en-US" smtClean="0"/>
-              <a:t>5/13/2022</a:t>
+              <a:t>6/8/2022</a:t>
             </a:fld>
             <a:endParaRPr lang="en-US"/>
           </a:p>
@@ -637,7 +640,7 @@
           <a:p>
             <a:fld id="{439A28B4-5BA0-4091-964E-885CA2C876C9}" type="datetimeFigureOut">
               <a:rPr lang="en-US" smtClean="0"/>
-              <a:t>5/13/2022</a:t>
+              <a:t>6/8/2022</a:t>
             </a:fld>
             <a:endParaRPr lang="en-US"/>
           </a:p>
@@ -827,7 +830,7 @@
           <a:p>
             <a:fld id="{87E65EC5-4319-4714-8F25-EBD3D6806965}" type="datetime1">
               <a:rPr lang="en-US" smtClean="0"/>
-              <a:t>5/13/2022</a:t>
+              <a:t>6/8/2022</a:t>
             </a:fld>
             <a:endParaRPr lang="en-US"/>
           </a:p>
@@ -995,7 +998,7 @@
           <a:p>
             <a:fld id="{C3176882-2959-40AF-B34D-52FFFF8DDD88}" type="datetime1">
               <a:rPr lang="en-US" smtClean="0"/>
-              <a:t>5/13/2022</a:t>
+              <a:t>6/8/2022</a:t>
             </a:fld>
             <a:endParaRPr lang="en-US"/>
           </a:p>
@@ -1240,7 +1243,7 @@
           <a:p>
             <a:fld id="{7B82C6DA-22BE-47F7-BB33-DFAAF6CC7075}" type="datetime1">
               <a:rPr lang="en-US" smtClean="0"/>
-              <a:t>5/13/2022</a:t>
+              <a:t>6/8/2022</a:t>
             </a:fld>
             <a:endParaRPr lang="en-US"/>
           </a:p>
@@ -1469,7 +1472,7 @@
           <a:p>
             <a:fld id="{93A2ABA0-C9CA-4945-B401-F85B4DDF4D9C}" type="datetime1">
               <a:rPr lang="en-US" smtClean="0"/>
-              <a:t>5/13/2022</a:t>
+              <a:t>6/8/2022</a:t>
             </a:fld>
             <a:endParaRPr lang="en-US"/>
           </a:p>
@@ -1833,7 +1836,7 @@
           <a:p>
             <a:fld id="{8CDC9A07-61AF-4E6B-B9DA-FBF28A322BB3}" type="datetime1">
               <a:rPr lang="en-US" smtClean="0"/>
-              <a:t>5/13/2022</a:t>
+              <a:t>6/8/2022</a:t>
             </a:fld>
             <a:endParaRPr lang="en-US"/>
           </a:p>
@@ -1950,7 +1953,7 @@
           <a:p>
             <a:fld id="{A2291004-C814-46BC-9189-316550590816}" type="datetime1">
               <a:rPr lang="en-US" smtClean="0"/>
-              <a:t>5/13/2022</a:t>
+              <a:t>6/8/2022</a:t>
             </a:fld>
             <a:endParaRPr lang="en-US"/>
           </a:p>
@@ -2045,7 +2048,7 @@
           <a:p>
             <a:fld id="{A4CD3DE9-2097-4E59-89E0-5C2D3BCF4FBB}" type="datetime1">
               <a:rPr lang="en-US" smtClean="0"/>
-              <a:t>5/13/2022</a:t>
+              <a:t>6/8/2022</a:t>
             </a:fld>
             <a:endParaRPr lang="en-US"/>
           </a:p>
@@ -2320,7 +2323,7 @@
           <a:p>
             <a:fld id="{00B109A3-9C51-40BA-B43C-3F03D5EA04DA}" type="datetime1">
               <a:rPr lang="en-US" smtClean="0"/>
-              <a:t>5/13/2022</a:t>
+              <a:t>6/8/2022</a:t>
             </a:fld>
             <a:endParaRPr lang="en-US"/>
           </a:p>
@@ -2488,7 +2491,7 @@
           <a:p>
             <a:fld id="{439A28B4-5BA0-4091-964E-885CA2C876C9}" type="datetimeFigureOut">
               <a:rPr lang="en-US" smtClean="0"/>
-              <a:t>5/13/2022</a:t>
+              <a:t>6/8/2022</a:t>
             </a:fld>
             <a:endParaRPr lang="en-US"/>
           </a:p>
@@ -2740,7 +2743,7 @@
           <a:p>
             <a:fld id="{16FDEC69-CF22-4747-A814-790C5F26BB5A}" type="datetime1">
               <a:rPr lang="en-US" smtClean="0"/>
-              <a:t>5/13/2022</a:t>
+              <a:t>6/8/2022</a:t>
             </a:fld>
             <a:endParaRPr lang="en-US"/>
           </a:p>
@@ -2908,7 +2911,7 @@
           <a:p>
             <a:fld id="{7B453FCB-E8A2-4CC9-A26A-5075D2B0A7F4}" type="datetime1">
               <a:rPr lang="en-US" smtClean="0"/>
-              <a:t>5/13/2022</a:t>
+              <a:t>6/8/2022</a:t>
             </a:fld>
             <a:endParaRPr lang="en-US"/>
           </a:p>
@@ -3086,7 +3089,7 @@
           <a:p>
             <a:fld id="{3D05B70F-F894-4371-A9CF-45063B37A819}" type="datetime1">
               <a:rPr lang="en-US" smtClean="0"/>
-              <a:t>5/13/2022</a:t>
+              <a:t>6/8/2022</a:t>
             </a:fld>
             <a:endParaRPr lang="en-US"/>
           </a:p>
@@ -3294,7 +3297,7 @@
           <a:p>
             <a:fld id="{2C184D62-E87B-4E78-8D51-A71AAF7EFE70}" type="datetime1">
               <a:rPr lang="en-US" smtClean="0"/>
-              <a:t>5/13/2022</a:t>
+              <a:t>6/8/2022</a:t>
             </a:fld>
             <a:endParaRPr lang="en-US"/>
           </a:p>
@@ -3492,7 +3495,7 @@
           <a:p>
             <a:fld id="{C656BC0E-6968-47DA-9DB9-D508F49A0C0D}" type="datetime1">
               <a:rPr lang="en-US" smtClean="0"/>
-              <a:t>5/13/2022</a:t>
+              <a:t>6/8/2022</a:t>
             </a:fld>
             <a:endParaRPr lang="en-US"/>
           </a:p>
@@ -3767,7 +3770,7 @@
           <a:p>
             <a:fld id="{2588A9C0-7A89-4285-8B2D-1E4FA1910F1E}" type="datetime1">
               <a:rPr lang="en-US" smtClean="0"/>
-              <a:t>5/13/2022</a:t>
+              <a:t>6/8/2022</a:t>
             </a:fld>
             <a:endParaRPr lang="en-US"/>
           </a:p>
@@ -4032,7 +4035,7 @@
           <a:p>
             <a:fld id="{DA5CC23E-F11C-48D9-AE55-0EF6324A9F73}" type="datetime1">
               <a:rPr lang="en-US" smtClean="0"/>
-              <a:t>5/13/2022</a:t>
+              <a:t>6/8/2022</a:t>
             </a:fld>
             <a:endParaRPr lang="en-US"/>
           </a:p>
@@ -4444,7 +4447,7 @@
           <a:p>
             <a:fld id="{E6454B23-E954-413E-A340-E1B67CB96215}" type="datetime1">
               <a:rPr lang="en-US" smtClean="0"/>
-              <a:t>5/13/2022</a:t>
+              <a:t>6/8/2022</a:t>
             </a:fld>
             <a:endParaRPr lang="en-US"/>
           </a:p>
@@ -4585,7 +4588,7 @@
           <a:p>
             <a:fld id="{98D01C05-EBE7-4848-9605-17FA64F26282}" type="datetime1">
               <a:rPr lang="en-US" smtClean="0"/>
-              <a:t>5/13/2022</a:t>
+              <a:t>6/8/2022</a:t>
             </a:fld>
             <a:endParaRPr lang="en-US"/>
           </a:p>
@@ -4698,7 +4701,7 @@
           <a:p>
             <a:fld id="{2DF4748F-0361-4B75-9FB6-0FD67B2CAA53}" type="datetime1">
               <a:rPr lang="en-US" smtClean="0"/>
-              <a:t>5/13/2022</a:t>
+              <a:t>6/8/2022</a:t>
             </a:fld>
             <a:endParaRPr lang="en-US"/>
           </a:p>
@@ -4955,7 +4958,7 @@
           <a:p>
             <a:fld id="{439A28B4-5BA0-4091-964E-885CA2C876C9}" type="datetimeFigureOut">
               <a:rPr lang="en-US" smtClean="0"/>
-              <a:t>5/13/2022</a:t>
+              <a:t>6/8/2022</a:t>
             </a:fld>
             <a:endParaRPr lang="en-US"/>
           </a:p>
@@ -5254,7 +5257,7 @@
           <a:p>
             <a:fld id="{B719F1C2-23BD-4B0F-AE95-81945CE4C218}" type="datetime1">
               <a:rPr lang="en-US" smtClean="0"/>
-              <a:t>5/13/2022</a:t>
+              <a:t>6/8/2022</a:t>
             </a:fld>
             <a:endParaRPr lang="en-US"/>
           </a:p>
@@ -5542,7 +5545,7 @@
           <a:p>
             <a:fld id="{F43C9308-E77D-4F00-A0E0-E2C48A09AD1C}" type="datetime1">
               <a:rPr lang="en-US" smtClean="0"/>
-              <a:t>5/13/2022</a:t>
+              <a:t>6/8/2022</a:t>
             </a:fld>
             <a:endParaRPr lang="en-US"/>
           </a:p>
@@ -5740,7 +5743,7 @@
           <a:p>
             <a:fld id="{0BF6E970-6936-4886-BB3E-53EA998AF177}" type="datetime1">
               <a:rPr lang="en-US" smtClean="0"/>
-              <a:t>5/13/2022</a:t>
+              <a:t>6/8/2022</a:t>
             </a:fld>
             <a:endParaRPr lang="en-US"/>
           </a:p>
@@ -5948,7 +5951,7 @@
           <a:p>
             <a:fld id="{12FEA7D1-46F2-462B-AA03-0A881131FDBD}" type="datetime1">
               <a:rPr lang="en-US" smtClean="0"/>
-              <a:t>5/13/2022</a:t>
+              <a:t>6/8/2022</a:t>
             </a:fld>
             <a:endParaRPr lang="en-US"/>
           </a:p>
@@ -6018,6 +6021,1713 @@
   <p:clrMapOvr>
     <a:masterClrMapping/>
   </p:clrMapOvr>
+</p:sldLayout>
+</file>
+
+<file path=ppt/slideLayouts/slideLayout34.xml><?xml version="1.0" encoding="utf-8"?>
+<p:sldLayout xmlns:a="http://schemas.openxmlformats.org/drawingml/2006/main" xmlns:r="http://schemas.openxmlformats.org/officeDocument/2006/relationships" xmlns:p="http://schemas.openxmlformats.org/presentationml/2006/main" preserve="1" userDrawn="1">
+  <p:cSld name="Cover A">
+    <p:spTree>
+      <p:nvGrpSpPr>
+        <p:cNvPr id="1" name=""/>
+        <p:cNvGrpSpPr/>
+        <p:nvPr/>
+      </p:nvGrpSpPr>
+      <p:grpSpPr>
+        <a:xfrm>
+          <a:off x="0" y="0"/>
+          <a:ext cx="0" cy="0"/>
+          <a:chOff x="0" y="0"/>
+          <a:chExt cx="0" cy="0"/>
+        </a:xfrm>
+      </p:grpSpPr>
+      <p:sp>
+        <p:nvSpPr>
+          <p:cNvPr id="2" name="Rectangle 1"/>
+          <p:cNvSpPr/>
+          <p:nvPr userDrawn="1"/>
+        </p:nvSpPr>
+        <p:spPr>
+          <a:xfrm>
+            <a:off x="1" y="6347637"/>
+            <a:ext cx="3274828" cy="510363"/>
+          </a:xfrm>
+          <a:prstGeom prst="rect">
+            <a:avLst/>
+          </a:prstGeom>
+          <a:solidFill>
+            <a:schemeClr val="bg2"/>
+          </a:solidFill>
+          <a:ln>
+            <a:noFill/>
+          </a:ln>
+        </p:spPr>
+        <p:style>
+          <a:lnRef idx="2">
+            <a:schemeClr val="accent1">
+              <a:shade val="50000"/>
+            </a:schemeClr>
+          </a:lnRef>
+          <a:fillRef idx="1">
+            <a:schemeClr val="accent1"/>
+          </a:fillRef>
+          <a:effectRef idx="0">
+            <a:schemeClr val="accent1"/>
+          </a:effectRef>
+          <a:fontRef idx="minor">
+            <a:schemeClr val="lt1"/>
+          </a:fontRef>
+        </p:style>
+        <p:txBody>
+          <a:bodyPr rtlCol="0" anchor="ctr"/>
+          <a:lstStyle/>
+          <a:p>
+            <a:pPr algn="ctr"/>
+            <a:endParaRPr lang="en-US"/>
+          </a:p>
+        </p:txBody>
+      </p:sp>
+      <p:pic>
+        <p:nvPicPr>
+          <p:cNvPr id="8" name="Picture 7"/>
+          <p:cNvPicPr>
+            <a:picLocks noChangeAspect="1"/>
+          </p:cNvPicPr>
+          <p:nvPr userDrawn="1"/>
+        </p:nvPicPr>
+        <p:blipFill>
+          <a:blip r:embed="rId2">
+            <a:extLst>
+              <a:ext uri="{28A0092B-C50C-407E-A947-70E740481C1C}">
+                <a14:useLocalDpi xmlns:a14="http://schemas.microsoft.com/office/drawing/2010/main"/>
+              </a:ext>
+            </a:extLst>
+          </a:blip>
+          <a:stretch>
+            <a:fillRect/>
+          </a:stretch>
+        </p:blipFill>
+        <p:spPr>
+          <a:xfrm>
+            <a:off x="457200" y="457200"/>
+            <a:ext cx="3721608" cy="1007936"/>
+          </a:xfrm>
+          <a:prstGeom prst="rect">
+            <a:avLst/>
+          </a:prstGeom>
+        </p:spPr>
+      </p:pic>
+      <p:sp>
+        <p:nvSpPr>
+          <p:cNvPr id="4" name="TextBox 3"/>
+          <p:cNvSpPr txBox="1"/>
+          <p:nvPr userDrawn="1"/>
+        </p:nvSpPr>
+        <p:spPr>
+          <a:xfrm>
+            <a:off x="265815" y="-496181"/>
+            <a:ext cx="1584917" cy="483989"/>
+          </a:xfrm>
+          <a:prstGeom prst="round2SameRect">
+            <a:avLst/>
+          </a:prstGeom>
+          <a:solidFill>
+            <a:srgbClr val="F9FAF9"/>
+          </a:solidFill>
+          <a:ln w="6350">
+            <a:solidFill>
+              <a:schemeClr val="accent2"/>
+            </a:solidFill>
+          </a:ln>
+        </p:spPr>
+        <p:txBody>
+          <a:bodyPr wrap="none" lIns="182880" tIns="91440" rIns="182880" bIns="182880" rtlCol="0">
+            <a:spAutoFit/>
+          </a:bodyPr>
+          <a:lstStyle/>
+          <a:p>
+            <a:r>
+              <a:rPr lang="en-US" sz="1200" b="1" dirty="0">
+                <a:solidFill>
+                  <a:schemeClr val="accent2"/>
+                </a:solidFill>
+              </a:rPr>
+              <a:t>Master:</a:t>
+            </a:r>
+            <a:r>
+              <a:rPr lang="en-US" sz="1200" b="1" baseline="0" dirty="0">
+                <a:solidFill>
+                  <a:schemeClr val="accent2"/>
+                </a:solidFill>
+              </a:rPr>
+              <a:t> </a:t>
+            </a:r>
+            <a:r>
+              <a:rPr lang="en-US" sz="1200" b="1" dirty="0">
+                <a:solidFill>
+                  <a:schemeClr val="accent2"/>
+                </a:solidFill>
+              </a:rPr>
+              <a:t>Cover A</a:t>
+            </a:r>
+          </a:p>
+        </p:txBody>
+      </p:sp>
+    </p:spTree>
+    <p:extLst>
+      <p:ext uri="{BB962C8B-B14F-4D97-AF65-F5344CB8AC3E}">
+        <p14:creationId xmlns:p14="http://schemas.microsoft.com/office/powerpoint/2010/main" val="1244655555"/>
+      </p:ext>
+    </p:extLst>
+  </p:cSld>
+  <p:clrMapOvr>
+    <a:masterClrMapping/>
+  </p:clrMapOvr>
+  <p:transition>
+    <p:fade/>
+  </p:transition>
+</p:sldLayout>
+</file>
+
+<file path=ppt/slideLayouts/slideLayout35.xml><?xml version="1.0" encoding="utf-8"?>
+<p:sldLayout xmlns:a="http://schemas.openxmlformats.org/drawingml/2006/main" xmlns:r="http://schemas.openxmlformats.org/officeDocument/2006/relationships" xmlns:p="http://schemas.openxmlformats.org/presentationml/2006/main" preserve="1" userDrawn="1">
+  <p:cSld name="Cover B with image">
+    <p:spTree>
+      <p:nvGrpSpPr>
+        <p:cNvPr id="1" name=""/>
+        <p:cNvGrpSpPr/>
+        <p:nvPr/>
+      </p:nvGrpSpPr>
+      <p:grpSpPr>
+        <a:xfrm>
+          <a:off x="0" y="0"/>
+          <a:ext cx="0" cy="0"/>
+          <a:chOff x="0" y="0"/>
+          <a:chExt cx="0" cy="0"/>
+        </a:xfrm>
+      </p:grpSpPr>
+      <p:sp>
+        <p:nvSpPr>
+          <p:cNvPr id="2" name="Rectangle 1"/>
+          <p:cNvSpPr/>
+          <p:nvPr userDrawn="1"/>
+        </p:nvSpPr>
+        <p:spPr>
+          <a:xfrm>
+            <a:off x="1" y="6347637"/>
+            <a:ext cx="3274828" cy="510363"/>
+          </a:xfrm>
+          <a:prstGeom prst="rect">
+            <a:avLst/>
+          </a:prstGeom>
+          <a:solidFill>
+            <a:schemeClr val="bg1"/>
+          </a:solidFill>
+          <a:ln>
+            <a:noFill/>
+          </a:ln>
+        </p:spPr>
+        <p:style>
+          <a:lnRef idx="2">
+            <a:schemeClr val="accent1">
+              <a:shade val="50000"/>
+            </a:schemeClr>
+          </a:lnRef>
+          <a:fillRef idx="1">
+            <a:schemeClr val="accent1"/>
+          </a:fillRef>
+          <a:effectRef idx="0">
+            <a:schemeClr val="accent1"/>
+          </a:effectRef>
+          <a:fontRef idx="minor">
+            <a:schemeClr val="lt1"/>
+          </a:fontRef>
+        </p:style>
+        <p:txBody>
+          <a:bodyPr rtlCol="0" anchor="ctr"/>
+          <a:lstStyle/>
+          <a:p>
+            <a:pPr algn="ctr"/>
+            <a:endParaRPr lang="en-US"/>
+          </a:p>
+        </p:txBody>
+      </p:sp>
+      <p:sp>
+        <p:nvSpPr>
+          <p:cNvPr id="4" name="Picture Placeholder 3"/>
+          <p:cNvSpPr>
+            <a:spLocks noGrp="1"/>
+          </p:cNvSpPr>
+          <p:nvPr>
+            <p:ph type="pic" sz="quarter" idx="10" hasCustomPrompt="1"/>
+          </p:nvPr>
+        </p:nvSpPr>
+        <p:spPr>
+          <a:xfrm>
+            <a:off x="1" y="0"/>
+            <a:ext cx="12192000" cy="3300984"/>
+          </a:xfrm>
+          <a:solidFill>
+            <a:schemeClr val="bg2">
+              <a:lumMod val="85000"/>
+            </a:schemeClr>
+          </a:solidFill>
+        </p:spPr>
+        <p:txBody>
+          <a:bodyPr lIns="182880" rIns="182880" anchor="t"/>
+          <a:lstStyle>
+            <a:lvl1pPr marL="0" indent="0" algn="ctr">
+              <a:spcAft>
+                <a:spcPts val="0"/>
+              </a:spcAft>
+              <a:buNone/>
+              <a:defRPr baseline="0">
+                <a:solidFill>
+                  <a:schemeClr val="bg1"/>
+                </a:solidFill>
+              </a:defRPr>
+            </a:lvl1pPr>
+          </a:lstStyle>
+          <a:p>
+            <a:br>
+              <a:rPr lang="en-US" dirty="0"/>
+            </a:br>
+            <a:r>
+              <a:rPr lang="en-US" dirty="0"/>
+              <a:t>Drag picture to placeholder or click icon to add from a file.</a:t>
+            </a:r>
+            <a:br>
+              <a:rPr lang="en-US" dirty="0"/>
+            </a:br>
+            <a:r>
+              <a:rPr lang="en-US" dirty="0"/>
+              <a:t>Photo will be cropped to 960x260 pixels.</a:t>
+            </a:r>
+          </a:p>
+        </p:txBody>
+      </p:sp>
+      <p:pic>
+        <p:nvPicPr>
+          <p:cNvPr id="12" name="Picture 11"/>
+          <p:cNvPicPr>
+            <a:picLocks noChangeAspect="1"/>
+          </p:cNvPicPr>
+          <p:nvPr userDrawn="1"/>
+        </p:nvPicPr>
+        <p:blipFill>
+          <a:blip r:embed="rId2">
+            <a:extLst>
+              <a:ext uri="{28A0092B-C50C-407E-A947-70E740481C1C}">
+                <a14:useLocalDpi xmlns:a14="http://schemas.microsoft.com/office/drawing/2010/main"/>
+              </a:ext>
+            </a:extLst>
+          </a:blip>
+          <a:stretch>
+            <a:fillRect/>
+          </a:stretch>
+        </p:blipFill>
+        <p:spPr>
+          <a:xfrm>
+            <a:off x="457200" y="5488944"/>
+            <a:ext cx="3721608" cy="1007936"/>
+          </a:xfrm>
+          <a:prstGeom prst="rect">
+            <a:avLst/>
+          </a:prstGeom>
+        </p:spPr>
+      </p:pic>
+      <p:sp>
+        <p:nvSpPr>
+          <p:cNvPr id="6" name="TextBox 5"/>
+          <p:cNvSpPr txBox="1"/>
+          <p:nvPr userDrawn="1"/>
+        </p:nvSpPr>
+        <p:spPr>
+          <a:xfrm>
+            <a:off x="265815" y="-496181"/>
+            <a:ext cx="2432059" cy="483989"/>
+          </a:xfrm>
+          <a:prstGeom prst="round2SameRect">
+            <a:avLst/>
+          </a:prstGeom>
+          <a:solidFill>
+            <a:srgbClr val="F9FAF9"/>
+          </a:solidFill>
+          <a:ln w="6350">
+            <a:solidFill>
+              <a:schemeClr val="accent2"/>
+            </a:solidFill>
+            <a:prstDash val="solid"/>
+          </a:ln>
+        </p:spPr>
+        <p:txBody>
+          <a:bodyPr wrap="none" lIns="182880" tIns="91440" rIns="182880" bIns="182880" rtlCol="0">
+            <a:spAutoFit/>
+          </a:bodyPr>
+          <a:lstStyle>
+            <a:defPPr>
+              <a:defRPr lang="en-US"/>
+            </a:defPPr>
+            <a:lvl1pPr>
+              <a:defRPr sz="1200" b="1">
+                <a:solidFill>
+                  <a:schemeClr val="accent2"/>
+                </a:solidFill>
+              </a:defRPr>
+            </a:lvl1pPr>
+          </a:lstStyle>
+          <a:p>
+            <a:pPr lvl="0"/>
+            <a:r>
+              <a:rPr lang="en-US" dirty="0"/>
+              <a:t>Master: Cover B with image</a:t>
+            </a:r>
+          </a:p>
+        </p:txBody>
+      </p:sp>
+      <p:sp>
+        <p:nvSpPr>
+          <p:cNvPr id="7" name="Text Placeholder 4">
+            <a:extLst>
+              <a:ext uri="{FF2B5EF4-FFF2-40B4-BE49-F238E27FC236}">
+                <a16:creationId xmlns:a16="http://schemas.microsoft.com/office/drawing/2014/main" id="{59602185-155F-114D-ABC9-23953F6B44C7}"/>
+              </a:ext>
+            </a:extLst>
+          </p:cNvPr>
+          <p:cNvSpPr>
+            <a:spLocks noGrp="1"/>
+          </p:cNvSpPr>
+          <p:nvPr>
+            <p:ph type="body" sz="quarter" idx="11" hasCustomPrompt="1"/>
+          </p:nvPr>
+        </p:nvSpPr>
+        <p:spPr>
+          <a:xfrm>
+            <a:off x="6096000" y="5725684"/>
+            <a:ext cx="5638800" cy="417677"/>
+          </a:xfrm>
+        </p:spPr>
+        <p:txBody>
+          <a:bodyPr anchor="b">
+            <a:normAutofit/>
+          </a:bodyPr>
+          <a:lstStyle>
+            <a:lvl1pPr marL="0" indent="0" algn="r">
+              <a:buNone/>
+              <a:defRPr sz="1200">
+                <a:solidFill>
+                  <a:schemeClr val="accent2">
+                    <a:lumMod val="75000"/>
+                  </a:schemeClr>
+                </a:solidFill>
+              </a:defRPr>
+            </a:lvl1pPr>
+            <a:lvl2pPr marL="457200" indent="0">
+              <a:buNone/>
+              <a:defRPr/>
+            </a:lvl2pPr>
+            <a:lvl3pPr marL="914400" indent="0">
+              <a:buNone/>
+              <a:defRPr/>
+            </a:lvl3pPr>
+            <a:lvl4pPr marL="1371600" indent="0">
+              <a:buNone/>
+              <a:defRPr/>
+            </a:lvl4pPr>
+            <a:lvl5pPr marL="1828800" indent="0">
+              <a:buNone/>
+              <a:defRPr/>
+            </a:lvl5pPr>
+          </a:lstStyle>
+          <a:p>
+            <a:pPr lvl="0"/>
+            <a:r>
+              <a:rPr lang="en-US" dirty="0"/>
+              <a:t>Click to edit optional author</a:t>
+            </a:r>
+          </a:p>
+        </p:txBody>
+      </p:sp>
+    </p:spTree>
+    <p:extLst>
+      <p:ext uri="{BB962C8B-B14F-4D97-AF65-F5344CB8AC3E}">
+        <p14:creationId xmlns:p14="http://schemas.microsoft.com/office/powerpoint/2010/main" val="991214009"/>
+      </p:ext>
+    </p:extLst>
+  </p:cSld>
+  <p:clrMapOvr>
+    <a:masterClrMapping/>
+  </p:clrMapOvr>
+  <p:transition>
+    <p:fade/>
+  </p:transition>
+  <p:extLst>
+    <p:ext uri="{DCECCB84-F9BA-43D5-87BE-67443E8EF086}">
+      <p15:sldGuideLst xmlns:p15="http://schemas.microsoft.com/office/powerpoint/2012/main">
+        <p15:guide id="2" orient="horz" pos="2088">
+          <p15:clr>
+            <a:srgbClr val="FBAE40"/>
+          </p15:clr>
+        </p15:guide>
+        <p15:guide id="3" orient="horz" pos="360">
+          <p15:clr>
+            <a:srgbClr val="FBAE40"/>
+          </p15:clr>
+        </p15:guide>
+      </p15:sldGuideLst>
+    </p:ext>
+  </p:extLst>
+</p:sldLayout>
+</file>
+
+<file path=ppt/slideLayouts/slideLayout36.xml><?xml version="1.0" encoding="utf-8"?>
+<p:sldLayout xmlns:a="http://schemas.openxmlformats.org/drawingml/2006/main" xmlns:r="http://schemas.openxmlformats.org/officeDocument/2006/relationships" xmlns:p="http://schemas.openxmlformats.org/presentationml/2006/main" preserve="1" userDrawn="1">
+  <p:cSld name="Title Only">
+    <p:spTree>
+      <p:nvGrpSpPr>
+        <p:cNvPr id="1" name=""/>
+        <p:cNvGrpSpPr/>
+        <p:nvPr/>
+      </p:nvGrpSpPr>
+      <p:grpSpPr>
+        <a:xfrm>
+          <a:off x="0" y="0"/>
+          <a:ext cx="0" cy="0"/>
+          <a:chOff x="0" y="0"/>
+          <a:chExt cx="0" cy="0"/>
+        </a:xfrm>
+      </p:grpSpPr>
+      <p:sp>
+        <p:nvSpPr>
+          <p:cNvPr id="2" name="Title 1"/>
+          <p:cNvSpPr>
+            <a:spLocks noGrp="1"/>
+          </p:cNvSpPr>
+          <p:nvPr>
+            <p:ph type="title"/>
+          </p:nvPr>
+        </p:nvSpPr>
+        <p:spPr/>
+        <p:txBody>
+          <a:bodyPr anchor="t" anchorCtr="0">
+            <a:noAutofit/>
+          </a:bodyPr>
+          <a:lstStyle/>
+          <a:p>
+            <a:r>
+              <a:rPr lang="en-US"/>
+              <a:t>Click to edit Master title style</a:t>
+            </a:r>
+            <a:endParaRPr lang="en-US" dirty="0"/>
+          </a:p>
+        </p:txBody>
+      </p:sp>
+      <p:sp>
+        <p:nvSpPr>
+          <p:cNvPr id="5" name="Slide Number Placeholder 4"/>
+          <p:cNvSpPr>
+            <a:spLocks noGrp="1"/>
+          </p:cNvSpPr>
+          <p:nvPr>
+            <p:ph type="sldNum" sz="quarter" idx="12"/>
+          </p:nvPr>
+        </p:nvSpPr>
+        <p:spPr/>
+        <p:txBody>
+          <a:bodyPr/>
+          <a:lstStyle/>
+          <a:p>
+            <a:fld id="{B68F88C8-0A9A-DA43-95C8-7FE161A05352}" type="slidenum">
+              <a:rPr lang="en-US" smtClean="0"/>
+              <a:t>‹#›</a:t>
+            </a:fld>
+            <a:endParaRPr lang="en-US"/>
+          </a:p>
+        </p:txBody>
+      </p:sp>
+      <p:sp>
+        <p:nvSpPr>
+          <p:cNvPr id="6" name="TextBox 5"/>
+          <p:cNvSpPr txBox="1"/>
+          <p:nvPr userDrawn="1"/>
+        </p:nvSpPr>
+        <p:spPr>
+          <a:xfrm>
+            <a:off x="265815" y="-496181"/>
+            <a:ext cx="1690677" cy="483989"/>
+          </a:xfrm>
+          <a:prstGeom prst="round2SameRect">
+            <a:avLst/>
+          </a:prstGeom>
+          <a:solidFill>
+            <a:srgbClr val="F9FAF9"/>
+          </a:solidFill>
+          <a:ln w="6350">
+            <a:solidFill>
+              <a:schemeClr val="accent2"/>
+            </a:solidFill>
+          </a:ln>
+        </p:spPr>
+        <p:txBody>
+          <a:bodyPr wrap="none" lIns="182880" tIns="91440" rIns="182880" bIns="182880" rtlCol="0">
+            <a:spAutoFit/>
+          </a:bodyPr>
+          <a:lstStyle/>
+          <a:p>
+            <a:r>
+              <a:rPr lang="en-US" sz="1200" b="1" dirty="0">
+                <a:solidFill>
+                  <a:schemeClr val="accent2"/>
+                </a:solidFill>
+              </a:rPr>
+              <a:t>Master:</a:t>
+            </a:r>
+            <a:r>
+              <a:rPr lang="en-US" sz="1200" b="1" baseline="0" dirty="0">
+                <a:solidFill>
+                  <a:schemeClr val="accent2"/>
+                </a:solidFill>
+              </a:rPr>
+              <a:t> Title Only</a:t>
+            </a:r>
+            <a:endParaRPr lang="en-US" sz="1200" b="1" dirty="0">
+              <a:solidFill>
+                <a:schemeClr val="accent2"/>
+              </a:solidFill>
+            </a:endParaRPr>
+          </a:p>
+        </p:txBody>
+      </p:sp>
+      <p:sp>
+        <p:nvSpPr>
+          <p:cNvPr id="7" name="Text Placeholder 2">
+            <a:extLst>
+              <a:ext uri="{FF2B5EF4-FFF2-40B4-BE49-F238E27FC236}">
+                <a16:creationId xmlns:a16="http://schemas.microsoft.com/office/drawing/2014/main" id="{273CC05F-D06D-3140-B072-F1CAE0BC36A3}"/>
+              </a:ext>
+            </a:extLst>
+          </p:cNvPr>
+          <p:cNvSpPr>
+            <a:spLocks noGrp="1"/>
+          </p:cNvSpPr>
+          <p:nvPr>
+            <p:ph type="body" sz="quarter" idx="11" hasCustomPrompt="1"/>
+          </p:nvPr>
+        </p:nvSpPr>
+        <p:spPr>
+          <a:xfrm>
+            <a:off x="457200" y="10511"/>
+            <a:ext cx="2787943" cy="307777"/>
+          </a:xfrm>
+          <a:solidFill>
+            <a:schemeClr val="accent1">
+              <a:alpha val="5000"/>
+            </a:schemeClr>
+          </a:solidFill>
+          <a:ln>
+            <a:noFill/>
+          </a:ln>
+        </p:spPr>
+        <p:txBody>
+          <a:bodyPr wrap="none" lIns="91440" tIns="91440" rIns="91440" bIns="91440" anchor="ctr">
+            <a:spAutoFit/>
+          </a:bodyPr>
+          <a:lstStyle>
+            <a:lvl1pPr marL="0" indent="0" algn="l">
+              <a:buFontTx/>
+              <a:buNone/>
+              <a:defRPr sz="800" b="0" cap="all" spc="100" baseline="0">
+                <a:solidFill>
+                  <a:schemeClr val="accent1"/>
+                </a:solidFill>
+                <a:latin typeface="+mj-lt"/>
+              </a:defRPr>
+            </a:lvl1pPr>
+          </a:lstStyle>
+          <a:p>
+            <a:pPr lvl="0"/>
+            <a:r>
+              <a:rPr lang="en-US" dirty="0"/>
+              <a:t>CLICK TO ADD optional SECTION HEADER</a:t>
+            </a:r>
+          </a:p>
+        </p:txBody>
+      </p:sp>
+    </p:spTree>
+    <p:extLst>
+      <p:ext uri="{BB962C8B-B14F-4D97-AF65-F5344CB8AC3E}">
+        <p14:creationId xmlns:p14="http://schemas.microsoft.com/office/powerpoint/2010/main" val="153046535"/>
+      </p:ext>
+    </p:extLst>
+  </p:cSld>
+  <p:clrMapOvr>
+    <a:masterClrMapping/>
+  </p:clrMapOvr>
+  <p:transition>
+    <p:fade/>
+  </p:transition>
+</p:sldLayout>
+</file>
+
+<file path=ppt/slideLayouts/slideLayout37.xml><?xml version="1.0" encoding="utf-8"?>
+<p:sldLayout xmlns:a="http://schemas.openxmlformats.org/drawingml/2006/main" xmlns:r="http://schemas.openxmlformats.org/officeDocument/2006/relationships" xmlns:p="http://schemas.openxmlformats.org/presentationml/2006/main" preserve="1" userDrawn="1">
+  <p:cSld name="Bullets">
+    <p:spTree>
+      <p:nvGrpSpPr>
+        <p:cNvPr id="1" name=""/>
+        <p:cNvGrpSpPr/>
+        <p:nvPr/>
+      </p:nvGrpSpPr>
+      <p:grpSpPr>
+        <a:xfrm>
+          <a:off x="0" y="0"/>
+          <a:ext cx="0" cy="0"/>
+          <a:chOff x="0" y="0"/>
+          <a:chExt cx="0" cy="0"/>
+        </a:xfrm>
+      </p:grpSpPr>
+      <p:sp>
+        <p:nvSpPr>
+          <p:cNvPr id="5" name="Slide Number Placeholder 5"/>
+          <p:cNvSpPr>
+            <a:spLocks noGrp="1"/>
+          </p:cNvSpPr>
+          <p:nvPr>
+            <p:ph type="sldNum" sz="quarter" idx="4"/>
+          </p:nvPr>
+        </p:nvSpPr>
+        <p:spPr>
+          <a:xfrm>
+            <a:off x="8991600" y="6467708"/>
+            <a:ext cx="2743200" cy="209316"/>
+          </a:xfrm>
+          <a:prstGeom prst="rect">
+            <a:avLst/>
+          </a:prstGeom>
+        </p:spPr>
+        <p:txBody>
+          <a:bodyPr vert="horz" lIns="0" tIns="0" rIns="0" bIns="0" rtlCol="0" anchor="ctr"/>
+          <a:lstStyle>
+            <a:lvl1pPr algn="r">
+              <a:defRPr sz="1000">
+                <a:solidFill>
+                  <a:schemeClr val="tx1">
+                    <a:tint val="75000"/>
+                  </a:schemeClr>
+                </a:solidFill>
+                <a:latin typeface="Lato" charset="0"/>
+                <a:ea typeface="Lato" charset="0"/>
+                <a:cs typeface="Lato" charset="0"/>
+              </a:defRPr>
+            </a:lvl1pPr>
+          </a:lstStyle>
+          <a:p>
+            <a:fld id="{B68F88C8-0A9A-DA43-95C8-7FE161A05352}" type="slidenum">
+              <a:rPr lang="en-US" smtClean="0"/>
+              <a:pPr/>
+              <a:t>‹#›</a:t>
+            </a:fld>
+            <a:endParaRPr lang="en-US"/>
+          </a:p>
+        </p:txBody>
+      </p:sp>
+      <p:sp>
+        <p:nvSpPr>
+          <p:cNvPr id="7" name="Title 6"/>
+          <p:cNvSpPr>
+            <a:spLocks noGrp="1"/>
+          </p:cNvSpPr>
+          <p:nvPr>
+            <p:ph type="title"/>
+          </p:nvPr>
+        </p:nvSpPr>
+        <p:spPr/>
+        <p:txBody>
+          <a:bodyPr lIns="0" rIns="0" anchor="t" anchorCtr="0">
+            <a:noAutofit/>
+          </a:bodyPr>
+          <a:lstStyle>
+            <a:lvl1pPr>
+              <a:defRPr b="1" baseline="0">
+                <a:latin typeface="+mj-lt"/>
+              </a:defRPr>
+            </a:lvl1pPr>
+          </a:lstStyle>
+          <a:p>
+            <a:r>
+              <a:rPr lang="en-US"/>
+              <a:t>Click to edit Master title style</a:t>
+            </a:r>
+            <a:endParaRPr lang="en-US" dirty="0"/>
+          </a:p>
+        </p:txBody>
+      </p:sp>
+      <p:sp>
+        <p:nvSpPr>
+          <p:cNvPr id="12" name="Text Placeholder 11"/>
+          <p:cNvSpPr>
+            <a:spLocks noGrp="1"/>
+          </p:cNvSpPr>
+          <p:nvPr>
+            <p:ph type="body" sz="quarter" idx="10"/>
+          </p:nvPr>
+        </p:nvSpPr>
+        <p:spPr>
+          <a:xfrm>
+            <a:off x="457200" y="1690688"/>
+            <a:ext cx="10214658" cy="4367212"/>
+          </a:xfrm>
+        </p:spPr>
+        <p:txBody>
+          <a:bodyPr tIns="0" bIns="91440">
+            <a:noAutofit/>
+          </a:bodyPr>
+          <a:lstStyle>
+            <a:lvl1pPr>
+              <a:lnSpc>
+                <a:spcPct val="108000"/>
+              </a:lnSpc>
+              <a:spcBef>
+                <a:spcPts val="0"/>
+              </a:spcBef>
+              <a:spcAft>
+                <a:spcPts val="1600"/>
+              </a:spcAft>
+              <a:defRPr baseline="0">
+                <a:latin typeface="+mn-lt"/>
+              </a:defRPr>
+            </a:lvl1pPr>
+            <a:lvl2pPr>
+              <a:lnSpc>
+                <a:spcPct val="108000"/>
+              </a:lnSpc>
+              <a:spcBef>
+                <a:spcPts val="0"/>
+              </a:spcBef>
+              <a:spcAft>
+                <a:spcPts val="1600"/>
+              </a:spcAft>
+              <a:defRPr>
+                <a:latin typeface="+mn-lt"/>
+              </a:defRPr>
+            </a:lvl2pPr>
+            <a:lvl3pPr>
+              <a:lnSpc>
+                <a:spcPct val="108000"/>
+              </a:lnSpc>
+              <a:spcBef>
+                <a:spcPts val="0"/>
+              </a:spcBef>
+              <a:spcAft>
+                <a:spcPts val="1600"/>
+              </a:spcAft>
+              <a:defRPr>
+                <a:latin typeface="+mn-lt"/>
+              </a:defRPr>
+            </a:lvl3pPr>
+            <a:lvl4pPr>
+              <a:lnSpc>
+                <a:spcPct val="108000"/>
+              </a:lnSpc>
+              <a:spcBef>
+                <a:spcPts val="0"/>
+              </a:spcBef>
+              <a:spcAft>
+                <a:spcPts val="1600"/>
+              </a:spcAft>
+              <a:defRPr>
+                <a:latin typeface="+mn-lt"/>
+              </a:defRPr>
+            </a:lvl4pPr>
+            <a:lvl5pPr>
+              <a:lnSpc>
+                <a:spcPct val="108000"/>
+              </a:lnSpc>
+              <a:spcBef>
+                <a:spcPts val="0"/>
+              </a:spcBef>
+              <a:spcAft>
+                <a:spcPts val="1600"/>
+              </a:spcAft>
+              <a:defRPr>
+                <a:latin typeface="+mn-lt"/>
+              </a:defRPr>
+            </a:lvl5pPr>
+          </a:lstStyle>
+          <a:p>
+            <a:pPr lvl="0"/>
+            <a:r>
+              <a:rPr lang="en-US"/>
+              <a:t>Click to edit Master text styles</a:t>
+            </a:r>
+          </a:p>
+          <a:p>
+            <a:pPr lvl="1"/>
+            <a:r>
+              <a:rPr lang="en-US"/>
+              <a:t>Second level</a:t>
+            </a:r>
+          </a:p>
+          <a:p>
+            <a:pPr lvl="2"/>
+            <a:r>
+              <a:rPr lang="en-US"/>
+              <a:t>Third level</a:t>
+            </a:r>
+          </a:p>
+          <a:p>
+            <a:pPr lvl="3"/>
+            <a:r>
+              <a:rPr lang="en-US"/>
+              <a:t>Fourth level</a:t>
+            </a:r>
+          </a:p>
+          <a:p>
+            <a:pPr lvl="4"/>
+            <a:r>
+              <a:rPr lang="en-US"/>
+              <a:t>Fifth level</a:t>
+            </a:r>
+            <a:endParaRPr lang="en-US" dirty="0"/>
+          </a:p>
+        </p:txBody>
+      </p:sp>
+      <p:sp>
+        <p:nvSpPr>
+          <p:cNvPr id="6" name="TextBox 5"/>
+          <p:cNvSpPr txBox="1"/>
+          <p:nvPr userDrawn="1"/>
+        </p:nvSpPr>
+        <p:spPr>
+          <a:xfrm>
+            <a:off x="265815" y="-496181"/>
+            <a:ext cx="1999504" cy="483989"/>
+          </a:xfrm>
+          <a:prstGeom prst="round2SameRect">
+            <a:avLst/>
+          </a:prstGeom>
+          <a:solidFill>
+            <a:srgbClr val="F9FAF9"/>
+          </a:solidFill>
+          <a:ln w="6350">
+            <a:solidFill>
+              <a:schemeClr val="accent2"/>
+            </a:solidFill>
+          </a:ln>
+        </p:spPr>
+        <p:txBody>
+          <a:bodyPr wrap="none" lIns="182880" tIns="91440" rIns="182880" bIns="182880" rtlCol="0">
+            <a:spAutoFit/>
+          </a:bodyPr>
+          <a:lstStyle/>
+          <a:p>
+            <a:r>
+              <a:rPr lang="en-US" sz="1200" b="1" dirty="0">
+                <a:solidFill>
+                  <a:schemeClr val="accent2"/>
+                </a:solidFill>
+              </a:rPr>
+              <a:t>Master:</a:t>
+            </a:r>
+            <a:r>
+              <a:rPr lang="en-US" sz="1200" b="1" baseline="0" dirty="0">
+                <a:solidFill>
+                  <a:schemeClr val="accent2"/>
+                </a:solidFill>
+              </a:rPr>
+              <a:t> Title + Bullets</a:t>
+            </a:r>
+            <a:endParaRPr lang="en-US" sz="1200" b="1" dirty="0">
+              <a:solidFill>
+                <a:schemeClr val="accent2"/>
+              </a:solidFill>
+            </a:endParaRPr>
+          </a:p>
+        </p:txBody>
+      </p:sp>
+      <p:sp>
+        <p:nvSpPr>
+          <p:cNvPr id="8" name="Text Placeholder 2"/>
+          <p:cNvSpPr>
+            <a:spLocks noGrp="1"/>
+          </p:cNvSpPr>
+          <p:nvPr>
+            <p:ph type="body" sz="quarter" idx="11" hasCustomPrompt="1"/>
+          </p:nvPr>
+        </p:nvSpPr>
+        <p:spPr>
+          <a:xfrm>
+            <a:off x="457200" y="10511"/>
+            <a:ext cx="2787943" cy="307777"/>
+          </a:xfrm>
+          <a:solidFill>
+            <a:schemeClr val="accent1">
+              <a:alpha val="5000"/>
+            </a:schemeClr>
+          </a:solidFill>
+          <a:ln>
+            <a:noFill/>
+          </a:ln>
+        </p:spPr>
+        <p:txBody>
+          <a:bodyPr wrap="none" lIns="91440" tIns="91440" rIns="91440" bIns="91440" anchor="ctr">
+            <a:spAutoFit/>
+          </a:bodyPr>
+          <a:lstStyle>
+            <a:lvl1pPr marL="0" indent="0" algn="l">
+              <a:buFontTx/>
+              <a:buNone/>
+              <a:defRPr sz="800" b="0" cap="all" spc="100" baseline="0">
+                <a:solidFill>
+                  <a:schemeClr val="accent1"/>
+                </a:solidFill>
+                <a:latin typeface="+mj-lt"/>
+              </a:defRPr>
+            </a:lvl1pPr>
+          </a:lstStyle>
+          <a:p>
+            <a:pPr lvl="0"/>
+            <a:r>
+              <a:rPr lang="en-US" dirty="0"/>
+              <a:t>CLICK TO ADD optional SECTION HEADER</a:t>
+            </a:r>
+          </a:p>
+        </p:txBody>
+      </p:sp>
+    </p:spTree>
+    <p:extLst>
+      <p:ext uri="{BB962C8B-B14F-4D97-AF65-F5344CB8AC3E}">
+        <p14:creationId xmlns:p14="http://schemas.microsoft.com/office/powerpoint/2010/main" val="3597681348"/>
+      </p:ext>
+    </p:extLst>
+  </p:cSld>
+  <p:clrMapOvr>
+    <a:masterClrMapping/>
+  </p:clrMapOvr>
+  <p:transition>
+    <p:fade/>
+  </p:transition>
+</p:sldLayout>
+</file>
+
+<file path=ppt/slideLayouts/slideLayout38.xml><?xml version="1.0" encoding="utf-8"?>
+<p:sldLayout xmlns:a="http://schemas.openxmlformats.org/drawingml/2006/main" xmlns:r="http://schemas.openxmlformats.org/officeDocument/2006/relationships" xmlns:p="http://schemas.openxmlformats.org/presentationml/2006/main" preserve="1" userDrawn="1">
+  <p:cSld name="Bullets Large">
+    <p:spTree>
+      <p:nvGrpSpPr>
+        <p:cNvPr id="1" name=""/>
+        <p:cNvGrpSpPr/>
+        <p:nvPr/>
+      </p:nvGrpSpPr>
+      <p:grpSpPr>
+        <a:xfrm>
+          <a:off x="0" y="0"/>
+          <a:ext cx="0" cy="0"/>
+          <a:chOff x="0" y="0"/>
+          <a:chExt cx="0" cy="0"/>
+        </a:xfrm>
+      </p:grpSpPr>
+      <p:sp>
+        <p:nvSpPr>
+          <p:cNvPr id="5" name="Slide Number Placeholder 5"/>
+          <p:cNvSpPr>
+            <a:spLocks noGrp="1"/>
+          </p:cNvSpPr>
+          <p:nvPr>
+            <p:ph type="sldNum" sz="quarter" idx="4"/>
+          </p:nvPr>
+        </p:nvSpPr>
+        <p:spPr>
+          <a:xfrm>
+            <a:off x="8991600" y="6467708"/>
+            <a:ext cx="2743200" cy="209316"/>
+          </a:xfrm>
+          <a:prstGeom prst="rect">
+            <a:avLst/>
+          </a:prstGeom>
+        </p:spPr>
+        <p:txBody>
+          <a:bodyPr vert="horz" lIns="0" tIns="0" rIns="0" bIns="0" rtlCol="0" anchor="ctr"/>
+          <a:lstStyle>
+            <a:lvl1pPr algn="r">
+              <a:defRPr sz="1000">
+                <a:solidFill>
+                  <a:schemeClr val="tx1">
+                    <a:tint val="75000"/>
+                  </a:schemeClr>
+                </a:solidFill>
+                <a:latin typeface="Lato" charset="0"/>
+                <a:ea typeface="Lato" charset="0"/>
+                <a:cs typeface="Lato" charset="0"/>
+              </a:defRPr>
+            </a:lvl1pPr>
+          </a:lstStyle>
+          <a:p>
+            <a:fld id="{B68F88C8-0A9A-DA43-95C8-7FE161A05352}" type="slidenum">
+              <a:rPr lang="en-US" smtClean="0"/>
+              <a:pPr/>
+              <a:t>‹#›</a:t>
+            </a:fld>
+            <a:endParaRPr lang="en-US"/>
+          </a:p>
+        </p:txBody>
+      </p:sp>
+      <p:sp>
+        <p:nvSpPr>
+          <p:cNvPr id="9" name="Rectangle 8"/>
+          <p:cNvSpPr/>
+          <p:nvPr userDrawn="1"/>
+        </p:nvSpPr>
+        <p:spPr>
+          <a:xfrm>
+            <a:off x="5265861" y="812181"/>
+            <a:ext cx="5908591" cy="4987064"/>
+          </a:xfrm>
+          <a:prstGeom prst="rect">
+            <a:avLst/>
+          </a:prstGeom>
+          <a:noFill/>
+          <a:ln>
+            <a:noFill/>
+          </a:ln>
+        </p:spPr>
+        <p:style>
+          <a:lnRef idx="2">
+            <a:schemeClr val="accent1">
+              <a:shade val="50000"/>
+            </a:schemeClr>
+          </a:lnRef>
+          <a:fillRef idx="1">
+            <a:schemeClr val="accent1"/>
+          </a:fillRef>
+          <a:effectRef idx="0">
+            <a:schemeClr val="accent1"/>
+          </a:effectRef>
+          <a:fontRef idx="minor">
+            <a:schemeClr val="lt1"/>
+          </a:fontRef>
+        </p:style>
+        <p:txBody>
+          <a:bodyPr rtlCol="0" anchor="ctr"/>
+          <a:lstStyle/>
+          <a:p>
+            <a:pPr algn="ctr"/>
+            <a:endParaRPr lang="en-US"/>
+          </a:p>
+        </p:txBody>
+      </p:sp>
+      <p:sp>
+        <p:nvSpPr>
+          <p:cNvPr id="7" name="Title 6"/>
+          <p:cNvSpPr>
+            <a:spLocks noGrp="1"/>
+          </p:cNvSpPr>
+          <p:nvPr>
+            <p:ph type="title"/>
+          </p:nvPr>
+        </p:nvSpPr>
+        <p:spPr/>
+        <p:txBody>
+          <a:bodyPr lIns="0" rIns="0" anchor="t" anchorCtr="0">
+            <a:noAutofit/>
+          </a:bodyPr>
+          <a:lstStyle>
+            <a:lvl1pPr>
+              <a:defRPr sz="3400" baseline="0">
+                <a:latin typeface="+mj-lt"/>
+              </a:defRPr>
+            </a:lvl1pPr>
+          </a:lstStyle>
+          <a:p>
+            <a:r>
+              <a:rPr lang="en-US"/>
+              <a:t>Click to edit Master title style</a:t>
+            </a:r>
+            <a:endParaRPr lang="en-US" dirty="0"/>
+          </a:p>
+        </p:txBody>
+      </p:sp>
+      <p:sp>
+        <p:nvSpPr>
+          <p:cNvPr id="12" name="Text Placeholder 11"/>
+          <p:cNvSpPr>
+            <a:spLocks noGrp="1"/>
+          </p:cNvSpPr>
+          <p:nvPr>
+            <p:ph type="body" sz="quarter" idx="10"/>
+          </p:nvPr>
+        </p:nvSpPr>
+        <p:spPr>
+          <a:xfrm>
+            <a:off x="457200" y="1690688"/>
+            <a:ext cx="10214658" cy="4367212"/>
+          </a:xfrm>
+        </p:spPr>
+        <p:txBody>
+          <a:bodyPr tIns="0" bIns="91440">
+            <a:noAutofit/>
+          </a:bodyPr>
+          <a:lstStyle>
+            <a:lvl1pPr marL="457200" indent="-457200">
+              <a:lnSpc>
+                <a:spcPct val="108000"/>
+              </a:lnSpc>
+              <a:spcAft>
+                <a:spcPts val="1200"/>
+              </a:spcAft>
+              <a:defRPr sz="3200" baseline="0">
+                <a:latin typeface="+mn-lt"/>
+              </a:defRPr>
+            </a:lvl1pPr>
+            <a:lvl2pPr marL="914400" indent="-457200">
+              <a:lnSpc>
+                <a:spcPct val="108000"/>
+              </a:lnSpc>
+              <a:spcAft>
+                <a:spcPts val="1200"/>
+              </a:spcAft>
+              <a:defRPr sz="2800" baseline="0">
+                <a:latin typeface="+mn-lt"/>
+              </a:defRPr>
+            </a:lvl2pPr>
+            <a:lvl3pPr marL="1371600" indent="-457200">
+              <a:lnSpc>
+                <a:spcPct val="108000"/>
+              </a:lnSpc>
+              <a:spcAft>
+                <a:spcPts val="1200"/>
+              </a:spcAft>
+              <a:defRPr sz="2800" baseline="0">
+                <a:latin typeface="+mn-lt"/>
+              </a:defRPr>
+            </a:lvl3pPr>
+            <a:lvl4pPr marL="1828800" indent="-457200">
+              <a:lnSpc>
+                <a:spcPct val="108000"/>
+              </a:lnSpc>
+              <a:spcAft>
+                <a:spcPts val="1200"/>
+              </a:spcAft>
+              <a:defRPr sz="2800" baseline="0">
+                <a:latin typeface="+mn-lt"/>
+              </a:defRPr>
+            </a:lvl4pPr>
+            <a:lvl5pPr marL="2286000" indent="-457200">
+              <a:lnSpc>
+                <a:spcPct val="108000"/>
+              </a:lnSpc>
+              <a:spcAft>
+                <a:spcPts val="1200"/>
+              </a:spcAft>
+              <a:defRPr sz="2800" baseline="0">
+                <a:latin typeface="+mn-lt"/>
+              </a:defRPr>
+            </a:lvl5pPr>
+          </a:lstStyle>
+          <a:p>
+            <a:pPr lvl="0"/>
+            <a:r>
+              <a:rPr lang="en-US"/>
+              <a:t>Click to edit Master text styles</a:t>
+            </a:r>
+          </a:p>
+          <a:p>
+            <a:pPr lvl="1"/>
+            <a:r>
+              <a:rPr lang="en-US"/>
+              <a:t>Second level</a:t>
+            </a:r>
+          </a:p>
+          <a:p>
+            <a:pPr lvl="2"/>
+            <a:r>
+              <a:rPr lang="en-US"/>
+              <a:t>Third level</a:t>
+            </a:r>
+          </a:p>
+          <a:p>
+            <a:pPr lvl="3"/>
+            <a:r>
+              <a:rPr lang="en-US"/>
+              <a:t>Fourth level</a:t>
+            </a:r>
+          </a:p>
+          <a:p>
+            <a:pPr lvl="4"/>
+            <a:r>
+              <a:rPr lang="en-US"/>
+              <a:t>Fifth level</a:t>
+            </a:r>
+            <a:endParaRPr lang="en-US" dirty="0"/>
+          </a:p>
+        </p:txBody>
+      </p:sp>
+      <p:sp>
+        <p:nvSpPr>
+          <p:cNvPr id="6" name="TextBox 5"/>
+          <p:cNvSpPr txBox="1"/>
+          <p:nvPr userDrawn="1"/>
+        </p:nvSpPr>
+        <p:spPr>
+          <a:xfrm>
+            <a:off x="265815" y="-496181"/>
+            <a:ext cx="2470098" cy="483989"/>
+          </a:xfrm>
+          <a:prstGeom prst="round2SameRect">
+            <a:avLst/>
+          </a:prstGeom>
+          <a:solidFill>
+            <a:srgbClr val="F9FAF9"/>
+          </a:solidFill>
+          <a:ln w="6350">
+            <a:solidFill>
+              <a:schemeClr val="accent2"/>
+            </a:solidFill>
+          </a:ln>
+        </p:spPr>
+        <p:txBody>
+          <a:bodyPr wrap="none" lIns="182880" tIns="91440" rIns="182880" bIns="182880" rtlCol="0">
+            <a:spAutoFit/>
+          </a:bodyPr>
+          <a:lstStyle/>
+          <a:p>
+            <a:r>
+              <a:rPr lang="en-US" sz="1200" b="1" dirty="0">
+                <a:solidFill>
+                  <a:schemeClr val="accent2"/>
+                </a:solidFill>
+              </a:rPr>
+              <a:t>Master:</a:t>
+            </a:r>
+            <a:r>
+              <a:rPr lang="en-US" sz="1200" b="1" baseline="0" dirty="0">
+                <a:solidFill>
+                  <a:schemeClr val="accent2"/>
+                </a:solidFill>
+              </a:rPr>
+              <a:t> Title + Large Bullets</a:t>
+            </a:r>
+            <a:endParaRPr lang="en-US" sz="1200" b="1" dirty="0">
+              <a:solidFill>
+                <a:schemeClr val="accent2"/>
+              </a:solidFill>
+            </a:endParaRPr>
+          </a:p>
+        </p:txBody>
+      </p:sp>
+      <p:sp>
+        <p:nvSpPr>
+          <p:cNvPr id="10" name="Text Placeholder 2">
+            <a:extLst>
+              <a:ext uri="{FF2B5EF4-FFF2-40B4-BE49-F238E27FC236}">
+                <a16:creationId xmlns:a16="http://schemas.microsoft.com/office/drawing/2014/main" id="{49344CE9-DF0E-244E-9177-5BB7481879A3}"/>
+              </a:ext>
+            </a:extLst>
+          </p:cNvPr>
+          <p:cNvSpPr>
+            <a:spLocks noGrp="1"/>
+          </p:cNvSpPr>
+          <p:nvPr>
+            <p:ph type="body" sz="quarter" idx="11" hasCustomPrompt="1"/>
+          </p:nvPr>
+        </p:nvSpPr>
+        <p:spPr>
+          <a:xfrm>
+            <a:off x="457200" y="10511"/>
+            <a:ext cx="2787943" cy="307777"/>
+          </a:xfrm>
+          <a:solidFill>
+            <a:schemeClr val="accent1">
+              <a:alpha val="5000"/>
+            </a:schemeClr>
+          </a:solidFill>
+          <a:ln>
+            <a:noFill/>
+          </a:ln>
+        </p:spPr>
+        <p:txBody>
+          <a:bodyPr wrap="none" lIns="91440" tIns="91440" rIns="91440" bIns="91440" anchor="ctr">
+            <a:spAutoFit/>
+          </a:bodyPr>
+          <a:lstStyle>
+            <a:lvl1pPr marL="0" indent="0" algn="l">
+              <a:buFontTx/>
+              <a:buNone/>
+              <a:defRPr sz="800" b="0" cap="all" spc="100" baseline="0">
+                <a:solidFill>
+                  <a:schemeClr val="accent1"/>
+                </a:solidFill>
+                <a:latin typeface="+mj-lt"/>
+              </a:defRPr>
+            </a:lvl1pPr>
+          </a:lstStyle>
+          <a:p>
+            <a:pPr lvl="0"/>
+            <a:r>
+              <a:rPr lang="en-US" dirty="0"/>
+              <a:t>CLICK TO ADD optional SECTION HEADER</a:t>
+            </a:r>
+          </a:p>
+        </p:txBody>
+      </p:sp>
+    </p:spTree>
+    <p:extLst>
+      <p:ext uri="{BB962C8B-B14F-4D97-AF65-F5344CB8AC3E}">
+        <p14:creationId xmlns:p14="http://schemas.microsoft.com/office/powerpoint/2010/main" val="4080402531"/>
+      </p:ext>
+    </p:extLst>
+  </p:cSld>
+  <p:clrMapOvr>
+    <a:masterClrMapping/>
+  </p:clrMapOvr>
+  <p:transition>
+    <p:fade/>
+  </p:transition>
+</p:sldLayout>
+</file>
+
+<file path=ppt/slideLayouts/slideLayout39.xml><?xml version="1.0" encoding="utf-8"?>
+<p:sldLayout xmlns:a="http://schemas.openxmlformats.org/drawingml/2006/main" xmlns:r="http://schemas.openxmlformats.org/officeDocument/2006/relationships" xmlns:p="http://schemas.openxmlformats.org/presentationml/2006/main" preserve="1" userDrawn="1">
+  <p:cSld name="Figure with annotation">
+    <p:spTree>
+      <p:nvGrpSpPr>
+        <p:cNvPr id="1" name=""/>
+        <p:cNvGrpSpPr/>
+        <p:nvPr/>
+      </p:nvGrpSpPr>
+      <p:grpSpPr>
+        <a:xfrm>
+          <a:off x="0" y="0"/>
+          <a:ext cx="0" cy="0"/>
+          <a:chOff x="0" y="0"/>
+          <a:chExt cx="0" cy="0"/>
+        </a:xfrm>
+      </p:grpSpPr>
+      <p:sp>
+        <p:nvSpPr>
+          <p:cNvPr id="7" name="Slide Number Placeholder 5"/>
+          <p:cNvSpPr>
+            <a:spLocks noGrp="1"/>
+          </p:cNvSpPr>
+          <p:nvPr>
+            <p:ph type="sldNum" sz="quarter" idx="4"/>
+          </p:nvPr>
+        </p:nvSpPr>
+        <p:spPr>
+          <a:xfrm>
+            <a:off x="8991600" y="6467708"/>
+            <a:ext cx="2743200" cy="209316"/>
+          </a:xfrm>
+          <a:prstGeom prst="rect">
+            <a:avLst/>
+          </a:prstGeom>
+        </p:spPr>
+        <p:txBody>
+          <a:bodyPr vert="horz" lIns="0" tIns="0" rIns="0" bIns="0" rtlCol="0" anchor="ctr"/>
+          <a:lstStyle>
+            <a:lvl1pPr algn="r">
+              <a:defRPr sz="1000">
+                <a:solidFill>
+                  <a:schemeClr val="tx1">
+                    <a:tint val="75000"/>
+                  </a:schemeClr>
+                </a:solidFill>
+                <a:latin typeface="Lato" charset="0"/>
+                <a:ea typeface="Lato" charset="0"/>
+                <a:cs typeface="Lato" charset="0"/>
+              </a:defRPr>
+            </a:lvl1pPr>
+          </a:lstStyle>
+          <a:p>
+            <a:fld id="{B68F88C8-0A9A-DA43-95C8-7FE161A05352}" type="slidenum">
+              <a:rPr lang="en-US" smtClean="0"/>
+              <a:pPr/>
+              <a:t>‹#›</a:t>
+            </a:fld>
+            <a:endParaRPr lang="en-US"/>
+          </a:p>
+        </p:txBody>
+      </p:sp>
+      <p:sp>
+        <p:nvSpPr>
+          <p:cNvPr id="9" name="Rectangle 8"/>
+          <p:cNvSpPr/>
+          <p:nvPr userDrawn="1"/>
+        </p:nvSpPr>
+        <p:spPr>
+          <a:xfrm>
+            <a:off x="5257800" y="533400"/>
+            <a:ext cx="6477000" cy="5524500"/>
+          </a:xfrm>
+          <a:prstGeom prst="rect">
+            <a:avLst/>
+          </a:prstGeom>
+          <a:noFill/>
+          <a:ln>
+            <a:noFill/>
+            <a:prstDash val="dash"/>
+          </a:ln>
+        </p:spPr>
+        <p:style>
+          <a:lnRef idx="2">
+            <a:schemeClr val="accent1">
+              <a:shade val="50000"/>
+            </a:schemeClr>
+          </a:lnRef>
+          <a:fillRef idx="1">
+            <a:schemeClr val="accent1"/>
+          </a:fillRef>
+          <a:effectRef idx="0">
+            <a:schemeClr val="accent1"/>
+          </a:effectRef>
+          <a:fontRef idx="minor">
+            <a:schemeClr val="lt1"/>
+          </a:fontRef>
+        </p:style>
+        <p:txBody>
+          <a:bodyPr rtlCol="0" anchor="ctr"/>
+          <a:lstStyle/>
+          <a:p>
+            <a:pPr algn="ctr"/>
+            <a:endParaRPr lang="en-US"/>
+          </a:p>
+        </p:txBody>
+      </p:sp>
+      <p:sp>
+        <p:nvSpPr>
+          <p:cNvPr id="6" name="Title 5"/>
+          <p:cNvSpPr>
+            <a:spLocks noGrp="1"/>
+          </p:cNvSpPr>
+          <p:nvPr>
+            <p:ph type="title"/>
+          </p:nvPr>
+        </p:nvSpPr>
+        <p:spPr>
+          <a:xfrm>
+            <a:off x="457200" y="533400"/>
+            <a:ext cx="3829050" cy="5524500"/>
+          </a:xfrm>
+        </p:spPr>
+        <p:txBody>
+          <a:bodyPr anchor="ctr">
+            <a:normAutofit/>
+          </a:bodyPr>
+          <a:lstStyle>
+            <a:lvl1pPr>
+              <a:lnSpc>
+                <a:spcPct val="100000"/>
+              </a:lnSpc>
+              <a:spcAft>
+                <a:spcPts val="1200"/>
+              </a:spcAft>
+              <a:defRPr sz="2200" b="1" i="0" baseline="0">
+                <a:latin typeface="+mj-lt"/>
+              </a:defRPr>
+            </a:lvl1pPr>
+          </a:lstStyle>
+          <a:p>
+            <a:r>
+              <a:rPr lang="en-US"/>
+              <a:t>Click to edit Master title style</a:t>
+            </a:r>
+            <a:endParaRPr lang="en-US" dirty="0"/>
+          </a:p>
+        </p:txBody>
+      </p:sp>
+      <p:sp>
+        <p:nvSpPr>
+          <p:cNvPr id="10" name="TextBox 9"/>
+          <p:cNvSpPr txBox="1"/>
+          <p:nvPr userDrawn="1"/>
+        </p:nvSpPr>
+        <p:spPr>
+          <a:xfrm>
+            <a:off x="265815" y="-496181"/>
+            <a:ext cx="2638812" cy="483989"/>
+          </a:xfrm>
+          <a:prstGeom prst="round2SameRect">
+            <a:avLst/>
+          </a:prstGeom>
+          <a:solidFill>
+            <a:srgbClr val="F9FAF9"/>
+          </a:solidFill>
+          <a:ln w="6350">
+            <a:solidFill>
+              <a:schemeClr val="accent2"/>
+            </a:solidFill>
+          </a:ln>
+        </p:spPr>
+        <p:txBody>
+          <a:bodyPr wrap="none" lIns="182880" tIns="91440" rIns="182880" bIns="182880" rtlCol="0">
+            <a:spAutoFit/>
+          </a:bodyPr>
+          <a:lstStyle/>
+          <a:p>
+            <a:r>
+              <a:rPr lang="en-US" sz="1200" b="1" dirty="0">
+                <a:solidFill>
+                  <a:schemeClr val="accent2"/>
+                </a:solidFill>
+              </a:rPr>
+              <a:t>Master:</a:t>
+            </a:r>
+            <a:r>
+              <a:rPr lang="en-US" sz="1200" b="1" baseline="0" dirty="0">
+                <a:solidFill>
+                  <a:schemeClr val="accent2"/>
+                </a:solidFill>
+              </a:rPr>
+              <a:t> Figure with annotation</a:t>
+            </a:r>
+            <a:endParaRPr lang="en-US" sz="1200" b="1" dirty="0">
+              <a:solidFill>
+                <a:schemeClr val="accent2"/>
+              </a:solidFill>
+            </a:endParaRPr>
+          </a:p>
+        </p:txBody>
+      </p:sp>
+      <p:sp>
+        <p:nvSpPr>
+          <p:cNvPr id="3" name="Content Placeholder 2"/>
+          <p:cNvSpPr>
+            <a:spLocks noGrp="1"/>
+          </p:cNvSpPr>
+          <p:nvPr>
+            <p:ph sz="quarter" idx="10"/>
+          </p:nvPr>
+        </p:nvSpPr>
+        <p:spPr>
+          <a:xfrm>
+            <a:off x="5257800" y="533400"/>
+            <a:ext cx="6477000" cy="5524500"/>
+          </a:xfrm>
+          <a:noFill/>
+        </p:spPr>
+        <p:txBody>
+          <a:bodyPr vert="horz" lIns="0" tIns="45720" rIns="0" bIns="45720" rtlCol="0">
+            <a:normAutofit/>
+          </a:bodyPr>
+          <a:lstStyle>
+            <a:lvl1pPr marL="228600" indent="-228600">
+              <a:buNone/>
+              <a:defRPr lang="en-US" smtClean="0">
+                <a:solidFill>
+                  <a:schemeClr val="bg2">
+                    <a:lumMod val="75000"/>
+                  </a:schemeClr>
+                </a:solidFill>
+              </a:defRPr>
+            </a:lvl1pPr>
+            <a:lvl2pPr>
+              <a:defRPr lang="en-US" smtClean="0"/>
+            </a:lvl2pPr>
+            <a:lvl3pPr>
+              <a:defRPr lang="en-US" smtClean="0"/>
+            </a:lvl3pPr>
+            <a:lvl4pPr>
+              <a:defRPr lang="en-US" smtClean="0"/>
+            </a:lvl4pPr>
+            <a:lvl5pPr>
+              <a:defRPr lang="en-US"/>
+            </a:lvl5pPr>
+          </a:lstStyle>
+          <a:p>
+            <a:pPr marL="0" lvl="0" indent="0" algn="ctr"/>
+            <a:r>
+              <a:rPr lang="en-US"/>
+              <a:t>Click to edit Master text styles</a:t>
+            </a:r>
+          </a:p>
+          <a:p>
+            <a:pPr marL="0" lvl="1" indent="0" algn="ctr"/>
+            <a:r>
+              <a:rPr lang="en-US"/>
+              <a:t>Second level</a:t>
+            </a:r>
+          </a:p>
+        </p:txBody>
+      </p:sp>
+      <p:sp>
+        <p:nvSpPr>
+          <p:cNvPr id="8" name="Text Placeholder 2">
+            <a:extLst>
+              <a:ext uri="{FF2B5EF4-FFF2-40B4-BE49-F238E27FC236}">
+                <a16:creationId xmlns:a16="http://schemas.microsoft.com/office/drawing/2014/main" id="{65C98F9E-B192-D84C-A126-928C54F5048C}"/>
+              </a:ext>
+            </a:extLst>
+          </p:cNvPr>
+          <p:cNvSpPr>
+            <a:spLocks noGrp="1"/>
+          </p:cNvSpPr>
+          <p:nvPr>
+            <p:ph type="body" sz="quarter" idx="11" hasCustomPrompt="1"/>
+          </p:nvPr>
+        </p:nvSpPr>
+        <p:spPr>
+          <a:xfrm>
+            <a:off x="457200" y="10511"/>
+            <a:ext cx="2787943" cy="307777"/>
+          </a:xfrm>
+          <a:solidFill>
+            <a:schemeClr val="accent1">
+              <a:alpha val="5000"/>
+            </a:schemeClr>
+          </a:solidFill>
+          <a:ln>
+            <a:noFill/>
+          </a:ln>
+        </p:spPr>
+        <p:txBody>
+          <a:bodyPr wrap="none" lIns="91440" tIns="91440" rIns="91440" bIns="91440" anchor="ctr">
+            <a:spAutoFit/>
+          </a:bodyPr>
+          <a:lstStyle>
+            <a:lvl1pPr marL="0" indent="0" algn="l">
+              <a:buFontTx/>
+              <a:buNone/>
+              <a:defRPr sz="800" b="0" cap="all" spc="100" baseline="0">
+                <a:solidFill>
+                  <a:schemeClr val="accent1"/>
+                </a:solidFill>
+                <a:latin typeface="+mj-lt"/>
+              </a:defRPr>
+            </a:lvl1pPr>
+          </a:lstStyle>
+          <a:p>
+            <a:pPr lvl="0"/>
+            <a:r>
+              <a:rPr lang="en-US" dirty="0"/>
+              <a:t>CLICK TO ADD optional SECTION HEADER</a:t>
+            </a:r>
+          </a:p>
+        </p:txBody>
+      </p:sp>
+    </p:spTree>
+    <p:extLst>
+      <p:ext uri="{BB962C8B-B14F-4D97-AF65-F5344CB8AC3E}">
+        <p14:creationId xmlns:p14="http://schemas.microsoft.com/office/powerpoint/2010/main" val="853788104"/>
+      </p:ext>
+    </p:extLst>
+  </p:cSld>
+  <p:clrMapOvr>
+    <a:masterClrMapping/>
+  </p:clrMapOvr>
+  <p:transition>
+    <p:fade/>
+  </p:transition>
+  <p:extLst>
+    <p:ext uri="{DCECCB84-F9BA-43D5-87BE-67443E8EF086}">
+      <p15:sldGuideLst xmlns:p15="http://schemas.microsoft.com/office/powerpoint/2012/main">
+        <p15:guide id="1" pos="3312">
+          <p15:clr>
+            <a:srgbClr val="FBAE40"/>
+          </p15:clr>
+        </p15:guide>
+      </p15:sldGuideLst>
+    </p:ext>
+  </p:extLst>
 </p:sldLayout>
 </file>
 
@@ -6189,7 +7899,7 @@
           <a:p>
             <a:fld id="{439A28B4-5BA0-4091-964E-885CA2C876C9}" type="datetimeFigureOut">
               <a:rPr lang="en-US" smtClean="0"/>
-              <a:t>5/13/2022</a:t>
+              <a:t>6/8/2022</a:t>
             </a:fld>
             <a:endParaRPr lang="en-US"/>
           </a:p>
@@ -6247,6 +7957,2169 @@
   <p:clrMapOvr>
     <a:masterClrMapping/>
   </p:clrMapOvr>
+</p:sldLayout>
+</file>
+
+<file path=ppt/slideLayouts/slideLayout40.xml><?xml version="1.0" encoding="utf-8"?>
+<p:sldLayout xmlns:a="http://schemas.openxmlformats.org/drawingml/2006/main" xmlns:r="http://schemas.openxmlformats.org/officeDocument/2006/relationships" xmlns:p="http://schemas.openxmlformats.org/presentationml/2006/main" preserve="1" userDrawn="1">
+  <p:cSld name="Figure with bullets">
+    <p:spTree>
+      <p:nvGrpSpPr>
+        <p:cNvPr id="1" name=""/>
+        <p:cNvGrpSpPr/>
+        <p:nvPr/>
+      </p:nvGrpSpPr>
+      <p:grpSpPr>
+        <a:xfrm>
+          <a:off x="0" y="0"/>
+          <a:ext cx="0" cy="0"/>
+          <a:chOff x="0" y="0"/>
+          <a:chExt cx="0" cy="0"/>
+        </a:xfrm>
+      </p:grpSpPr>
+      <p:sp>
+        <p:nvSpPr>
+          <p:cNvPr id="7" name="Slide Number Placeholder 5"/>
+          <p:cNvSpPr>
+            <a:spLocks noGrp="1"/>
+          </p:cNvSpPr>
+          <p:nvPr>
+            <p:ph type="sldNum" sz="quarter" idx="4"/>
+          </p:nvPr>
+        </p:nvSpPr>
+        <p:spPr>
+          <a:xfrm>
+            <a:off x="8991600" y="6467708"/>
+            <a:ext cx="2743200" cy="209316"/>
+          </a:xfrm>
+          <a:prstGeom prst="rect">
+            <a:avLst/>
+          </a:prstGeom>
+        </p:spPr>
+        <p:txBody>
+          <a:bodyPr vert="horz" lIns="0" tIns="0" rIns="0" bIns="0" rtlCol="0" anchor="ctr"/>
+          <a:lstStyle>
+            <a:lvl1pPr algn="r">
+              <a:defRPr sz="1000">
+                <a:solidFill>
+                  <a:schemeClr val="tx1">
+                    <a:tint val="75000"/>
+                  </a:schemeClr>
+                </a:solidFill>
+                <a:latin typeface="Lato" charset="0"/>
+                <a:ea typeface="Lato" charset="0"/>
+                <a:cs typeface="Lato" charset="0"/>
+              </a:defRPr>
+            </a:lvl1pPr>
+          </a:lstStyle>
+          <a:p>
+            <a:fld id="{B68F88C8-0A9A-DA43-95C8-7FE161A05352}" type="slidenum">
+              <a:rPr lang="en-US" smtClean="0"/>
+              <a:pPr/>
+              <a:t>‹#›</a:t>
+            </a:fld>
+            <a:endParaRPr lang="en-US"/>
+          </a:p>
+        </p:txBody>
+      </p:sp>
+      <p:sp>
+        <p:nvSpPr>
+          <p:cNvPr id="6" name="Title 5"/>
+          <p:cNvSpPr>
+            <a:spLocks noGrp="1"/>
+          </p:cNvSpPr>
+          <p:nvPr>
+            <p:ph type="title"/>
+          </p:nvPr>
+        </p:nvSpPr>
+        <p:spPr>
+          <a:xfrm>
+            <a:off x="457200" y="533400"/>
+            <a:ext cx="3657600" cy="1711036"/>
+          </a:xfrm>
+        </p:spPr>
+        <p:txBody>
+          <a:bodyPr anchor="b">
+            <a:noAutofit/>
+          </a:bodyPr>
+          <a:lstStyle>
+            <a:lvl1pPr>
+              <a:lnSpc>
+                <a:spcPct val="100000"/>
+              </a:lnSpc>
+              <a:spcAft>
+                <a:spcPts val="1200"/>
+              </a:spcAft>
+              <a:defRPr sz="2200" b="1" i="0" baseline="0">
+                <a:latin typeface="+mj-lt"/>
+              </a:defRPr>
+            </a:lvl1pPr>
+          </a:lstStyle>
+          <a:p>
+            <a:r>
+              <a:rPr lang="en-US"/>
+              <a:t>Click to edit Master title style</a:t>
+            </a:r>
+            <a:endParaRPr lang="en-US" dirty="0"/>
+          </a:p>
+        </p:txBody>
+      </p:sp>
+      <p:sp>
+        <p:nvSpPr>
+          <p:cNvPr id="3" name="Text Placeholder 2"/>
+          <p:cNvSpPr>
+            <a:spLocks noGrp="1"/>
+          </p:cNvSpPr>
+          <p:nvPr>
+            <p:ph type="body" sz="quarter" idx="11"/>
+          </p:nvPr>
+        </p:nvSpPr>
+        <p:spPr>
+          <a:xfrm>
+            <a:off x="457200" y="2481263"/>
+            <a:ext cx="3657600" cy="3254375"/>
+          </a:xfrm>
+        </p:spPr>
+        <p:txBody>
+          <a:bodyPr>
+            <a:noAutofit/>
+          </a:bodyPr>
+          <a:lstStyle>
+            <a:lvl1pPr>
+              <a:defRPr sz="2200" baseline="0">
+                <a:solidFill>
+                  <a:schemeClr val="tx1"/>
+                </a:solidFill>
+              </a:defRPr>
+            </a:lvl1pPr>
+            <a:lvl2pPr>
+              <a:defRPr sz="2200" baseline="0">
+                <a:solidFill>
+                  <a:schemeClr val="tx1"/>
+                </a:solidFill>
+              </a:defRPr>
+            </a:lvl2pPr>
+            <a:lvl3pPr>
+              <a:defRPr sz="2200" baseline="0">
+                <a:solidFill>
+                  <a:schemeClr val="tx1"/>
+                </a:solidFill>
+              </a:defRPr>
+            </a:lvl3pPr>
+            <a:lvl4pPr>
+              <a:defRPr sz="2200" baseline="0">
+                <a:solidFill>
+                  <a:schemeClr val="tx1"/>
+                </a:solidFill>
+              </a:defRPr>
+            </a:lvl4pPr>
+            <a:lvl5pPr>
+              <a:defRPr sz="2200" baseline="0">
+                <a:solidFill>
+                  <a:schemeClr val="tx1"/>
+                </a:solidFill>
+              </a:defRPr>
+            </a:lvl5pPr>
+          </a:lstStyle>
+          <a:p>
+            <a:pPr lvl="0"/>
+            <a:r>
+              <a:rPr lang="en-US"/>
+              <a:t>Click to edit Master text styles</a:t>
+            </a:r>
+          </a:p>
+          <a:p>
+            <a:pPr lvl="1"/>
+            <a:r>
+              <a:rPr lang="en-US"/>
+              <a:t>Second level</a:t>
+            </a:r>
+          </a:p>
+          <a:p>
+            <a:pPr lvl="2"/>
+            <a:r>
+              <a:rPr lang="en-US"/>
+              <a:t>Third level</a:t>
+            </a:r>
+          </a:p>
+          <a:p>
+            <a:pPr lvl="3"/>
+            <a:r>
+              <a:rPr lang="en-US"/>
+              <a:t>Fourth level</a:t>
+            </a:r>
+          </a:p>
+          <a:p>
+            <a:pPr lvl="4"/>
+            <a:r>
+              <a:rPr lang="en-US"/>
+              <a:t>Fifth level</a:t>
+            </a:r>
+            <a:endParaRPr lang="en-US" dirty="0"/>
+          </a:p>
+        </p:txBody>
+      </p:sp>
+      <p:sp>
+        <p:nvSpPr>
+          <p:cNvPr id="10" name="TextBox 9"/>
+          <p:cNvSpPr txBox="1"/>
+          <p:nvPr userDrawn="1"/>
+        </p:nvSpPr>
+        <p:spPr>
+          <a:xfrm>
+            <a:off x="265815" y="-496181"/>
+            <a:ext cx="3318584" cy="483989"/>
+          </a:xfrm>
+          <a:prstGeom prst="round2SameRect">
+            <a:avLst/>
+          </a:prstGeom>
+          <a:solidFill>
+            <a:srgbClr val="F9FAF9"/>
+          </a:solidFill>
+          <a:ln w="6350">
+            <a:solidFill>
+              <a:schemeClr val="accent2"/>
+            </a:solidFill>
+          </a:ln>
+        </p:spPr>
+        <p:txBody>
+          <a:bodyPr wrap="none" lIns="182880" tIns="91440" rIns="182880" bIns="182880" rtlCol="0">
+            <a:spAutoFit/>
+          </a:bodyPr>
+          <a:lstStyle/>
+          <a:p>
+            <a:r>
+              <a:rPr lang="en-US" sz="1200" b="1" dirty="0">
+                <a:solidFill>
+                  <a:schemeClr val="accent2"/>
+                </a:solidFill>
+              </a:rPr>
+              <a:t>Master:</a:t>
+            </a:r>
+            <a:r>
+              <a:rPr lang="en-US" sz="1200" b="1" baseline="0" dirty="0">
+                <a:solidFill>
+                  <a:schemeClr val="accent2"/>
+                </a:solidFill>
+              </a:rPr>
+              <a:t> Figure with annotation + bullets</a:t>
+            </a:r>
+            <a:endParaRPr lang="en-US" sz="1200" b="1" dirty="0">
+              <a:solidFill>
+                <a:schemeClr val="accent2"/>
+              </a:solidFill>
+            </a:endParaRPr>
+          </a:p>
+        </p:txBody>
+      </p:sp>
+      <p:sp>
+        <p:nvSpPr>
+          <p:cNvPr id="11" name="Content Placeholder 2"/>
+          <p:cNvSpPr>
+            <a:spLocks noGrp="1"/>
+          </p:cNvSpPr>
+          <p:nvPr>
+            <p:ph sz="quarter" idx="10"/>
+          </p:nvPr>
+        </p:nvSpPr>
+        <p:spPr>
+          <a:xfrm>
+            <a:off x="5257800" y="533400"/>
+            <a:ext cx="6477000" cy="5524500"/>
+          </a:xfrm>
+          <a:noFill/>
+        </p:spPr>
+        <p:txBody>
+          <a:bodyPr vert="horz" lIns="0" tIns="45720" rIns="0" bIns="45720" rtlCol="0">
+            <a:normAutofit/>
+          </a:bodyPr>
+          <a:lstStyle>
+            <a:lvl1pPr marL="228600" indent="-228600">
+              <a:buNone/>
+              <a:defRPr lang="en-US" smtClean="0">
+                <a:solidFill>
+                  <a:schemeClr val="accent2">
+                    <a:lumMod val="60000"/>
+                    <a:lumOff val="40000"/>
+                  </a:schemeClr>
+                </a:solidFill>
+              </a:defRPr>
+            </a:lvl1pPr>
+            <a:lvl2pPr>
+              <a:defRPr lang="en-US" smtClean="0"/>
+            </a:lvl2pPr>
+            <a:lvl3pPr>
+              <a:defRPr lang="en-US" smtClean="0"/>
+            </a:lvl3pPr>
+            <a:lvl4pPr>
+              <a:defRPr lang="en-US" smtClean="0"/>
+            </a:lvl4pPr>
+            <a:lvl5pPr>
+              <a:defRPr lang="en-US"/>
+            </a:lvl5pPr>
+          </a:lstStyle>
+          <a:p>
+            <a:pPr marL="0" lvl="0" indent="0" algn="ctr"/>
+            <a:r>
+              <a:rPr lang="en-US"/>
+              <a:t>Click to edit Master text styles</a:t>
+            </a:r>
+          </a:p>
+          <a:p>
+            <a:pPr marL="0" lvl="1" indent="0" algn="ctr"/>
+            <a:r>
+              <a:rPr lang="en-US"/>
+              <a:t>Second level</a:t>
+            </a:r>
+          </a:p>
+        </p:txBody>
+      </p:sp>
+      <p:sp>
+        <p:nvSpPr>
+          <p:cNvPr id="8" name="Text Placeholder 2">
+            <a:extLst>
+              <a:ext uri="{FF2B5EF4-FFF2-40B4-BE49-F238E27FC236}">
+                <a16:creationId xmlns:a16="http://schemas.microsoft.com/office/drawing/2014/main" id="{D7D7F6C5-3DA8-6043-843B-8F5B92A0628A}"/>
+              </a:ext>
+            </a:extLst>
+          </p:cNvPr>
+          <p:cNvSpPr>
+            <a:spLocks noGrp="1"/>
+          </p:cNvSpPr>
+          <p:nvPr>
+            <p:ph type="body" sz="quarter" idx="12" hasCustomPrompt="1"/>
+          </p:nvPr>
+        </p:nvSpPr>
+        <p:spPr>
+          <a:xfrm>
+            <a:off x="457200" y="10511"/>
+            <a:ext cx="2787943" cy="307777"/>
+          </a:xfrm>
+          <a:solidFill>
+            <a:schemeClr val="accent1">
+              <a:alpha val="5000"/>
+            </a:schemeClr>
+          </a:solidFill>
+          <a:ln>
+            <a:noFill/>
+          </a:ln>
+        </p:spPr>
+        <p:txBody>
+          <a:bodyPr wrap="none" lIns="91440" tIns="91440" rIns="91440" bIns="91440" anchor="ctr">
+            <a:spAutoFit/>
+          </a:bodyPr>
+          <a:lstStyle>
+            <a:lvl1pPr marL="0" indent="0" algn="l">
+              <a:buFontTx/>
+              <a:buNone/>
+              <a:defRPr sz="800" b="0" cap="all" spc="100" baseline="0">
+                <a:solidFill>
+                  <a:schemeClr val="accent1"/>
+                </a:solidFill>
+                <a:latin typeface="+mj-lt"/>
+              </a:defRPr>
+            </a:lvl1pPr>
+          </a:lstStyle>
+          <a:p>
+            <a:pPr lvl="0"/>
+            <a:r>
+              <a:rPr lang="en-US" dirty="0"/>
+              <a:t>CLICK TO ADD optional SECTION HEADER</a:t>
+            </a:r>
+          </a:p>
+        </p:txBody>
+      </p:sp>
+    </p:spTree>
+    <p:extLst>
+      <p:ext uri="{BB962C8B-B14F-4D97-AF65-F5344CB8AC3E}">
+        <p14:creationId xmlns:p14="http://schemas.microsoft.com/office/powerpoint/2010/main" val="1052318835"/>
+      </p:ext>
+    </p:extLst>
+  </p:cSld>
+  <p:clrMapOvr>
+    <a:masterClrMapping/>
+  </p:clrMapOvr>
+  <p:transition>
+    <p:fade/>
+  </p:transition>
+  <p:extLst>
+    <p:ext uri="{DCECCB84-F9BA-43D5-87BE-67443E8EF086}">
+      <p15:sldGuideLst xmlns:p15="http://schemas.microsoft.com/office/powerpoint/2012/main">
+        <p15:guide id="1" pos="3312">
+          <p15:clr>
+            <a:srgbClr val="FBAE40"/>
+          </p15:clr>
+        </p15:guide>
+      </p15:sldGuideLst>
+    </p:ext>
+  </p:extLst>
+</p:sldLayout>
+</file>
+
+<file path=ppt/slideLayouts/slideLayout41.xml><?xml version="1.0" encoding="utf-8"?>
+<p:sldLayout xmlns:a="http://schemas.openxmlformats.org/drawingml/2006/main" xmlns:r="http://schemas.openxmlformats.org/officeDocument/2006/relationships" xmlns:p="http://schemas.openxmlformats.org/presentationml/2006/main" showMasterSp="0" preserve="1" userDrawn="1">
+  <p:cSld name="Divider Blue">
+    <p:bg>
+      <p:bgPr>
+        <a:gradFill>
+          <a:gsLst>
+            <a:gs pos="0">
+              <a:schemeClr val="accent1"/>
+            </a:gs>
+            <a:gs pos="97000">
+              <a:schemeClr val="tx2"/>
+            </a:gs>
+          </a:gsLst>
+          <a:path path="circle">
+            <a:fillToRect l="50000" t="50000" r="50000" b="50000"/>
+          </a:path>
+        </a:gradFill>
+        <a:effectLst/>
+      </p:bgPr>
+    </p:bg>
+    <p:spTree>
+      <p:nvGrpSpPr>
+        <p:cNvPr id="1" name=""/>
+        <p:cNvGrpSpPr/>
+        <p:nvPr/>
+      </p:nvGrpSpPr>
+      <p:grpSpPr>
+        <a:xfrm>
+          <a:off x="0" y="0"/>
+          <a:ext cx="0" cy="0"/>
+          <a:chOff x="0" y="0"/>
+          <a:chExt cx="0" cy="0"/>
+        </a:xfrm>
+      </p:grpSpPr>
+      <p:sp>
+        <p:nvSpPr>
+          <p:cNvPr id="4" name="Slide Number Placeholder 3"/>
+          <p:cNvSpPr>
+            <a:spLocks noGrp="1"/>
+          </p:cNvSpPr>
+          <p:nvPr>
+            <p:ph type="sldNum" sz="quarter" idx="12"/>
+          </p:nvPr>
+        </p:nvSpPr>
+        <p:spPr/>
+        <p:txBody>
+          <a:bodyPr/>
+          <a:lstStyle>
+            <a:lvl1pPr>
+              <a:defRPr>
+                <a:ln>
+                  <a:solidFill>
+                    <a:schemeClr val="bg1"/>
+                  </a:solidFill>
+                </a:ln>
+              </a:defRPr>
+            </a:lvl1pPr>
+          </a:lstStyle>
+          <a:p>
+            <a:fld id="{B68F88C8-0A9A-DA43-95C8-7FE161A05352}" type="slidenum">
+              <a:rPr lang="en-US" smtClean="0"/>
+              <a:pPr/>
+              <a:t>‹#›</a:t>
+            </a:fld>
+            <a:endParaRPr lang="en-US"/>
+          </a:p>
+        </p:txBody>
+      </p:sp>
+      <p:sp>
+        <p:nvSpPr>
+          <p:cNvPr id="5" name="Title 4"/>
+          <p:cNvSpPr>
+            <a:spLocks noGrp="1"/>
+          </p:cNvSpPr>
+          <p:nvPr>
+            <p:ph type="title" hasCustomPrompt="1"/>
+          </p:nvPr>
+        </p:nvSpPr>
+        <p:spPr>
+          <a:xfrm>
+            <a:off x="457200" y="1981200"/>
+            <a:ext cx="11277600" cy="2895600"/>
+          </a:xfrm>
+        </p:spPr>
+        <p:txBody>
+          <a:bodyPr anchor="ctr">
+            <a:noAutofit/>
+          </a:bodyPr>
+          <a:lstStyle>
+            <a:lvl1pPr algn="ctr">
+              <a:defRPr sz="3600" baseline="0">
+                <a:solidFill>
+                  <a:schemeClr val="bg1"/>
+                </a:solidFill>
+                <a:latin typeface="+mj-lt"/>
+              </a:defRPr>
+            </a:lvl1pPr>
+          </a:lstStyle>
+          <a:p>
+            <a:r>
+              <a:rPr lang="en-US" dirty="0"/>
+              <a:t>Click to add a divider title</a:t>
+            </a:r>
+          </a:p>
+        </p:txBody>
+      </p:sp>
+      <p:pic>
+        <p:nvPicPr>
+          <p:cNvPr id="6" name="Picture 5"/>
+          <p:cNvPicPr>
+            <a:picLocks noChangeAspect="1"/>
+          </p:cNvPicPr>
+          <p:nvPr userDrawn="1"/>
+        </p:nvPicPr>
+        <p:blipFill rotWithShape="1">
+          <a:blip r:embed="rId2">
+            <a:extLst>
+              <a:ext uri="{BEBA8EAE-BF5A-486C-A8C5-ECC9F3942E4B}">
+                <a14:imgProps xmlns:a14="http://schemas.microsoft.com/office/drawing/2010/main">
+                  <a14:imgLayer r:embed="rId3">
+                    <a14:imgEffect>
+                      <a14:brightnessContrast bright="100000"/>
+                    </a14:imgEffect>
+                  </a14:imgLayer>
+                </a14:imgProps>
+              </a:ext>
+              <a:ext uri="{28A0092B-C50C-407E-A947-70E740481C1C}">
+                <a14:useLocalDpi xmlns:a14="http://schemas.microsoft.com/office/drawing/2010/main"/>
+              </a:ext>
+            </a:extLst>
+          </a:blip>
+          <a:srcRect t="-24944"/>
+          <a:stretch/>
+        </p:blipFill>
+        <p:spPr>
+          <a:xfrm>
+            <a:off x="320675" y="6521450"/>
+            <a:ext cx="2391113" cy="102824"/>
+          </a:xfrm>
+          <a:prstGeom prst="rect">
+            <a:avLst/>
+          </a:prstGeom>
+        </p:spPr>
+      </p:pic>
+      <p:sp>
+        <p:nvSpPr>
+          <p:cNvPr id="7" name="TextBox 6"/>
+          <p:cNvSpPr txBox="1"/>
+          <p:nvPr userDrawn="1"/>
+        </p:nvSpPr>
+        <p:spPr>
+          <a:xfrm>
+            <a:off x="265815" y="-496181"/>
+            <a:ext cx="1891202" cy="483989"/>
+          </a:xfrm>
+          <a:prstGeom prst="round2SameRect">
+            <a:avLst/>
+          </a:prstGeom>
+          <a:solidFill>
+            <a:srgbClr val="F9FAF9"/>
+          </a:solidFill>
+          <a:ln w="6350">
+            <a:solidFill>
+              <a:schemeClr val="accent2"/>
+            </a:solidFill>
+          </a:ln>
+        </p:spPr>
+        <p:txBody>
+          <a:bodyPr wrap="none" lIns="182880" tIns="91440" rIns="182880" bIns="182880" rtlCol="0">
+            <a:spAutoFit/>
+          </a:bodyPr>
+          <a:lstStyle/>
+          <a:p>
+            <a:r>
+              <a:rPr lang="en-US" sz="1200" b="1" dirty="0">
+                <a:solidFill>
+                  <a:schemeClr val="accent2"/>
+                </a:solidFill>
+              </a:rPr>
+              <a:t>Master</a:t>
+            </a:r>
+            <a:r>
+              <a:rPr lang="en-US" sz="1200" b="1">
+                <a:solidFill>
+                  <a:schemeClr val="accent2"/>
+                </a:solidFill>
+              </a:rPr>
+              <a:t>:</a:t>
+            </a:r>
+            <a:r>
+              <a:rPr lang="en-US" sz="1200" b="1" baseline="0">
+                <a:solidFill>
+                  <a:schemeClr val="accent2"/>
+                </a:solidFill>
+              </a:rPr>
+              <a:t> Divider Blue</a:t>
+            </a:r>
+            <a:endParaRPr lang="en-US" sz="1200" b="1" dirty="0">
+              <a:solidFill>
+                <a:schemeClr val="accent2"/>
+              </a:solidFill>
+            </a:endParaRPr>
+          </a:p>
+        </p:txBody>
+      </p:sp>
+    </p:spTree>
+    <p:extLst>
+      <p:ext uri="{BB962C8B-B14F-4D97-AF65-F5344CB8AC3E}">
+        <p14:creationId xmlns:p14="http://schemas.microsoft.com/office/powerpoint/2010/main" val="3235067914"/>
+      </p:ext>
+    </p:extLst>
+  </p:cSld>
+  <p:clrMapOvr>
+    <a:masterClrMapping/>
+  </p:clrMapOvr>
+  <p:transition>
+    <p:fade/>
+  </p:transition>
+</p:sldLayout>
+</file>
+
+<file path=ppt/slideLayouts/slideLayout42.xml><?xml version="1.0" encoding="utf-8"?>
+<p:sldLayout xmlns:a="http://schemas.openxmlformats.org/drawingml/2006/main" xmlns:r="http://schemas.openxmlformats.org/officeDocument/2006/relationships" xmlns:p="http://schemas.openxmlformats.org/presentationml/2006/main" showMasterSp="0" preserve="1" userDrawn="1">
+  <p:cSld name="Divider Dark">
+    <p:bg>
+      <p:bgPr>
+        <a:gradFill>
+          <a:gsLst>
+            <a:gs pos="0">
+              <a:srgbClr val="474345"/>
+            </a:gs>
+            <a:gs pos="100000">
+              <a:schemeClr val="tx1">
+                <a:lumMod val="75000"/>
+              </a:schemeClr>
+            </a:gs>
+          </a:gsLst>
+          <a:path path="circle">
+            <a:fillToRect l="50000" t="50000" r="50000" b="50000"/>
+          </a:path>
+        </a:gradFill>
+        <a:effectLst/>
+      </p:bgPr>
+    </p:bg>
+    <p:spTree>
+      <p:nvGrpSpPr>
+        <p:cNvPr id="1" name=""/>
+        <p:cNvGrpSpPr/>
+        <p:nvPr/>
+      </p:nvGrpSpPr>
+      <p:grpSpPr>
+        <a:xfrm>
+          <a:off x="0" y="0"/>
+          <a:ext cx="0" cy="0"/>
+          <a:chOff x="0" y="0"/>
+          <a:chExt cx="0" cy="0"/>
+        </a:xfrm>
+      </p:grpSpPr>
+      <p:sp>
+        <p:nvSpPr>
+          <p:cNvPr id="4" name="Slide Number Placeholder 3"/>
+          <p:cNvSpPr>
+            <a:spLocks noGrp="1"/>
+          </p:cNvSpPr>
+          <p:nvPr>
+            <p:ph type="sldNum" sz="quarter" idx="12"/>
+          </p:nvPr>
+        </p:nvSpPr>
+        <p:spPr/>
+        <p:txBody>
+          <a:bodyPr/>
+          <a:lstStyle>
+            <a:lvl1pPr>
+              <a:defRPr>
+                <a:ln>
+                  <a:solidFill>
+                    <a:schemeClr val="bg1"/>
+                  </a:solidFill>
+                </a:ln>
+              </a:defRPr>
+            </a:lvl1pPr>
+          </a:lstStyle>
+          <a:p>
+            <a:fld id="{B68F88C8-0A9A-DA43-95C8-7FE161A05352}" type="slidenum">
+              <a:rPr lang="en-US" smtClean="0"/>
+              <a:pPr/>
+              <a:t>‹#›</a:t>
+            </a:fld>
+            <a:endParaRPr lang="en-US"/>
+          </a:p>
+        </p:txBody>
+      </p:sp>
+      <p:sp>
+        <p:nvSpPr>
+          <p:cNvPr id="5" name="Title 4"/>
+          <p:cNvSpPr>
+            <a:spLocks noGrp="1"/>
+          </p:cNvSpPr>
+          <p:nvPr>
+            <p:ph type="title"/>
+          </p:nvPr>
+        </p:nvSpPr>
+        <p:spPr>
+          <a:xfrm>
+            <a:off x="457200" y="1981200"/>
+            <a:ext cx="11277600" cy="2895600"/>
+          </a:xfrm>
+        </p:spPr>
+        <p:txBody>
+          <a:bodyPr anchor="ctr">
+            <a:noAutofit/>
+          </a:bodyPr>
+          <a:lstStyle>
+            <a:lvl1pPr algn="ctr">
+              <a:defRPr sz="3600" baseline="0">
+                <a:solidFill>
+                  <a:schemeClr val="bg1"/>
+                </a:solidFill>
+                <a:latin typeface="+mj-lt"/>
+              </a:defRPr>
+            </a:lvl1pPr>
+          </a:lstStyle>
+          <a:p>
+            <a:r>
+              <a:rPr lang="en-US"/>
+              <a:t>Click to edit Master title style</a:t>
+            </a:r>
+            <a:endParaRPr lang="en-US" dirty="0"/>
+          </a:p>
+        </p:txBody>
+      </p:sp>
+      <p:pic>
+        <p:nvPicPr>
+          <p:cNvPr id="6" name="Picture 5"/>
+          <p:cNvPicPr>
+            <a:picLocks noChangeAspect="1"/>
+          </p:cNvPicPr>
+          <p:nvPr userDrawn="1"/>
+        </p:nvPicPr>
+        <p:blipFill rotWithShape="1">
+          <a:blip r:embed="rId2">
+            <a:extLst>
+              <a:ext uri="{BEBA8EAE-BF5A-486C-A8C5-ECC9F3942E4B}">
+                <a14:imgProps xmlns:a14="http://schemas.microsoft.com/office/drawing/2010/main">
+                  <a14:imgLayer r:embed="rId3">
+                    <a14:imgEffect>
+                      <a14:brightnessContrast bright="100000"/>
+                    </a14:imgEffect>
+                  </a14:imgLayer>
+                </a14:imgProps>
+              </a:ext>
+              <a:ext uri="{28A0092B-C50C-407E-A947-70E740481C1C}">
+                <a14:useLocalDpi xmlns:a14="http://schemas.microsoft.com/office/drawing/2010/main"/>
+              </a:ext>
+            </a:extLst>
+          </a:blip>
+          <a:srcRect t="-24944"/>
+          <a:stretch/>
+        </p:blipFill>
+        <p:spPr>
+          <a:xfrm>
+            <a:off x="320675" y="6521450"/>
+            <a:ext cx="2391113" cy="102824"/>
+          </a:xfrm>
+          <a:prstGeom prst="rect">
+            <a:avLst/>
+          </a:prstGeom>
+        </p:spPr>
+      </p:pic>
+      <p:sp>
+        <p:nvSpPr>
+          <p:cNvPr id="7" name="TextBox 6"/>
+          <p:cNvSpPr txBox="1"/>
+          <p:nvPr userDrawn="1"/>
+        </p:nvSpPr>
+        <p:spPr>
+          <a:xfrm>
+            <a:off x="265815" y="-496181"/>
+            <a:ext cx="1897738" cy="483989"/>
+          </a:xfrm>
+          <a:prstGeom prst="round2SameRect">
+            <a:avLst/>
+          </a:prstGeom>
+          <a:solidFill>
+            <a:srgbClr val="F9FAF9"/>
+          </a:solidFill>
+          <a:ln w="6350">
+            <a:solidFill>
+              <a:schemeClr val="accent2"/>
+            </a:solidFill>
+          </a:ln>
+        </p:spPr>
+        <p:txBody>
+          <a:bodyPr wrap="none" lIns="182880" tIns="91440" rIns="182880" bIns="182880" rtlCol="0">
+            <a:spAutoFit/>
+          </a:bodyPr>
+          <a:lstStyle/>
+          <a:p>
+            <a:r>
+              <a:rPr lang="en-US" sz="1200" b="1" dirty="0">
+                <a:solidFill>
+                  <a:schemeClr val="accent2"/>
+                </a:solidFill>
+              </a:rPr>
+              <a:t>Master:</a:t>
+            </a:r>
+            <a:r>
+              <a:rPr lang="en-US" sz="1200" b="1" baseline="0" dirty="0">
+                <a:solidFill>
+                  <a:schemeClr val="accent2"/>
+                </a:solidFill>
+              </a:rPr>
+              <a:t> Divider Dark</a:t>
+            </a:r>
+            <a:endParaRPr lang="en-US" sz="1200" b="1" dirty="0">
+              <a:solidFill>
+                <a:schemeClr val="accent2"/>
+              </a:solidFill>
+            </a:endParaRPr>
+          </a:p>
+        </p:txBody>
+      </p:sp>
+      <p:sp>
+        <p:nvSpPr>
+          <p:cNvPr id="8" name="Oval 7"/>
+          <p:cNvSpPr/>
+          <p:nvPr userDrawn="1"/>
+        </p:nvSpPr>
+        <p:spPr>
+          <a:xfrm>
+            <a:off x="-550072" y="117081"/>
+            <a:ext cx="231648" cy="231648"/>
+          </a:xfrm>
+          <a:prstGeom prst="ellipse">
+            <a:avLst/>
+          </a:prstGeom>
+          <a:ln>
+            <a:noFill/>
+          </a:ln>
+        </p:spPr>
+        <p:style>
+          <a:lnRef idx="2">
+            <a:schemeClr val="accent1">
+              <a:shade val="50000"/>
+            </a:schemeClr>
+          </a:lnRef>
+          <a:fillRef idx="1">
+            <a:schemeClr val="accent1"/>
+          </a:fillRef>
+          <a:effectRef idx="0">
+            <a:schemeClr val="accent1"/>
+          </a:effectRef>
+          <a:fontRef idx="minor">
+            <a:schemeClr val="lt1"/>
+          </a:fontRef>
+        </p:style>
+        <p:txBody>
+          <a:bodyPr rtlCol="0" anchor="ctr"/>
+          <a:lstStyle/>
+          <a:p>
+            <a:pPr algn="ctr"/>
+            <a:endParaRPr lang="en-US">
+              <a:ln>
+                <a:noFill/>
+              </a:ln>
+            </a:endParaRPr>
+          </a:p>
+        </p:txBody>
+      </p:sp>
+      <p:sp>
+        <p:nvSpPr>
+          <p:cNvPr id="9" name="Oval 8"/>
+          <p:cNvSpPr/>
+          <p:nvPr userDrawn="1"/>
+        </p:nvSpPr>
+        <p:spPr>
+          <a:xfrm>
+            <a:off x="-550072" y="452571"/>
+            <a:ext cx="231648" cy="231648"/>
+          </a:xfrm>
+          <a:prstGeom prst="ellipse">
+            <a:avLst/>
+          </a:prstGeom>
+          <a:solidFill>
+            <a:schemeClr val="accent3"/>
+          </a:solidFill>
+          <a:ln>
+            <a:noFill/>
+          </a:ln>
+        </p:spPr>
+        <p:style>
+          <a:lnRef idx="2">
+            <a:schemeClr val="accent1">
+              <a:shade val="50000"/>
+            </a:schemeClr>
+          </a:lnRef>
+          <a:fillRef idx="1">
+            <a:schemeClr val="accent1"/>
+          </a:fillRef>
+          <a:effectRef idx="0">
+            <a:schemeClr val="accent1"/>
+          </a:effectRef>
+          <a:fontRef idx="minor">
+            <a:schemeClr val="lt1"/>
+          </a:fontRef>
+        </p:style>
+        <p:txBody>
+          <a:bodyPr rtlCol="0" anchor="ctr"/>
+          <a:lstStyle/>
+          <a:p>
+            <a:pPr algn="ctr"/>
+            <a:endParaRPr lang="en-US">
+              <a:ln>
+                <a:noFill/>
+              </a:ln>
+            </a:endParaRPr>
+          </a:p>
+        </p:txBody>
+      </p:sp>
+      <p:sp>
+        <p:nvSpPr>
+          <p:cNvPr id="10" name="Oval 9"/>
+          <p:cNvSpPr/>
+          <p:nvPr userDrawn="1"/>
+        </p:nvSpPr>
+        <p:spPr>
+          <a:xfrm>
+            <a:off x="-550072" y="788061"/>
+            <a:ext cx="231648" cy="231648"/>
+          </a:xfrm>
+          <a:prstGeom prst="ellipse">
+            <a:avLst/>
+          </a:prstGeom>
+          <a:solidFill>
+            <a:schemeClr val="accent4"/>
+          </a:solidFill>
+          <a:ln>
+            <a:noFill/>
+          </a:ln>
+        </p:spPr>
+        <p:style>
+          <a:lnRef idx="2">
+            <a:schemeClr val="accent1">
+              <a:shade val="50000"/>
+            </a:schemeClr>
+          </a:lnRef>
+          <a:fillRef idx="1">
+            <a:schemeClr val="accent1"/>
+          </a:fillRef>
+          <a:effectRef idx="0">
+            <a:schemeClr val="accent1"/>
+          </a:effectRef>
+          <a:fontRef idx="minor">
+            <a:schemeClr val="lt1"/>
+          </a:fontRef>
+        </p:style>
+        <p:txBody>
+          <a:bodyPr rtlCol="0" anchor="ctr"/>
+          <a:lstStyle/>
+          <a:p>
+            <a:pPr algn="ctr"/>
+            <a:endParaRPr lang="en-US">
+              <a:ln>
+                <a:noFill/>
+              </a:ln>
+            </a:endParaRPr>
+          </a:p>
+        </p:txBody>
+      </p:sp>
+      <p:sp>
+        <p:nvSpPr>
+          <p:cNvPr id="11" name="Oval 10"/>
+          <p:cNvSpPr/>
+          <p:nvPr userDrawn="1"/>
+        </p:nvSpPr>
+        <p:spPr>
+          <a:xfrm>
+            <a:off x="-550072" y="1123551"/>
+            <a:ext cx="231648" cy="231648"/>
+          </a:xfrm>
+          <a:prstGeom prst="ellipse">
+            <a:avLst/>
+          </a:prstGeom>
+          <a:solidFill>
+            <a:schemeClr val="accent2"/>
+          </a:solidFill>
+          <a:ln>
+            <a:noFill/>
+          </a:ln>
+        </p:spPr>
+        <p:style>
+          <a:lnRef idx="2">
+            <a:schemeClr val="accent1">
+              <a:shade val="50000"/>
+            </a:schemeClr>
+          </a:lnRef>
+          <a:fillRef idx="1">
+            <a:schemeClr val="accent1"/>
+          </a:fillRef>
+          <a:effectRef idx="0">
+            <a:schemeClr val="accent1"/>
+          </a:effectRef>
+          <a:fontRef idx="minor">
+            <a:schemeClr val="lt1"/>
+          </a:fontRef>
+        </p:style>
+        <p:txBody>
+          <a:bodyPr rtlCol="0" anchor="ctr"/>
+          <a:lstStyle/>
+          <a:p>
+            <a:pPr algn="ctr"/>
+            <a:endParaRPr lang="en-US">
+              <a:ln>
+                <a:noFill/>
+              </a:ln>
+            </a:endParaRPr>
+          </a:p>
+        </p:txBody>
+      </p:sp>
+      <p:sp>
+        <p:nvSpPr>
+          <p:cNvPr id="12" name="Oval 11"/>
+          <p:cNvSpPr/>
+          <p:nvPr userDrawn="1"/>
+        </p:nvSpPr>
+        <p:spPr>
+          <a:xfrm>
+            <a:off x="-550072" y="1459040"/>
+            <a:ext cx="231648" cy="231648"/>
+          </a:xfrm>
+          <a:prstGeom prst="ellipse">
+            <a:avLst/>
+          </a:prstGeom>
+          <a:solidFill>
+            <a:schemeClr val="tx1"/>
+          </a:solidFill>
+          <a:ln>
+            <a:noFill/>
+          </a:ln>
+        </p:spPr>
+        <p:style>
+          <a:lnRef idx="2">
+            <a:schemeClr val="accent1">
+              <a:shade val="50000"/>
+            </a:schemeClr>
+          </a:lnRef>
+          <a:fillRef idx="1">
+            <a:schemeClr val="accent1"/>
+          </a:fillRef>
+          <a:effectRef idx="0">
+            <a:schemeClr val="accent1"/>
+          </a:effectRef>
+          <a:fontRef idx="minor">
+            <a:schemeClr val="lt1"/>
+          </a:fontRef>
+        </p:style>
+        <p:txBody>
+          <a:bodyPr rtlCol="0" anchor="ctr"/>
+          <a:lstStyle/>
+          <a:p>
+            <a:pPr algn="ctr"/>
+            <a:endParaRPr lang="en-US">
+              <a:ln>
+                <a:noFill/>
+              </a:ln>
+            </a:endParaRPr>
+          </a:p>
+        </p:txBody>
+      </p:sp>
+      <p:sp>
+        <p:nvSpPr>
+          <p:cNvPr id="13" name="TextBox 12"/>
+          <p:cNvSpPr txBox="1"/>
+          <p:nvPr userDrawn="1"/>
+        </p:nvSpPr>
+        <p:spPr>
+          <a:xfrm>
+            <a:off x="-888626" y="31354"/>
+            <a:ext cx="338554" cy="1674497"/>
+          </a:xfrm>
+          <a:prstGeom prst="rect">
+            <a:avLst/>
+          </a:prstGeom>
+          <a:noFill/>
+        </p:spPr>
+        <p:txBody>
+          <a:bodyPr vert="vert270" wrap="none" rtlCol="0">
+            <a:spAutoFit/>
+          </a:bodyPr>
+          <a:lstStyle/>
+          <a:p>
+            <a:r>
+              <a:rPr lang="en-US" sz="1000" b="1" spc="0" dirty="0">
+                <a:solidFill>
+                  <a:schemeClr val="tx1">
+                    <a:lumMod val="60000"/>
+                    <a:lumOff val="40000"/>
+                  </a:schemeClr>
+                </a:solidFill>
+              </a:rPr>
+              <a:t>URBAN</a:t>
+            </a:r>
+            <a:r>
+              <a:rPr lang="en-US" sz="1000" b="1" spc="0" baseline="0" dirty="0">
+                <a:solidFill>
+                  <a:schemeClr val="tx1">
+                    <a:lumMod val="60000"/>
+                    <a:lumOff val="40000"/>
+                  </a:schemeClr>
+                </a:solidFill>
+              </a:rPr>
+              <a:t> COLOR PALETTE</a:t>
+            </a:r>
+            <a:endParaRPr lang="en-US" sz="1000" b="1" spc="0" dirty="0">
+              <a:solidFill>
+                <a:schemeClr val="tx1">
+                  <a:lumMod val="60000"/>
+                  <a:lumOff val="40000"/>
+                </a:schemeClr>
+              </a:solidFill>
+            </a:endParaRPr>
+          </a:p>
+        </p:txBody>
+      </p:sp>
+    </p:spTree>
+    <p:extLst>
+      <p:ext uri="{BB962C8B-B14F-4D97-AF65-F5344CB8AC3E}">
+        <p14:creationId xmlns:p14="http://schemas.microsoft.com/office/powerpoint/2010/main" val="1275522628"/>
+      </p:ext>
+    </p:extLst>
+  </p:cSld>
+  <p:clrMapOvr>
+    <a:masterClrMapping/>
+  </p:clrMapOvr>
+  <p:transition>
+    <p:fade/>
+  </p:transition>
+</p:sldLayout>
+</file>
+
+<file path=ppt/slideLayouts/slideLayout43.xml><?xml version="1.0" encoding="utf-8"?>
+<p:sldLayout xmlns:a="http://schemas.openxmlformats.org/drawingml/2006/main" xmlns:r="http://schemas.openxmlformats.org/officeDocument/2006/relationships" xmlns:p="http://schemas.openxmlformats.org/presentationml/2006/main" preserve="1" userDrawn="1">
+  <p:cSld name="Divider Light">
+    <p:bg>
+      <p:bgPr>
+        <a:solidFill>
+          <a:schemeClr val="bg2">
+            <a:lumMod val="95000"/>
+          </a:schemeClr>
+        </a:solidFill>
+        <a:effectLst/>
+      </p:bgPr>
+    </p:bg>
+    <p:spTree>
+      <p:nvGrpSpPr>
+        <p:cNvPr id="1" name=""/>
+        <p:cNvGrpSpPr/>
+        <p:nvPr/>
+      </p:nvGrpSpPr>
+      <p:grpSpPr>
+        <a:xfrm>
+          <a:off x="0" y="0"/>
+          <a:ext cx="0" cy="0"/>
+          <a:chOff x="0" y="0"/>
+          <a:chExt cx="0" cy="0"/>
+        </a:xfrm>
+      </p:grpSpPr>
+      <p:sp>
+        <p:nvSpPr>
+          <p:cNvPr id="4" name="Slide Number Placeholder 3"/>
+          <p:cNvSpPr>
+            <a:spLocks noGrp="1"/>
+          </p:cNvSpPr>
+          <p:nvPr>
+            <p:ph type="sldNum" sz="quarter" idx="12"/>
+          </p:nvPr>
+        </p:nvSpPr>
+        <p:spPr/>
+        <p:txBody>
+          <a:bodyPr/>
+          <a:lstStyle>
+            <a:lvl1pPr>
+              <a:defRPr>
+                <a:ln>
+                  <a:solidFill>
+                    <a:schemeClr val="bg1"/>
+                  </a:solidFill>
+                </a:ln>
+              </a:defRPr>
+            </a:lvl1pPr>
+          </a:lstStyle>
+          <a:p>
+            <a:fld id="{B68F88C8-0A9A-DA43-95C8-7FE161A05352}" type="slidenum">
+              <a:rPr lang="en-US" smtClean="0"/>
+              <a:pPr/>
+              <a:t>‹#›</a:t>
+            </a:fld>
+            <a:endParaRPr lang="en-US"/>
+          </a:p>
+        </p:txBody>
+      </p:sp>
+      <p:sp>
+        <p:nvSpPr>
+          <p:cNvPr id="5" name="Title 4"/>
+          <p:cNvSpPr>
+            <a:spLocks noGrp="1"/>
+          </p:cNvSpPr>
+          <p:nvPr>
+            <p:ph type="title"/>
+          </p:nvPr>
+        </p:nvSpPr>
+        <p:spPr>
+          <a:xfrm>
+            <a:off x="457200" y="1981200"/>
+            <a:ext cx="11277600" cy="2895600"/>
+          </a:xfrm>
+        </p:spPr>
+        <p:txBody>
+          <a:bodyPr anchor="ctr">
+            <a:noAutofit/>
+          </a:bodyPr>
+          <a:lstStyle>
+            <a:lvl1pPr algn="ctr">
+              <a:defRPr sz="3600" baseline="0">
+                <a:solidFill>
+                  <a:schemeClr val="tx1"/>
+                </a:solidFill>
+                <a:latin typeface="+mj-lt"/>
+              </a:defRPr>
+            </a:lvl1pPr>
+          </a:lstStyle>
+          <a:p>
+            <a:r>
+              <a:rPr lang="en-US"/>
+              <a:t>Click to edit Master title style</a:t>
+            </a:r>
+            <a:endParaRPr lang="en-US" dirty="0"/>
+          </a:p>
+        </p:txBody>
+      </p:sp>
+      <p:sp>
+        <p:nvSpPr>
+          <p:cNvPr id="6" name="TextBox 5"/>
+          <p:cNvSpPr txBox="1"/>
+          <p:nvPr userDrawn="1"/>
+        </p:nvSpPr>
+        <p:spPr>
+          <a:xfrm>
+            <a:off x="265815" y="-496181"/>
+            <a:ext cx="1936955" cy="483989"/>
+          </a:xfrm>
+          <a:prstGeom prst="round2SameRect">
+            <a:avLst/>
+          </a:prstGeom>
+          <a:solidFill>
+            <a:srgbClr val="F9FAF9"/>
+          </a:solidFill>
+          <a:ln w="6350">
+            <a:solidFill>
+              <a:schemeClr val="accent2"/>
+            </a:solidFill>
+          </a:ln>
+        </p:spPr>
+        <p:txBody>
+          <a:bodyPr wrap="none" lIns="182880" tIns="91440" rIns="182880" bIns="182880" rtlCol="0">
+            <a:spAutoFit/>
+          </a:bodyPr>
+          <a:lstStyle/>
+          <a:p>
+            <a:r>
+              <a:rPr lang="en-US" sz="1200" b="1" dirty="0">
+                <a:solidFill>
+                  <a:schemeClr val="accent2"/>
+                </a:solidFill>
+              </a:rPr>
+              <a:t>Master:</a:t>
+            </a:r>
+            <a:r>
+              <a:rPr lang="en-US" sz="1200" b="1" baseline="0" dirty="0">
+                <a:solidFill>
+                  <a:schemeClr val="accent2"/>
+                </a:solidFill>
+              </a:rPr>
+              <a:t> Divider Light</a:t>
+            </a:r>
+            <a:endParaRPr lang="en-US" sz="1200" b="1" dirty="0">
+              <a:solidFill>
+                <a:schemeClr val="accent2"/>
+              </a:solidFill>
+            </a:endParaRPr>
+          </a:p>
+        </p:txBody>
+      </p:sp>
+    </p:spTree>
+    <p:extLst>
+      <p:ext uri="{BB962C8B-B14F-4D97-AF65-F5344CB8AC3E}">
+        <p14:creationId xmlns:p14="http://schemas.microsoft.com/office/powerpoint/2010/main" val="3638657419"/>
+      </p:ext>
+    </p:extLst>
+  </p:cSld>
+  <p:clrMapOvr>
+    <a:masterClrMapping/>
+  </p:clrMapOvr>
+  <p:transition>
+    <p:fade/>
+  </p:transition>
+</p:sldLayout>
+</file>
+
+<file path=ppt/slideLayouts/slideLayout44.xml><?xml version="1.0" encoding="utf-8"?>
+<p:sldLayout xmlns:a="http://schemas.openxmlformats.org/drawingml/2006/main" xmlns:r="http://schemas.openxmlformats.org/officeDocument/2006/relationships" xmlns:p="http://schemas.openxmlformats.org/presentationml/2006/main" preserve="1" userDrawn="1">
+  <p:cSld name="Quote Light">
+    <p:bg>
+      <p:bgPr>
+        <a:solidFill>
+          <a:schemeClr val="bg1"/>
+        </a:solidFill>
+        <a:effectLst/>
+      </p:bgPr>
+    </p:bg>
+    <p:spTree>
+      <p:nvGrpSpPr>
+        <p:cNvPr id="1" name=""/>
+        <p:cNvGrpSpPr/>
+        <p:nvPr/>
+      </p:nvGrpSpPr>
+      <p:grpSpPr>
+        <a:xfrm>
+          <a:off x="0" y="0"/>
+          <a:ext cx="0" cy="0"/>
+          <a:chOff x="0" y="0"/>
+          <a:chExt cx="0" cy="0"/>
+        </a:xfrm>
+      </p:grpSpPr>
+      <p:sp>
+        <p:nvSpPr>
+          <p:cNvPr id="4" name="Slide Number Placeholder 3"/>
+          <p:cNvSpPr>
+            <a:spLocks noGrp="1"/>
+          </p:cNvSpPr>
+          <p:nvPr>
+            <p:ph type="sldNum" sz="quarter" idx="12"/>
+          </p:nvPr>
+        </p:nvSpPr>
+        <p:spPr/>
+        <p:txBody>
+          <a:bodyPr/>
+          <a:lstStyle>
+            <a:lvl1pPr>
+              <a:defRPr>
+                <a:ln>
+                  <a:solidFill>
+                    <a:schemeClr val="bg1"/>
+                  </a:solidFill>
+                </a:ln>
+                <a:solidFill>
+                  <a:schemeClr val="tx1"/>
+                </a:solidFill>
+              </a:defRPr>
+            </a:lvl1pPr>
+          </a:lstStyle>
+          <a:p>
+            <a:fld id="{B68F88C8-0A9A-DA43-95C8-7FE161A05352}" type="slidenum">
+              <a:rPr lang="en-US" smtClean="0"/>
+              <a:pPr/>
+              <a:t>‹#›</a:t>
+            </a:fld>
+            <a:endParaRPr lang="en-US"/>
+          </a:p>
+        </p:txBody>
+      </p:sp>
+      <p:sp>
+        <p:nvSpPr>
+          <p:cNvPr id="10" name="Title 1"/>
+          <p:cNvSpPr>
+            <a:spLocks noGrp="1"/>
+          </p:cNvSpPr>
+          <p:nvPr>
+            <p:ph type="title"/>
+          </p:nvPr>
+        </p:nvSpPr>
+        <p:spPr>
+          <a:xfrm>
+            <a:off x="457200" y="533400"/>
+            <a:ext cx="11277600" cy="1157288"/>
+          </a:xfrm>
+        </p:spPr>
+        <p:txBody>
+          <a:bodyPr anchor="t" anchorCtr="0">
+            <a:noAutofit/>
+          </a:bodyPr>
+          <a:lstStyle/>
+          <a:p>
+            <a:r>
+              <a:rPr lang="en-US"/>
+              <a:t>Click to edit Master title style</a:t>
+            </a:r>
+            <a:endParaRPr lang="en-US" dirty="0"/>
+          </a:p>
+        </p:txBody>
+      </p:sp>
+      <p:sp>
+        <p:nvSpPr>
+          <p:cNvPr id="12" name="Content Placeholder 11"/>
+          <p:cNvSpPr>
+            <a:spLocks noGrp="1"/>
+          </p:cNvSpPr>
+          <p:nvPr>
+            <p:ph sz="quarter" idx="13" hasCustomPrompt="1"/>
+          </p:nvPr>
+        </p:nvSpPr>
+        <p:spPr>
+          <a:xfrm>
+            <a:off x="768096" y="1889125"/>
+            <a:ext cx="10966704" cy="4035425"/>
+          </a:xfrm>
+        </p:spPr>
+        <p:txBody>
+          <a:bodyPr/>
+          <a:lstStyle>
+            <a:lvl1pPr marL="0" indent="0">
+              <a:buNone/>
+              <a:defRPr i="1" baseline="0">
+                <a:solidFill>
+                  <a:schemeClr val="accent2"/>
+                </a:solidFill>
+              </a:defRPr>
+            </a:lvl1pPr>
+          </a:lstStyle>
+          <a:p>
+            <a:pPr lvl="0"/>
+            <a:r>
+              <a:rPr lang="en-US" dirty="0"/>
+              <a:t>Add Quote</a:t>
+            </a:r>
+          </a:p>
+        </p:txBody>
+      </p:sp>
+      <p:sp>
+        <p:nvSpPr>
+          <p:cNvPr id="5" name="TextBox 4"/>
+          <p:cNvSpPr txBox="1"/>
+          <p:nvPr userDrawn="1"/>
+        </p:nvSpPr>
+        <p:spPr>
+          <a:xfrm>
+            <a:off x="265815" y="-496181"/>
+            <a:ext cx="1860156" cy="483989"/>
+          </a:xfrm>
+          <a:prstGeom prst="round2SameRect">
+            <a:avLst/>
+          </a:prstGeom>
+          <a:solidFill>
+            <a:srgbClr val="F9FAF9"/>
+          </a:solidFill>
+          <a:ln w="6350">
+            <a:solidFill>
+              <a:schemeClr val="accent2"/>
+            </a:solidFill>
+          </a:ln>
+        </p:spPr>
+        <p:txBody>
+          <a:bodyPr wrap="none" lIns="182880" tIns="91440" rIns="182880" bIns="182880" rtlCol="0">
+            <a:spAutoFit/>
+          </a:bodyPr>
+          <a:lstStyle/>
+          <a:p>
+            <a:r>
+              <a:rPr lang="en-US" sz="1200" b="1" dirty="0">
+                <a:solidFill>
+                  <a:schemeClr val="accent2"/>
+                </a:solidFill>
+              </a:rPr>
+              <a:t>Master:</a:t>
+            </a:r>
+            <a:r>
+              <a:rPr lang="en-US" sz="1200" b="1" baseline="0" dirty="0">
+                <a:solidFill>
+                  <a:schemeClr val="accent2"/>
+                </a:solidFill>
+              </a:rPr>
+              <a:t> Quote Light</a:t>
+            </a:r>
+          </a:p>
+        </p:txBody>
+      </p:sp>
+    </p:spTree>
+    <p:extLst>
+      <p:ext uri="{BB962C8B-B14F-4D97-AF65-F5344CB8AC3E}">
+        <p14:creationId xmlns:p14="http://schemas.microsoft.com/office/powerpoint/2010/main" val="3725847433"/>
+      </p:ext>
+    </p:extLst>
+  </p:cSld>
+  <p:clrMapOvr>
+    <a:masterClrMapping/>
+  </p:clrMapOvr>
+  <p:transition>
+    <p:fade/>
+  </p:transition>
+</p:sldLayout>
+</file>
+
+<file path=ppt/slideLayouts/slideLayout45.xml><?xml version="1.0" encoding="utf-8"?>
+<p:sldLayout xmlns:a="http://schemas.openxmlformats.org/drawingml/2006/main" xmlns:r="http://schemas.openxmlformats.org/officeDocument/2006/relationships" xmlns:p="http://schemas.openxmlformats.org/presentationml/2006/main" showMasterSp="0" preserve="1" userDrawn="1">
+  <p:cSld name="Quote Dark">
+    <p:bg>
+      <p:bgPr>
+        <a:gradFill>
+          <a:gsLst>
+            <a:gs pos="0">
+              <a:srgbClr val="474345"/>
+            </a:gs>
+            <a:gs pos="100000">
+              <a:schemeClr val="tx1">
+                <a:lumMod val="75000"/>
+              </a:schemeClr>
+            </a:gs>
+          </a:gsLst>
+          <a:path path="circle">
+            <a:fillToRect l="50000" t="50000" r="50000" b="50000"/>
+          </a:path>
+        </a:gradFill>
+        <a:effectLst/>
+      </p:bgPr>
+    </p:bg>
+    <p:spTree>
+      <p:nvGrpSpPr>
+        <p:cNvPr id="1" name=""/>
+        <p:cNvGrpSpPr/>
+        <p:nvPr/>
+      </p:nvGrpSpPr>
+      <p:grpSpPr>
+        <a:xfrm>
+          <a:off x="0" y="0"/>
+          <a:ext cx="0" cy="0"/>
+          <a:chOff x="0" y="0"/>
+          <a:chExt cx="0" cy="0"/>
+        </a:xfrm>
+      </p:grpSpPr>
+      <p:sp>
+        <p:nvSpPr>
+          <p:cNvPr id="4" name="Slide Number Placeholder 3"/>
+          <p:cNvSpPr>
+            <a:spLocks noGrp="1"/>
+          </p:cNvSpPr>
+          <p:nvPr>
+            <p:ph type="sldNum" sz="quarter" idx="12"/>
+          </p:nvPr>
+        </p:nvSpPr>
+        <p:spPr/>
+        <p:txBody>
+          <a:bodyPr/>
+          <a:lstStyle>
+            <a:lvl1pPr>
+              <a:defRPr>
+                <a:ln>
+                  <a:solidFill>
+                    <a:schemeClr val="bg1"/>
+                  </a:solidFill>
+                </a:ln>
+              </a:defRPr>
+            </a:lvl1pPr>
+          </a:lstStyle>
+          <a:p>
+            <a:fld id="{B68F88C8-0A9A-DA43-95C8-7FE161A05352}" type="slidenum">
+              <a:rPr lang="en-US" smtClean="0"/>
+              <a:pPr/>
+              <a:t>‹#›</a:t>
+            </a:fld>
+            <a:endParaRPr lang="en-US"/>
+          </a:p>
+        </p:txBody>
+      </p:sp>
+      <p:sp>
+        <p:nvSpPr>
+          <p:cNvPr id="6" name="Title 1"/>
+          <p:cNvSpPr>
+            <a:spLocks noGrp="1"/>
+          </p:cNvSpPr>
+          <p:nvPr>
+            <p:ph type="title"/>
+          </p:nvPr>
+        </p:nvSpPr>
+        <p:spPr>
+          <a:xfrm>
+            <a:off x="457200" y="533400"/>
+            <a:ext cx="11277600" cy="1157288"/>
+          </a:xfrm>
+        </p:spPr>
+        <p:txBody>
+          <a:bodyPr anchor="t" anchorCtr="0">
+            <a:noAutofit/>
+          </a:bodyPr>
+          <a:lstStyle>
+            <a:lvl1pPr>
+              <a:defRPr>
+                <a:solidFill>
+                  <a:schemeClr val="bg1"/>
+                </a:solidFill>
+              </a:defRPr>
+            </a:lvl1pPr>
+          </a:lstStyle>
+          <a:p>
+            <a:r>
+              <a:rPr lang="en-US"/>
+              <a:t>Click to edit Master title style</a:t>
+            </a:r>
+            <a:endParaRPr lang="en-US" dirty="0"/>
+          </a:p>
+        </p:txBody>
+      </p:sp>
+      <p:pic>
+        <p:nvPicPr>
+          <p:cNvPr id="7" name="Picture 6"/>
+          <p:cNvPicPr>
+            <a:picLocks noChangeAspect="1"/>
+          </p:cNvPicPr>
+          <p:nvPr userDrawn="1"/>
+        </p:nvPicPr>
+        <p:blipFill rotWithShape="1">
+          <a:blip r:embed="rId2">
+            <a:extLst>
+              <a:ext uri="{BEBA8EAE-BF5A-486C-A8C5-ECC9F3942E4B}">
+                <a14:imgProps xmlns:a14="http://schemas.microsoft.com/office/drawing/2010/main">
+                  <a14:imgLayer r:embed="rId3">
+                    <a14:imgEffect>
+                      <a14:brightnessContrast bright="100000"/>
+                    </a14:imgEffect>
+                  </a14:imgLayer>
+                </a14:imgProps>
+              </a:ext>
+              <a:ext uri="{28A0092B-C50C-407E-A947-70E740481C1C}">
+                <a14:useLocalDpi xmlns:a14="http://schemas.microsoft.com/office/drawing/2010/main"/>
+              </a:ext>
+            </a:extLst>
+          </a:blip>
+          <a:srcRect t="-24944"/>
+          <a:stretch/>
+        </p:blipFill>
+        <p:spPr>
+          <a:xfrm>
+            <a:off x="320675" y="6521450"/>
+            <a:ext cx="2391113" cy="102824"/>
+          </a:xfrm>
+          <a:prstGeom prst="rect">
+            <a:avLst/>
+          </a:prstGeom>
+        </p:spPr>
+      </p:pic>
+      <p:sp>
+        <p:nvSpPr>
+          <p:cNvPr id="5" name="Content Placeholder 11"/>
+          <p:cNvSpPr>
+            <a:spLocks noGrp="1"/>
+          </p:cNvSpPr>
+          <p:nvPr>
+            <p:ph sz="quarter" idx="13" hasCustomPrompt="1"/>
+          </p:nvPr>
+        </p:nvSpPr>
+        <p:spPr>
+          <a:xfrm>
+            <a:off x="768096" y="1889125"/>
+            <a:ext cx="10966704" cy="4035425"/>
+          </a:xfrm>
+        </p:spPr>
+        <p:txBody>
+          <a:bodyPr/>
+          <a:lstStyle>
+            <a:lvl1pPr marL="0" indent="0">
+              <a:buNone/>
+              <a:defRPr i="1" baseline="0">
+                <a:solidFill>
+                  <a:schemeClr val="accent2"/>
+                </a:solidFill>
+              </a:defRPr>
+            </a:lvl1pPr>
+          </a:lstStyle>
+          <a:p>
+            <a:pPr lvl="0"/>
+            <a:r>
+              <a:rPr lang="en-US" dirty="0"/>
+              <a:t>Add Quote</a:t>
+            </a:r>
+          </a:p>
+        </p:txBody>
+      </p:sp>
+      <p:sp>
+        <p:nvSpPr>
+          <p:cNvPr id="8" name="TextBox 7"/>
+          <p:cNvSpPr txBox="1"/>
+          <p:nvPr userDrawn="1"/>
+        </p:nvSpPr>
+        <p:spPr>
+          <a:xfrm>
+            <a:off x="265815" y="-496181"/>
+            <a:ext cx="1820939" cy="483989"/>
+          </a:xfrm>
+          <a:prstGeom prst="round2SameRect">
+            <a:avLst/>
+          </a:prstGeom>
+          <a:solidFill>
+            <a:srgbClr val="F9FAF9"/>
+          </a:solidFill>
+          <a:ln w="6350">
+            <a:solidFill>
+              <a:schemeClr val="accent2"/>
+            </a:solidFill>
+          </a:ln>
+        </p:spPr>
+        <p:txBody>
+          <a:bodyPr wrap="none" lIns="182880" tIns="91440" rIns="182880" bIns="182880" rtlCol="0">
+            <a:spAutoFit/>
+          </a:bodyPr>
+          <a:lstStyle/>
+          <a:p>
+            <a:r>
+              <a:rPr lang="en-US" sz="1200" b="1" dirty="0">
+                <a:solidFill>
+                  <a:schemeClr val="accent2"/>
+                </a:solidFill>
+              </a:rPr>
+              <a:t>Master:</a:t>
+            </a:r>
+            <a:r>
+              <a:rPr lang="en-US" sz="1200" b="1" baseline="0" dirty="0">
+                <a:solidFill>
+                  <a:schemeClr val="accent2"/>
+                </a:solidFill>
+              </a:rPr>
+              <a:t> Quote Dark</a:t>
+            </a:r>
+            <a:endParaRPr lang="en-US" sz="1200" b="1" dirty="0">
+              <a:solidFill>
+                <a:schemeClr val="accent2"/>
+              </a:solidFill>
+            </a:endParaRPr>
+          </a:p>
+        </p:txBody>
+      </p:sp>
+      <p:sp>
+        <p:nvSpPr>
+          <p:cNvPr id="9" name="Oval 8"/>
+          <p:cNvSpPr/>
+          <p:nvPr userDrawn="1"/>
+        </p:nvSpPr>
+        <p:spPr>
+          <a:xfrm>
+            <a:off x="-550072" y="117081"/>
+            <a:ext cx="231648" cy="231648"/>
+          </a:xfrm>
+          <a:prstGeom prst="ellipse">
+            <a:avLst/>
+          </a:prstGeom>
+          <a:ln>
+            <a:noFill/>
+          </a:ln>
+        </p:spPr>
+        <p:style>
+          <a:lnRef idx="2">
+            <a:schemeClr val="accent1">
+              <a:shade val="50000"/>
+            </a:schemeClr>
+          </a:lnRef>
+          <a:fillRef idx="1">
+            <a:schemeClr val="accent1"/>
+          </a:fillRef>
+          <a:effectRef idx="0">
+            <a:schemeClr val="accent1"/>
+          </a:effectRef>
+          <a:fontRef idx="minor">
+            <a:schemeClr val="lt1"/>
+          </a:fontRef>
+        </p:style>
+        <p:txBody>
+          <a:bodyPr rtlCol="0" anchor="ctr"/>
+          <a:lstStyle/>
+          <a:p>
+            <a:pPr algn="ctr"/>
+            <a:endParaRPr lang="en-US">
+              <a:ln>
+                <a:noFill/>
+              </a:ln>
+            </a:endParaRPr>
+          </a:p>
+        </p:txBody>
+      </p:sp>
+      <p:sp>
+        <p:nvSpPr>
+          <p:cNvPr id="10" name="Oval 9"/>
+          <p:cNvSpPr/>
+          <p:nvPr userDrawn="1"/>
+        </p:nvSpPr>
+        <p:spPr>
+          <a:xfrm>
+            <a:off x="-550072" y="452571"/>
+            <a:ext cx="231648" cy="231648"/>
+          </a:xfrm>
+          <a:prstGeom prst="ellipse">
+            <a:avLst/>
+          </a:prstGeom>
+          <a:solidFill>
+            <a:schemeClr val="accent3"/>
+          </a:solidFill>
+          <a:ln>
+            <a:noFill/>
+          </a:ln>
+        </p:spPr>
+        <p:style>
+          <a:lnRef idx="2">
+            <a:schemeClr val="accent1">
+              <a:shade val="50000"/>
+            </a:schemeClr>
+          </a:lnRef>
+          <a:fillRef idx="1">
+            <a:schemeClr val="accent1"/>
+          </a:fillRef>
+          <a:effectRef idx="0">
+            <a:schemeClr val="accent1"/>
+          </a:effectRef>
+          <a:fontRef idx="minor">
+            <a:schemeClr val="lt1"/>
+          </a:fontRef>
+        </p:style>
+        <p:txBody>
+          <a:bodyPr rtlCol="0" anchor="ctr"/>
+          <a:lstStyle/>
+          <a:p>
+            <a:pPr algn="ctr"/>
+            <a:endParaRPr lang="en-US">
+              <a:ln>
+                <a:noFill/>
+              </a:ln>
+            </a:endParaRPr>
+          </a:p>
+        </p:txBody>
+      </p:sp>
+      <p:sp>
+        <p:nvSpPr>
+          <p:cNvPr id="11" name="Oval 10"/>
+          <p:cNvSpPr/>
+          <p:nvPr userDrawn="1"/>
+        </p:nvSpPr>
+        <p:spPr>
+          <a:xfrm>
+            <a:off x="-550072" y="788061"/>
+            <a:ext cx="231648" cy="231648"/>
+          </a:xfrm>
+          <a:prstGeom prst="ellipse">
+            <a:avLst/>
+          </a:prstGeom>
+          <a:solidFill>
+            <a:schemeClr val="accent4"/>
+          </a:solidFill>
+          <a:ln>
+            <a:noFill/>
+          </a:ln>
+        </p:spPr>
+        <p:style>
+          <a:lnRef idx="2">
+            <a:schemeClr val="accent1">
+              <a:shade val="50000"/>
+            </a:schemeClr>
+          </a:lnRef>
+          <a:fillRef idx="1">
+            <a:schemeClr val="accent1"/>
+          </a:fillRef>
+          <a:effectRef idx="0">
+            <a:schemeClr val="accent1"/>
+          </a:effectRef>
+          <a:fontRef idx="minor">
+            <a:schemeClr val="lt1"/>
+          </a:fontRef>
+        </p:style>
+        <p:txBody>
+          <a:bodyPr rtlCol="0" anchor="ctr"/>
+          <a:lstStyle/>
+          <a:p>
+            <a:pPr algn="ctr"/>
+            <a:endParaRPr lang="en-US">
+              <a:ln>
+                <a:noFill/>
+              </a:ln>
+            </a:endParaRPr>
+          </a:p>
+        </p:txBody>
+      </p:sp>
+      <p:sp>
+        <p:nvSpPr>
+          <p:cNvPr id="12" name="Oval 11"/>
+          <p:cNvSpPr/>
+          <p:nvPr userDrawn="1"/>
+        </p:nvSpPr>
+        <p:spPr>
+          <a:xfrm>
+            <a:off x="-550072" y="1123551"/>
+            <a:ext cx="231648" cy="231648"/>
+          </a:xfrm>
+          <a:prstGeom prst="ellipse">
+            <a:avLst/>
+          </a:prstGeom>
+          <a:solidFill>
+            <a:schemeClr val="accent2"/>
+          </a:solidFill>
+          <a:ln>
+            <a:noFill/>
+          </a:ln>
+        </p:spPr>
+        <p:style>
+          <a:lnRef idx="2">
+            <a:schemeClr val="accent1">
+              <a:shade val="50000"/>
+            </a:schemeClr>
+          </a:lnRef>
+          <a:fillRef idx="1">
+            <a:schemeClr val="accent1"/>
+          </a:fillRef>
+          <a:effectRef idx="0">
+            <a:schemeClr val="accent1"/>
+          </a:effectRef>
+          <a:fontRef idx="minor">
+            <a:schemeClr val="lt1"/>
+          </a:fontRef>
+        </p:style>
+        <p:txBody>
+          <a:bodyPr rtlCol="0" anchor="ctr"/>
+          <a:lstStyle/>
+          <a:p>
+            <a:pPr algn="ctr"/>
+            <a:endParaRPr lang="en-US">
+              <a:ln>
+                <a:noFill/>
+              </a:ln>
+            </a:endParaRPr>
+          </a:p>
+        </p:txBody>
+      </p:sp>
+      <p:sp>
+        <p:nvSpPr>
+          <p:cNvPr id="13" name="Oval 12"/>
+          <p:cNvSpPr/>
+          <p:nvPr userDrawn="1"/>
+        </p:nvSpPr>
+        <p:spPr>
+          <a:xfrm>
+            <a:off x="-550072" y="1459040"/>
+            <a:ext cx="231648" cy="231648"/>
+          </a:xfrm>
+          <a:prstGeom prst="ellipse">
+            <a:avLst/>
+          </a:prstGeom>
+          <a:solidFill>
+            <a:schemeClr val="tx1"/>
+          </a:solidFill>
+          <a:ln>
+            <a:noFill/>
+          </a:ln>
+        </p:spPr>
+        <p:style>
+          <a:lnRef idx="2">
+            <a:schemeClr val="accent1">
+              <a:shade val="50000"/>
+            </a:schemeClr>
+          </a:lnRef>
+          <a:fillRef idx="1">
+            <a:schemeClr val="accent1"/>
+          </a:fillRef>
+          <a:effectRef idx="0">
+            <a:schemeClr val="accent1"/>
+          </a:effectRef>
+          <a:fontRef idx="minor">
+            <a:schemeClr val="lt1"/>
+          </a:fontRef>
+        </p:style>
+        <p:txBody>
+          <a:bodyPr rtlCol="0" anchor="ctr"/>
+          <a:lstStyle/>
+          <a:p>
+            <a:pPr algn="ctr"/>
+            <a:endParaRPr lang="en-US">
+              <a:ln>
+                <a:noFill/>
+              </a:ln>
+            </a:endParaRPr>
+          </a:p>
+        </p:txBody>
+      </p:sp>
+      <p:sp>
+        <p:nvSpPr>
+          <p:cNvPr id="14" name="TextBox 13"/>
+          <p:cNvSpPr txBox="1"/>
+          <p:nvPr userDrawn="1"/>
+        </p:nvSpPr>
+        <p:spPr>
+          <a:xfrm>
+            <a:off x="-888626" y="31354"/>
+            <a:ext cx="338554" cy="1674497"/>
+          </a:xfrm>
+          <a:prstGeom prst="rect">
+            <a:avLst/>
+          </a:prstGeom>
+          <a:noFill/>
+        </p:spPr>
+        <p:txBody>
+          <a:bodyPr vert="vert270" wrap="none" rtlCol="0">
+            <a:spAutoFit/>
+          </a:bodyPr>
+          <a:lstStyle/>
+          <a:p>
+            <a:r>
+              <a:rPr lang="en-US" sz="1000" b="1" spc="0" dirty="0">
+                <a:solidFill>
+                  <a:schemeClr val="tx1">
+                    <a:lumMod val="60000"/>
+                    <a:lumOff val="40000"/>
+                  </a:schemeClr>
+                </a:solidFill>
+              </a:rPr>
+              <a:t>URBAN</a:t>
+            </a:r>
+            <a:r>
+              <a:rPr lang="en-US" sz="1000" b="1" spc="0" baseline="0" dirty="0">
+                <a:solidFill>
+                  <a:schemeClr val="tx1">
+                    <a:lumMod val="60000"/>
+                    <a:lumOff val="40000"/>
+                  </a:schemeClr>
+                </a:solidFill>
+              </a:rPr>
+              <a:t> COLOR PALETTE</a:t>
+            </a:r>
+            <a:endParaRPr lang="en-US" sz="1000" b="1" spc="0" dirty="0">
+              <a:solidFill>
+                <a:schemeClr val="tx1">
+                  <a:lumMod val="60000"/>
+                  <a:lumOff val="40000"/>
+                </a:schemeClr>
+              </a:solidFill>
+            </a:endParaRPr>
+          </a:p>
+        </p:txBody>
+      </p:sp>
+    </p:spTree>
+    <p:extLst>
+      <p:ext uri="{BB962C8B-B14F-4D97-AF65-F5344CB8AC3E}">
+        <p14:creationId xmlns:p14="http://schemas.microsoft.com/office/powerpoint/2010/main" val="858886522"/>
+      </p:ext>
+    </p:extLst>
+  </p:cSld>
+  <p:clrMapOvr>
+    <a:masterClrMapping/>
+  </p:clrMapOvr>
+  <p:transition>
+    <p:fade/>
+  </p:transition>
+</p:sldLayout>
+</file>
+
+<file path=ppt/slideLayouts/slideLayout46.xml><?xml version="1.0" encoding="utf-8"?>
+<p:sldLayout xmlns:a="http://schemas.openxmlformats.org/drawingml/2006/main" xmlns:r="http://schemas.openxmlformats.org/officeDocument/2006/relationships" xmlns:p="http://schemas.openxmlformats.org/presentationml/2006/main" type="blank" preserve="1">
+  <p:cSld name="Blank">
+    <p:spTree>
+      <p:nvGrpSpPr>
+        <p:cNvPr id="1" name=""/>
+        <p:cNvGrpSpPr/>
+        <p:nvPr/>
+      </p:nvGrpSpPr>
+      <p:grpSpPr>
+        <a:xfrm>
+          <a:off x="0" y="0"/>
+          <a:ext cx="0" cy="0"/>
+          <a:chOff x="0" y="0"/>
+          <a:chExt cx="0" cy="0"/>
+        </a:xfrm>
+      </p:grpSpPr>
+      <p:sp>
+        <p:nvSpPr>
+          <p:cNvPr id="4" name="Slide Number Placeholder 3"/>
+          <p:cNvSpPr>
+            <a:spLocks noGrp="1"/>
+          </p:cNvSpPr>
+          <p:nvPr>
+            <p:ph type="sldNum" sz="quarter" idx="12"/>
+          </p:nvPr>
+        </p:nvSpPr>
+        <p:spPr/>
+        <p:txBody>
+          <a:bodyPr/>
+          <a:lstStyle/>
+          <a:p>
+            <a:fld id="{B68F88C8-0A9A-DA43-95C8-7FE161A05352}" type="slidenum">
+              <a:rPr lang="en-US" smtClean="0"/>
+              <a:t>‹#›</a:t>
+            </a:fld>
+            <a:endParaRPr lang="en-US"/>
+          </a:p>
+        </p:txBody>
+      </p:sp>
+      <p:sp>
+        <p:nvSpPr>
+          <p:cNvPr id="3" name="TextBox 2"/>
+          <p:cNvSpPr txBox="1"/>
+          <p:nvPr userDrawn="1"/>
+        </p:nvSpPr>
+        <p:spPr>
+          <a:xfrm>
+            <a:off x="265815" y="-496181"/>
+            <a:ext cx="1415941" cy="483989"/>
+          </a:xfrm>
+          <a:prstGeom prst="round2SameRect">
+            <a:avLst/>
+          </a:prstGeom>
+          <a:solidFill>
+            <a:srgbClr val="F9FAF9"/>
+          </a:solidFill>
+          <a:ln w="6350">
+            <a:solidFill>
+              <a:schemeClr val="accent2"/>
+            </a:solidFill>
+          </a:ln>
+        </p:spPr>
+        <p:txBody>
+          <a:bodyPr wrap="none" lIns="182880" tIns="91440" rIns="182880" bIns="182880" rtlCol="0">
+            <a:spAutoFit/>
+          </a:bodyPr>
+          <a:lstStyle/>
+          <a:p>
+            <a:r>
+              <a:rPr lang="en-US" sz="1200" b="1" dirty="0">
+                <a:solidFill>
+                  <a:schemeClr val="accent2"/>
+                </a:solidFill>
+              </a:rPr>
+              <a:t>Master:</a:t>
+            </a:r>
+            <a:r>
+              <a:rPr lang="en-US" sz="1200" b="1" baseline="0" dirty="0">
+                <a:solidFill>
+                  <a:schemeClr val="accent2"/>
+                </a:solidFill>
+              </a:rPr>
+              <a:t> Blank</a:t>
+            </a:r>
+            <a:endParaRPr lang="en-US" sz="1200" b="1" dirty="0">
+              <a:solidFill>
+                <a:schemeClr val="accent2"/>
+              </a:solidFill>
+            </a:endParaRPr>
+          </a:p>
+        </p:txBody>
+      </p:sp>
+    </p:spTree>
+    <p:extLst>
+      <p:ext uri="{BB962C8B-B14F-4D97-AF65-F5344CB8AC3E}">
+        <p14:creationId xmlns:p14="http://schemas.microsoft.com/office/powerpoint/2010/main" val="3913301919"/>
+      </p:ext>
+    </p:extLst>
+  </p:cSld>
+  <p:clrMapOvr>
+    <a:masterClrMapping/>
+  </p:clrMapOvr>
+  <p:transition>
+    <p:fade/>
+  </p:transition>
 </p:sldLayout>
 </file>
 
@@ -6553,7 +10426,7 @@
           <a:p>
             <a:fld id="{439A28B4-5BA0-4091-964E-885CA2C876C9}" type="datetimeFigureOut">
               <a:rPr lang="en-US" smtClean="0"/>
-              <a:t>5/13/2022</a:t>
+              <a:t>6/8/2022</a:t>
             </a:fld>
             <a:endParaRPr lang="en-US"/>
           </a:p>
@@ -6670,7 +10543,7 @@
           <a:p>
             <a:fld id="{439A28B4-5BA0-4091-964E-885CA2C876C9}" type="datetimeFigureOut">
               <a:rPr lang="en-US" smtClean="0"/>
-              <a:t>5/13/2022</a:t>
+              <a:t>6/8/2022</a:t>
             </a:fld>
             <a:endParaRPr lang="en-US"/>
           </a:p>
@@ -6765,7 +10638,7 @@
           <a:p>
             <a:fld id="{439A28B4-5BA0-4091-964E-885CA2C876C9}" type="datetimeFigureOut">
               <a:rPr lang="en-US" smtClean="0"/>
-              <a:t>5/13/2022</a:t>
+              <a:t>6/8/2022</a:t>
             </a:fld>
             <a:endParaRPr lang="en-US"/>
           </a:p>
@@ -7040,7 +10913,7 @@
           <a:p>
             <a:fld id="{439A28B4-5BA0-4091-964E-885CA2C876C9}" type="datetimeFigureOut">
               <a:rPr lang="en-US" smtClean="0"/>
-              <a:t>5/13/2022</a:t>
+              <a:t>6/8/2022</a:t>
             </a:fld>
             <a:endParaRPr lang="en-US"/>
           </a:p>
@@ -7292,7 +11165,7 @@
           <a:p>
             <a:fld id="{439A28B4-5BA0-4091-964E-885CA2C876C9}" type="datetimeFigureOut">
               <a:rPr lang="en-US" smtClean="0"/>
-              <a:t>5/13/2022</a:t>
+              <a:t>6/8/2022</a:t>
             </a:fld>
             <a:endParaRPr lang="en-US"/>
           </a:p>
@@ -7503,7 +11376,7 @@
           <a:p>
             <a:fld id="{439A28B4-5BA0-4091-964E-885CA2C876C9}" type="datetimeFigureOut">
               <a:rPr lang="en-US" smtClean="0"/>
-              <a:t>5/13/2022</a:t>
+              <a:t>6/8/2022</a:t>
             </a:fld>
             <a:endParaRPr lang="en-US"/>
           </a:p>
@@ -8041,7 +11914,7 @@
           <a:p>
             <a:fld id="{8F25D8B8-2FC2-42C7-9B48-C24F15CF1BCC}" type="datetime1">
               <a:rPr lang="en-US" smtClean="0"/>
-              <a:t>5/13/2022</a:t>
+              <a:t>6/8/2022</a:t>
             </a:fld>
             <a:endParaRPr lang="en-US"/>
           </a:p>
@@ -8600,7 +12473,7 @@
           <a:p>
             <a:fld id="{37598191-276C-495B-A44A-B9D8EBF2CD4E}" type="datetime1">
               <a:rPr lang="en-US" smtClean="0"/>
-              <a:t>5/13/2022</a:t>
+              <a:t>6/8/2022</a:t>
             </a:fld>
             <a:endParaRPr lang="en-US"/>
           </a:p>
@@ -8998,6 +12871,930 @@
       </a:lvl9pPr>
     </p:otherStyle>
   </p:txStyles>
+</p:sldMaster>
+</file>
+
+<file path=ppt/slideMasters/slideMaster4.xml><?xml version="1.0" encoding="utf-8"?>
+<p:sldMaster xmlns:a="http://schemas.openxmlformats.org/drawingml/2006/main" xmlns:r="http://schemas.openxmlformats.org/officeDocument/2006/relationships" xmlns:p="http://schemas.openxmlformats.org/presentationml/2006/main">
+  <p:cSld>
+    <p:bg>
+      <p:bgPr>
+        <a:solidFill>
+          <a:schemeClr val="bg1"/>
+        </a:solidFill>
+        <a:effectLst/>
+      </p:bgPr>
+    </p:bg>
+    <p:spTree>
+      <p:nvGrpSpPr>
+        <p:cNvPr id="1" name=""/>
+        <p:cNvGrpSpPr/>
+        <p:nvPr/>
+      </p:nvGrpSpPr>
+      <p:grpSpPr>
+        <a:xfrm>
+          <a:off x="0" y="0"/>
+          <a:ext cx="0" cy="0"/>
+          <a:chOff x="0" y="0"/>
+          <a:chExt cx="0" cy="0"/>
+        </a:xfrm>
+      </p:grpSpPr>
+      <p:sp>
+        <p:nvSpPr>
+          <p:cNvPr id="2" name="Title Placeholder 1"/>
+          <p:cNvSpPr>
+            <a:spLocks noGrp="1"/>
+          </p:cNvSpPr>
+          <p:nvPr>
+            <p:ph type="title"/>
+          </p:nvPr>
+        </p:nvSpPr>
+        <p:spPr>
+          <a:xfrm>
+            <a:off x="457200" y="533400"/>
+            <a:ext cx="11277600" cy="1157288"/>
+          </a:xfrm>
+          <a:prstGeom prst="rect">
+            <a:avLst/>
+          </a:prstGeom>
+        </p:spPr>
+        <p:txBody>
+          <a:bodyPr vert="horz" lIns="0" tIns="45720" rIns="0" bIns="45720" rtlCol="0" anchor="t">
+            <a:normAutofit/>
+          </a:bodyPr>
+          <a:lstStyle/>
+          <a:p>
+            <a:r>
+              <a:rPr lang="en-US"/>
+              <a:t>Click to edit Master title style</a:t>
+            </a:r>
+            <a:endParaRPr lang="en-US" dirty="0"/>
+          </a:p>
+        </p:txBody>
+      </p:sp>
+      <p:sp>
+        <p:nvSpPr>
+          <p:cNvPr id="3" name="Text Placeholder 2"/>
+          <p:cNvSpPr>
+            <a:spLocks noGrp="1"/>
+          </p:cNvSpPr>
+          <p:nvPr>
+            <p:ph type="body" idx="1"/>
+          </p:nvPr>
+        </p:nvSpPr>
+        <p:spPr>
+          <a:xfrm>
+            <a:off x="457200" y="1825625"/>
+            <a:ext cx="11277600" cy="4232275"/>
+          </a:xfrm>
+          <a:prstGeom prst="rect">
+            <a:avLst/>
+          </a:prstGeom>
+        </p:spPr>
+        <p:txBody>
+          <a:bodyPr vert="horz" lIns="0" tIns="45720" rIns="0" bIns="45720" rtlCol="0">
+            <a:normAutofit/>
+          </a:bodyPr>
+          <a:lstStyle/>
+          <a:p>
+            <a:pPr lvl="0"/>
+            <a:r>
+              <a:rPr lang="en-US"/>
+              <a:t>Click to edit Master text styles</a:t>
+            </a:r>
+          </a:p>
+          <a:p>
+            <a:pPr lvl="1"/>
+            <a:r>
+              <a:rPr lang="en-US"/>
+              <a:t>Second level</a:t>
+            </a:r>
+          </a:p>
+          <a:p>
+            <a:pPr lvl="2"/>
+            <a:r>
+              <a:rPr lang="en-US"/>
+              <a:t>Third level</a:t>
+            </a:r>
+          </a:p>
+          <a:p>
+            <a:pPr lvl="3"/>
+            <a:r>
+              <a:rPr lang="en-US"/>
+              <a:t>Fourth level</a:t>
+            </a:r>
+          </a:p>
+          <a:p>
+            <a:pPr lvl="4"/>
+            <a:r>
+              <a:rPr lang="en-US"/>
+              <a:t>Fifth level</a:t>
+            </a:r>
+            <a:endParaRPr lang="en-US" dirty="0"/>
+          </a:p>
+        </p:txBody>
+      </p:sp>
+      <p:sp>
+        <p:nvSpPr>
+          <p:cNvPr id="6" name="Slide Number Placeholder 5"/>
+          <p:cNvSpPr>
+            <a:spLocks noGrp="1"/>
+          </p:cNvSpPr>
+          <p:nvPr>
+            <p:ph type="sldNum" sz="quarter" idx="4"/>
+          </p:nvPr>
+        </p:nvSpPr>
+        <p:spPr>
+          <a:xfrm>
+            <a:off x="8991600" y="6467708"/>
+            <a:ext cx="2743200" cy="209316"/>
+          </a:xfrm>
+          <a:prstGeom prst="rect">
+            <a:avLst/>
+          </a:prstGeom>
+        </p:spPr>
+        <p:txBody>
+          <a:bodyPr vert="horz" lIns="0" tIns="0" rIns="0" bIns="0" rtlCol="0" anchor="ctr"/>
+          <a:lstStyle>
+            <a:lvl1pPr algn="r">
+              <a:defRPr sz="1000">
+                <a:solidFill>
+                  <a:schemeClr val="tx1">
+                    <a:tint val="75000"/>
+                  </a:schemeClr>
+                </a:solidFill>
+                <a:latin typeface="Lato" charset="0"/>
+                <a:ea typeface="Lato" charset="0"/>
+                <a:cs typeface="Lato" charset="0"/>
+              </a:defRPr>
+            </a:lvl1pPr>
+          </a:lstStyle>
+          <a:p>
+            <a:fld id="{B68F88C8-0A9A-DA43-95C8-7FE161A05352}" type="slidenum">
+              <a:rPr lang="en-US" smtClean="0"/>
+              <a:pPr/>
+              <a:t>‹#›</a:t>
+            </a:fld>
+            <a:endParaRPr lang="en-US"/>
+          </a:p>
+        </p:txBody>
+      </p:sp>
+      <p:pic>
+        <p:nvPicPr>
+          <p:cNvPr id="8" name="Picture 7"/>
+          <p:cNvPicPr>
+            <a:picLocks noChangeAspect="1"/>
+          </p:cNvPicPr>
+          <p:nvPr userDrawn="1"/>
+        </p:nvPicPr>
+        <p:blipFill rotWithShape="1">
+          <a:blip r:embed="rId15">
+            <a:extLst>
+              <a:ext uri="{28A0092B-C50C-407E-A947-70E740481C1C}">
+                <a14:useLocalDpi xmlns:a14="http://schemas.microsoft.com/office/drawing/2010/main"/>
+              </a:ext>
+            </a:extLst>
+          </a:blip>
+          <a:srcRect l="14990" t="-24944" r="1"/>
+          <a:stretch/>
+        </p:blipFill>
+        <p:spPr>
+          <a:xfrm>
+            <a:off x="320675" y="6521450"/>
+            <a:ext cx="2391113" cy="102824"/>
+          </a:xfrm>
+          <a:prstGeom prst="rect">
+            <a:avLst/>
+          </a:prstGeom>
+        </p:spPr>
+      </p:pic>
+      <p:sp>
+        <p:nvSpPr>
+          <p:cNvPr id="4" name="Oval 3"/>
+          <p:cNvSpPr/>
+          <p:nvPr userDrawn="1"/>
+        </p:nvSpPr>
+        <p:spPr>
+          <a:xfrm>
+            <a:off x="-550072" y="117081"/>
+            <a:ext cx="231648" cy="231648"/>
+          </a:xfrm>
+          <a:prstGeom prst="ellipse">
+            <a:avLst/>
+          </a:prstGeom>
+          <a:ln>
+            <a:noFill/>
+          </a:ln>
+        </p:spPr>
+        <p:style>
+          <a:lnRef idx="2">
+            <a:schemeClr val="accent1">
+              <a:shade val="50000"/>
+            </a:schemeClr>
+          </a:lnRef>
+          <a:fillRef idx="1">
+            <a:schemeClr val="accent1"/>
+          </a:fillRef>
+          <a:effectRef idx="0">
+            <a:schemeClr val="accent1"/>
+          </a:effectRef>
+          <a:fontRef idx="minor">
+            <a:schemeClr val="lt1"/>
+          </a:fontRef>
+        </p:style>
+        <p:txBody>
+          <a:bodyPr rtlCol="0" anchor="ctr"/>
+          <a:lstStyle/>
+          <a:p>
+            <a:pPr algn="ctr"/>
+            <a:endParaRPr lang="en-US">
+              <a:ln>
+                <a:noFill/>
+              </a:ln>
+            </a:endParaRPr>
+          </a:p>
+        </p:txBody>
+      </p:sp>
+      <p:sp>
+        <p:nvSpPr>
+          <p:cNvPr id="7" name="Oval 6"/>
+          <p:cNvSpPr/>
+          <p:nvPr userDrawn="1"/>
+        </p:nvSpPr>
+        <p:spPr>
+          <a:xfrm>
+            <a:off x="-550072" y="452571"/>
+            <a:ext cx="231648" cy="231648"/>
+          </a:xfrm>
+          <a:prstGeom prst="ellipse">
+            <a:avLst/>
+          </a:prstGeom>
+          <a:solidFill>
+            <a:schemeClr val="accent3"/>
+          </a:solidFill>
+          <a:ln>
+            <a:noFill/>
+          </a:ln>
+        </p:spPr>
+        <p:style>
+          <a:lnRef idx="2">
+            <a:schemeClr val="accent1">
+              <a:shade val="50000"/>
+            </a:schemeClr>
+          </a:lnRef>
+          <a:fillRef idx="1">
+            <a:schemeClr val="accent1"/>
+          </a:fillRef>
+          <a:effectRef idx="0">
+            <a:schemeClr val="accent1"/>
+          </a:effectRef>
+          <a:fontRef idx="minor">
+            <a:schemeClr val="lt1"/>
+          </a:fontRef>
+        </p:style>
+        <p:txBody>
+          <a:bodyPr rtlCol="0" anchor="ctr"/>
+          <a:lstStyle/>
+          <a:p>
+            <a:pPr algn="ctr"/>
+            <a:endParaRPr lang="en-US">
+              <a:ln>
+                <a:noFill/>
+              </a:ln>
+            </a:endParaRPr>
+          </a:p>
+        </p:txBody>
+      </p:sp>
+      <p:sp>
+        <p:nvSpPr>
+          <p:cNvPr id="9" name="Oval 8"/>
+          <p:cNvSpPr/>
+          <p:nvPr userDrawn="1"/>
+        </p:nvSpPr>
+        <p:spPr>
+          <a:xfrm>
+            <a:off x="-550072" y="788061"/>
+            <a:ext cx="231648" cy="231648"/>
+          </a:xfrm>
+          <a:prstGeom prst="ellipse">
+            <a:avLst/>
+          </a:prstGeom>
+          <a:solidFill>
+            <a:schemeClr val="accent4"/>
+          </a:solidFill>
+          <a:ln>
+            <a:noFill/>
+          </a:ln>
+        </p:spPr>
+        <p:style>
+          <a:lnRef idx="2">
+            <a:schemeClr val="accent1">
+              <a:shade val="50000"/>
+            </a:schemeClr>
+          </a:lnRef>
+          <a:fillRef idx="1">
+            <a:schemeClr val="accent1"/>
+          </a:fillRef>
+          <a:effectRef idx="0">
+            <a:schemeClr val="accent1"/>
+          </a:effectRef>
+          <a:fontRef idx="minor">
+            <a:schemeClr val="lt1"/>
+          </a:fontRef>
+        </p:style>
+        <p:txBody>
+          <a:bodyPr rtlCol="0" anchor="ctr"/>
+          <a:lstStyle/>
+          <a:p>
+            <a:pPr algn="ctr"/>
+            <a:endParaRPr lang="en-US">
+              <a:ln>
+                <a:noFill/>
+              </a:ln>
+            </a:endParaRPr>
+          </a:p>
+        </p:txBody>
+      </p:sp>
+      <p:sp>
+        <p:nvSpPr>
+          <p:cNvPr id="11" name="Oval 10"/>
+          <p:cNvSpPr/>
+          <p:nvPr userDrawn="1"/>
+        </p:nvSpPr>
+        <p:spPr>
+          <a:xfrm>
+            <a:off x="-550072" y="1123551"/>
+            <a:ext cx="231648" cy="231648"/>
+          </a:xfrm>
+          <a:prstGeom prst="ellipse">
+            <a:avLst/>
+          </a:prstGeom>
+          <a:solidFill>
+            <a:schemeClr val="accent2"/>
+          </a:solidFill>
+          <a:ln>
+            <a:noFill/>
+          </a:ln>
+        </p:spPr>
+        <p:style>
+          <a:lnRef idx="2">
+            <a:schemeClr val="accent1">
+              <a:shade val="50000"/>
+            </a:schemeClr>
+          </a:lnRef>
+          <a:fillRef idx="1">
+            <a:schemeClr val="accent1"/>
+          </a:fillRef>
+          <a:effectRef idx="0">
+            <a:schemeClr val="accent1"/>
+          </a:effectRef>
+          <a:fontRef idx="minor">
+            <a:schemeClr val="lt1"/>
+          </a:fontRef>
+        </p:style>
+        <p:txBody>
+          <a:bodyPr rtlCol="0" anchor="ctr"/>
+          <a:lstStyle/>
+          <a:p>
+            <a:pPr algn="ctr"/>
+            <a:endParaRPr lang="en-US">
+              <a:ln>
+                <a:noFill/>
+              </a:ln>
+            </a:endParaRPr>
+          </a:p>
+        </p:txBody>
+      </p:sp>
+      <p:sp>
+        <p:nvSpPr>
+          <p:cNvPr id="12" name="Oval 11"/>
+          <p:cNvSpPr/>
+          <p:nvPr userDrawn="1"/>
+        </p:nvSpPr>
+        <p:spPr>
+          <a:xfrm>
+            <a:off x="-550072" y="1459040"/>
+            <a:ext cx="231648" cy="231648"/>
+          </a:xfrm>
+          <a:prstGeom prst="ellipse">
+            <a:avLst/>
+          </a:prstGeom>
+          <a:solidFill>
+            <a:schemeClr val="tx1"/>
+          </a:solidFill>
+          <a:ln>
+            <a:noFill/>
+          </a:ln>
+        </p:spPr>
+        <p:style>
+          <a:lnRef idx="2">
+            <a:schemeClr val="accent1">
+              <a:shade val="50000"/>
+            </a:schemeClr>
+          </a:lnRef>
+          <a:fillRef idx="1">
+            <a:schemeClr val="accent1"/>
+          </a:fillRef>
+          <a:effectRef idx="0">
+            <a:schemeClr val="accent1"/>
+          </a:effectRef>
+          <a:fontRef idx="minor">
+            <a:schemeClr val="lt1"/>
+          </a:fontRef>
+        </p:style>
+        <p:txBody>
+          <a:bodyPr rtlCol="0" anchor="ctr"/>
+          <a:lstStyle/>
+          <a:p>
+            <a:pPr algn="ctr"/>
+            <a:endParaRPr lang="en-US">
+              <a:ln>
+                <a:noFill/>
+              </a:ln>
+            </a:endParaRPr>
+          </a:p>
+        </p:txBody>
+      </p:sp>
+      <p:sp>
+        <p:nvSpPr>
+          <p:cNvPr id="5" name="TextBox 4"/>
+          <p:cNvSpPr txBox="1"/>
+          <p:nvPr userDrawn="1"/>
+        </p:nvSpPr>
+        <p:spPr>
+          <a:xfrm>
+            <a:off x="-888626" y="31354"/>
+            <a:ext cx="338554" cy="1674497"/>
+          </a:xfrm>
+          <a:prstGeom prst="rect">
+            <a:avLst/>
+          </a:prstGeom>
+          <a:noFill/>
+        </p:spPr>
+        <p:txBody>
+          <a:bodyPr vert="vert270" wrap="none" rtlCol="0">
+            <a:spAutoFit/>
+          </a:bodyPr>
+          <a:lstStyle/>
+          <a:p>
+            <a:r>
+              <a:rPr lang="en-US" sz="1000" b="1" spc="0" dirty="0">
+                <a:solidFill>
+                  <a:schemeClr val="tx1">
+                    <a:lumMod val="60000"/>
+                    <a:lumOff val="40000"/>
+                  </a:schemeClr>
+                </a:solidFill>
+              </a:rPr>
+              <a:t>URBAN</a:t>
+            </a:r>
+            <a:r>
+              <a:rPr lang="en-US" sz="1000" b="1" spc="0" baseline="0" dirty="0">
+                <a:solidFill>
+                  <a:schemeClr val="tx1">
+                    <a:lumMod val="60000"/>
+                    <a:lumOff val="40000"/>
+                  </a:schemeClr>
+                </a:solidFill>
+              </a:rPr>
+              <a:t> COLOR PALETTE</a:t>
+            </a:r>
+            <a:endParaRPr lang="en-US" sz="1000" b="1" spc="0" dirty="0">
+              <a:solidFill>
+                <a:schemeClr val="tx1">
+                  <a:lumMod val="60000"/>
+                  <a:lumOff val="40000"/>
+                </a:schemeClr>
+              </a:solidFill>
+            </a:endParaRPr>
+          </a:p>
+        </p:txBody>
+      </p:sp>
+      <p:sp>
+        <p:nvSpPr>
+          <p:cNvPr id="13" name="TextBox 12"/>
+          <p:cNvSpPr txBox="1"/>
+          <p:nvPr userDrawn="1"/>
+        </p:nvSpPr>
+        <p:spPr>
+          <a:xfrm>
+            <a:off x="10489920" y="7020156"/>
+            <a:ext cx="1733167" cy="246221"/>
+          </a:xfrm>
+          <a:prstGeom prst="rect">
+            <a:avLst/>
+          </a:prstGeom>
+          <a:noFill/>
+        </p:spPr>
+        <p:txBody>
+          <a:bodyPr vert="horz" wrap="none" rtlCol="0">
+            <a:spAutoFit/>
+          </a:bodyPr>
+          <a:lstStyle/>
+          <a:p>
+            <a:pPr algn="r"/>
+            <a:r>
+              <a:rPr lang="en-US" sz="1000" b="1" spc="0" dirty="0">
+                <a:solidFill>
+                  <a:schemeClr val="tx1">
+                    <a:lumMod val="60000"/>
+                    <a:lumOff val="40000"/>
+                  </a:schemeClr>
+                </a:solidFill>
+              </a:rPr>
+              <a:t>TEMPLATE VERSION 2.2</a:t>
+            </a:r>
+            <a:endParaRPr lang="en-US" sz="1000" b="1" spc="0" dirty="0">
+              <a:solidFill>
+                <a:schemeClr val="tx1"/>
+              </a:solidFill>
+            </a:endParaRPr>
+          </a:p>
+        </p:txBody>
+      </p:sp>
+    </p:spTree>
+    <p:extLst>
+      <p:ext uri="{BB962C8B-B14F-4D97-AF65-F5344CB8AC3E}">
+        <p14:creationId xmlns:p14="http://schemas.microsoft.com/office/powerpoint/2010/main" val="3300202559"/>
+      </p:ext>
+    </p:extLst>
+  </p:cSld>
+  <p:clrMap bg1="lt1" tx1="dk1" bg2="lt2" tx2="dk2" accent1="accent1" accent2="accent2" accent3="accent3" accent4="accent4" accent5="accent5" accent6="accent6" hlink="hlink" folHlink="folHlink"/>
+  <p:sldLayoutIdLst>
+    <p:sldLayoutId id="2147483685" r:id="rId1"/>
+    <p:sldLayoutId id="2147483686" r:id="rId2"/>
+    <p:sldLayoutId id="2147483687" r:id="rId3"/>
+    <p:sldLayoutId id="2147483688" r:id="rId4"/>
+    <p:sldLayoutId id="2147483689" r:id="rId5"/>
+    <p:sldLayoutId id="2147483690" r:id="rId6"/>
+    <p:sldLayoutId id="2147483691" r:id="rId7"/>
+    <p:sldLayoutId id="2147483692" r:id="rId8"/>
+    <p:sldLayoutId id="2147483693" r:id="rId9"/>
+    <p:sldLayoutId id="2147483694" r:id="rId10"/>
+    <p:sldLayoutId id="2147483695" r:id="rId11"/>
+    <p:sldLayoutId id="2147483696" r:id="rId12"/>
+    <p:sldLayoutId id="2147483697" r:id="rId13"/>
+  </p:sldLayoutIdLst>
+  <p:transition>
+    <p:fade/>
+  </p:transition>
+  <p:hf hdr="0" ftr="0" dt="0"/>
+  <p:txStyles>
+    <p:titleStyle>
+      <a:lvl1pPr algn="l" defTabSz="914400" rtl="0" eaLnBrk="1" latinLnBrk="0" hangingPunct="1">
+        <a:lnSpc>
+          <a:spcPct val="90000"/>
+        </a:lnSpc>
+        <a:spcBef>
+          <a:spcPct val="0"/>
+        </a:spcBef>
+        <a:buNone/>
+        <a:defRPr sz="3400" b="1" kern="1200" baseline="0">
+          <a:solidFill>
+            <a:schemeClr val="tx1"/>
+          </a:solidFill>
+          <a:latin typeface="+mj-lt"/>
+          <a:ea typeface="+mj-ea"/>
+          <a:cs typeface="+mj-cs"/>
+        </a:defRPr>
+      </a:lvl1pPr>
+    </p:titleStyle>
+    <p:bodyStyle>
+      <a:lvl1pPr marL="228600" indent="-228600" algn="l" defTabSz="914400" rtl="0" eaLnBrk="1" latinLnBrk="0" hangingPunct="1">
+        <a:lnSpc>
+          <a:spcPct val="100000"/>
+        </a:lnSpc>
+        <a:spcBef>
+          <a:spcPts val="0"/>
+        </a:spcBef>
+        <a:spcAft>
+          <a:spcPts val="1600"/>
+        </a:spcAft>
+        <a:buClr>
+          <a:schemeClr val="accent1"/>
+        </a:buClr>
+        <a:buFont typeface="Wingdings" charset="2"/>
+        <a:buChar char="§"/>
+        <a:defRPr sz="2200" kern="1200">
+          <a:solidFill>
+            <a:schemeClr val="tx1"/>
+          </a:solidFill>
+          <a:latin typeface="+mn-lt"/>
+          <a:ea typeface="+mn-ea"/>
+          <a:cs typeface="+mn-cs"/>
+        </a:defRPr>
+      </a:lvl1pPr>
+      <a:lvl2pPr marL="685800" indent="-228600" algn="l" defTabSz="914400" rtl="0" eaLnBrk="1" latinLnBrk="0" hangingPunct="1">
+        <a:lnSpc>
+          <a:spcPct val="100000"/>
+        </a:lnSpc>
+        <a:spcBef>
+          <a:spcPts val="0"/>
+        </a:spcBef>
+        <a:spcAft>
+          <a:spcPts val="1600"/>
+        </a:spcAft>
+        <a:buClr>
+          <a:schemeClr val="accent1"/>
+        </a:buClr>
+        <a:buFont typeface="Wingdings" charset="2"/>
+        <a:buChar char="§"/>
+        <a:defRPr sz="2000" kern="1200">
+          <a:solidFill>
+            <a:schemeClr val="tx1"/>
+          </a:solidFill>
+          <a:latin typeface="+mn-lt"/>
+          <a:ea typeface="+mn-ea"/>
+          <a:cs typeface="+mn-cs"/>
+        </a:defRPr>
+      </a:lvl2pPr>
+      <a:lvl3pPr marL="1143000" indent="-228600" algn="l" defTabSz="914400" rtl="0" eaLnBrk="1" latinLnBrk="0" hangingPunct="1">
+        <a:lnSpc>
+          <a:spcPct val="100000"/>
+        </a:lnSpc>
+        <a:spcBef>
+          <a:spcPts val="0"/>
+        </a:spcBef>
+        <a:spcAft>
+          <a:spcPts val="1600"/>
+        </a:spcAft>
+        <a:buClr>
+          <a:schemeClr val="accent1"/>
+        </a:buClr>
+        <a:buFont typeface="Wingdings" charset="2"/>
+        <a:buChar char="§"/>
+        <a:defRPr sz="1800" kern="1200">
+          <a:solidFill>
+            <a:schemeClr val="tx1"/>
+          </a:solidFill>
+          <a:latin typeface="+mn-lt"/>
+          <a:ea typeface="+mn-ea"/>
+          <a:cs typeface="+mn-cs"/>
+        </a:defRPr>
+      </a:lvl3pPr>
+      <a:lvl4pPr marL="1600200" indent="-228600" algn="l" defTabSz="914400" rtl="0" eaLnBrk="1" latinLnBrk="0" hangingPunct="1">
+        <a:lnSpc>
+          <a:spcPct val="100000"/>
+        </a:lnSpc>
+        <a:spcBef>
+          <a:spcPts val="0"/>
+        </a:spcBef>
+        <a:spcAft>
+          <a:spcPts val="1600"/>
+        </a:spcAft>
+        <a:buClr>
+          <a:schemeClr val="accent1"/>
+        </a:buClr>
+        <a:buFont typeface="Wingdings" charset="2"/>
+        <a:buChar char="§"/>
+        <a:defRPr sz="1800" kern="1200">
+          <a:solidFill>
+            <a:schemeClr val="tx1"/>
+          </a:solidFill>
+          <a:latin typeface="+mn-lt"/>
+          <a:ea typeface="+mn-ea"/>
+          <a:cs typeface="+mn-cs"/>
+        </a:defRPr>
+      </a:lvl4pPr>
+      <a:lvl5pPr marL="2057400" indent="-228600" algn="l" defTabSz="914400" rtl="0" eaLnBrk="1" latinLnBrk="0" hangingPunct="1">
+        <a:lnSpc>
+          <a:spcPct val="100000"/>
+        </a:lnSpc>
+        <a:spcBef>
+          <a:spcPts val="0"/>
+        </a:spcBef>
+        <a:spcAft>
+          <a:spcPts val="1600"/>
+        </a:spcAft>
+        <a:buClr>
+          <a:schemeClr val="accent1"/>
+        </a:buClr>
+        <a:buFont typeface="Wingdings" charset="2"/>
+        <a:buChar char="§"/>
+        <a:defRPr sz="1800" kern="1200">
+          <a:solidFill>
+            <a:schemeClr val="tx1"/>
+          </a:solidFill>
+          <a:latin typeface="+mn-lt"/>
+          <a:ea typeface="+mn-ea"/>
+          <a:cs typeface="+mn-cs"/>
+        </a:defRPr>
+      </a:lvl5pPr>
+      <a:lvl6pPr marL="2514600" indent="-228600" algn="l" defTabSz="914400" rtl="0" eaLnBrk="1" latinLnBrk="0" hangingPunct="1">
+        <a:lnSpc>
+          <a:spcPct val="90000"/>
+        </a:lnSpc>
+        <a:spcBef>
+          <a:spcPts val="500"/>
+        </a:spcBef>
+        <a:buFont typeface="Arial"/>
+        <a:buChar char="•"/>
+        <a:defRPr sz="1800" kern="1200">
+          <a:solidFill>
+            <a:schemeClr val="tx1"/>
+          </a:solidFill>
+          <a:latin typeface="+mn-lt"/>
+          <a:ea typeface="+mn-ea"/>
+          <a:cs typeface="+mn-cs"/>
+        </a:defRPr>
+      </a:lvl6pPr>
+      <a:lvl7pPr marL="2971800" indent="-228600" algn="l" defTabSz="914400" rtl="0" eaLnBrk="1" latinLnBrk="0" hangingPunct="1">
+        <a:lnSpc>
+          <a:spcPct val="90000"/>
+        </a:lnSpc>
+        <a:spcBef>
+          <a:spcPts val="500"/>
+        </a:spcBef>
+        <a:buFont typeface="Arial"/>
+        <a:buChar char="•"/>
+        <a:defRPr sz="1800" kern="1200">
+          <a:solidFill>
+            <a:schemeClr val="tx1"/>
+          </a:solidFill>
+          <a:latin typeface="+mn-lt"/>
+          <a:ea typeface="+mn-ea"/>
+          <a:cs typeface="+mn-cs"/>
+        </a:defRPr>
+      </a:lvl7pPr>
+      <a:lvl8pPr marL="3429000" indent="-228600" algn="l" defTabSz="914400" rtl="0" eaLnBrk="1" latinLnBrk="0" hangingPunct="1">
+        <a:lnSpc>
+          <a:spcPct val="90000"/>
+        </a:lnSpc>
+        <a:spcBef>
+          <a:spcPts val="500"/>
+        </a:spcBef>
+        <a:buFont typeface="Arial"/>
+        <a:buChar char="•"/>
+        <a:defRPr sz="1800" kern="1200">
+          <a:solidFill>
+            <a:schemeClr val="tx1"/>
+          </a:solidFill>
+          <a:latin typeface="+mn-lt"/>
+          <a:ea typeface="+mn-ea"/>
+          <a:cs typeface="+mn-cs"/>
+        </a:defRPr>
+      </a:lvl8pPr>
+      <a:lvl9pPr marL="3886200" indent="-228600" algn="l" defTabSz="914400" rtl="0" eaLnBrk="1" latinLnBrk="0" hangingPunct="1">
+        <a:lnSpc>
+          <a:spcPct val="90000"/>
+        </a:lnSpc>
+        <a:spcBef>
+          <a:spcPts val="500"/>
+        </a:spcBef>
+        <a:buFont typeface="Arial"/>
+        <a:buChar char="•"/>
+        <a:defRPr sz="1800" kern="1200">
+          <a:solidFill>
+            <a:schemeClr val="tx1"/>
+          </a:solidFill>
+          <a:latin typeface="+mn-lt"/>
+          <a:ea typeface="+mn-ea"/>
+          <a:cs typeface="+mn-cs"/>
+        </a:defRPr>
+      </a:lvl9pPr>
+    </p:bodyStyle>
+    <p:otherStyle>
+      <a:defPPr>
+        <a:defRPr lang="en-US"/>
+      </a:defPPr>
+      <a:lvl1pPr marL="0" algn="l" defTabSz="914400" rtl="0" eaLnBrk="1" latinLnBrk="0" hangingPunct="1">
+        <a:defRPr sz="1800" kern="1200">
+          <a:solidFill>
+            <a:schemeClr val="tx1"/>
+          </a:solidFill>
+          <a:latin typeface="+mn-lt"/>
+          <a:ea typeface="+mn-ea"/>
+          <a:cs typeface="+mn-cs"/>
+        </a:defRPr>
+      </a:lvl1pPr>
+      <a:lvl2pPr marL="457200" algn="l" defTabSz="914400" rtl="0" eaLnBrk="1" latinLnBrk="0" hangingPunct="1">
+        <a:defRPr sz="1800" kern="1200">
+          <a:solidFill>
+            <a:schemeClr val="tx1"/>
+          </a:solidFill>
+          <a:latin typeface="+mn-lt"/>
+          <a:ea typeface="+mn-ea"/>
+          <a:cs typeface="+mn-cs"/>
+        </a:defRPr>
+      </a:lvl2pPr>
+      <a:lvl3pPr marL="914400" algn="l" defTabSz="914400" rtl="0" eaLnBrk="1" latinLnBrk="0" hangingPunct="1">
+        <a:defRPr sz="1800" kern="1200">
+          <a:solidFill>
+            <a:schemeClr val="tx1"/>
+          </a:solidFill>
+          <a:latin typeface="+mn-lt"/>
+          <a:ea typeface="+mn-ea"/>
+          <a:cs typeface="+mn-cs"/>
+        </a:defRPr>
+      </a:lvl3pPr>
+      <a:lvl4pPr marL="1371600" algn="l" defTabSz="914400" rtl="0" eaLnBrk="1" latinLnBrk="0" hangingPunct="1">
+        <a:defRPr sz="1800" kern="1200">
+          <a:solidFill>
+            <a:schemeClr val="tx1"/>
+          </a:solidFill>
+          <a:latin typeface="+mn-lt"/>
+          <a:ea typeface="+mn-ea"/>
+          <a:cs typeface="+mn-cs"/>
+        </a:defRPr>
+      </a:lvl4pPr>
+      <a:lvl5pPr marL="1828800" algn="l" defTabSz="914400" rtl="0" eaLnBrk="1" latinLnBrk="0" hangingPunct="1">
+        <a:defRPr sz="1800" kern="1200">
+          <a:solidFill>
+            <a:schemeClr val="tx1"/>
+          </a:solidFill>
+          <a:latin typeface="+mn-lt"/>
+          <a:ea typeface="+mn-ea"/>
+          <a:cs typeface="+mn-cs"/>
+        </a:defRPr>
+      </a:lvl5pPr>
+      <a:lvl6pPr marL="2286000" algn="l" defTabSz="914400" rtl="0" eaLnBrk="1" latinLnBrk="0" hangingPunct="1">
+        <a:defRPr sz="1800" kern="1200">
+          <a:solidFill>
+            <a:schemeClr val="tx1"/>
+          </a:solidFill>
+          <a:latin typeface="+mn-lt"/>
+          <a:ea typeface="+mn-ea"/>
+          <a:cs typeface="+mn-cs"/>
+        </a:defRPr>
+      </a:lvl6pPr>
+      <a:lvl7pPr marL="2743200" algn="l" defTabSz="914400" rtl="0" eaLnBrk="1" latinLnBrk="0" hangingPunct="1">
+        <a:defRPr sz="1800" kern="1200">
+          <a:solidFill>
+            <a:schemeClr val="tx1"/>
+          </a:solidFill>
+          <a:latin typeface="+mn-lt"/>
+          <a:ea typeface="+mn-ea"/>
+          <a:cs typeface="+mn-cs"/>
+        </a:defRPr>
+      </a:lvl7pPr>
+      <a:lvl8pPr marL="3200400" algn="l" defTabSz="914400" rtl="0" eaLnBrk="1" latinLnBrk="0" hangingPunct="1">
+        <a:defRPr sz="1800" kern="1200">
+          <a:solidFill>
+            <a:schemeClr val="tx1"/>
+          </a:solidFill>
+          <a:latin typeface="+mn-lt"/>
+          <a:ea typeface="+mn-ea"/>
+          <a:cs typeface="+mn-cs"/>
+        </a:defRPr>
+      </a:lvl8pPr>
+      <a:lvl9pPr marL="3657600" algn="l" defTabSz="914400" rtl="0" eaLnBrk="1" latinLnBrk="0" hangingPunct="1">
+        <a:defRPr sz="1800" kern="1200">
+          <a:solidFill>
+            <a:schemeClr val="tx1"/>
+          </a:solidFill>
+          <a:latin typeface="+mn-lt"/>
+          <a:ea typeface="+mn-ea"/>
+          <a:cs typeface="+mn-cs"/>
+        </a:defRPr>
+      </a:lvl9pPr>
+    </p:otherStyle>
+  </p:txStyles>
+  <p:extLst>
+    <p:ext uri="{27BBF7A9-308A-43DC-89C8-2F10F3537804}">
+      <p15:sldGuideLst xmlns:p15="http://schemas.microsoft.com/office/powerpoint/2012/main">
+        <p15:guide id="1" orient="horz" pos="2160">
+          <p15:clr>
+            <a:srgbClr val="F26B43"/>
+          </p15:clr>
+        </p15:guide>
+        <p15:guide id="2" pos="3840">
+          <p15:clr>
+            <a:srgbClr val="F26B43"/>
+          </p15:clr>
+        </p15:guide>
+        <p15:guide id="3" pos="288">
+          <p15:clr>
+            <a:srgbClr val="F26B43"/>
+          </p15:clr>
+        </p15:guide>
+        <p15:guide id="4" orient="horz" pos="336">
+          <p15:clr>
+            <a:srgbClr val="F26B43"/>
+          </p15:clr>
+        </p15:guide>
+        <p15:guide id="5" orient="horz" pos="3816">
+          <p15:clr>
+            <a:srgbClr val="F26B43"/>
+          </p15:clr>
+        </p15:guide>
+        <p15:guide id="6" pos="2592">
+          <p15:clr>
+            <a:srgbClr val="F26B43"/>
+          </p15:clr>
+        </p15:guide>
+        <p15:guide id="7" pos="7392">
+          <p15:clr>
+            <a:srgbClr val="F26B43"/>
+          </p15:clr>
+        </p15:guide>
+        <p15:guide id="8" orient="horz" pos="4176">
+          <p15:clr>
+            <a:srgbClr val="F26B43"/>
+          </p15:clr>
+        </p15:guide>
+      </p15:sldGuideLst>
+    </p:ext>
+  </p:extLst>
 </p:sldMaster>
 </file>
 
@@ -36940,6 +41737,932 @@
 <file path=ppt/slides/slide43.xml><?xml version="1.0" encoding="utf-8"?>
 <p:sld xmlns:a="http://schemas.openxmlformats.org/drawingml/2006/main" xmlns:r="http://schemas.openxmlformats.org/officeDocument/2006/relationships" xmlns:p="http://schemas.openxmlformats.org/presentationml/2006/main">
   <p:cSld>
+    <p:spTree>
+      <p:nvGrpSpPr>
+        <p:cNvPr id="1" name=""/>
+        <p:cNvGrpSpPr/>
+        <p:nvPr/>
+      </p:nvGrpSpPr>
+      <p:grpSpPr>
+        <a:xfrm>
+          <a:off x="0" y="0"/>
+          <a:ext cx="0" cy="0"/>
+          <a:chOff x="0" y="0"/>
+          <a:chExt cx="0" cy="0"/>
+        </a:xfrm>
+      </p:grpSpPr>
+      <p:sp>
+        <p:nvSpPr>
+          <p:cNvPr id="2" name="Slide Number Placeholder 1">
+            <a:extLst>
+              <a:ext uri="{FF2B5EF4-FFF2-40B4-BE49-F238E27FC236}">
+                <a16:creationId xmlns:a16="http://schemas.microsoft.com/office/drawing/2014/main" id="{F8B59D2D-8471-B14B-DB9C-1A847C3E3EF6}"/>
+              </a:ext>
+            </a:extLst>
+          </p:cNvPr>
+          <p:cNvSpPr>
+            <a:spLocks noGrp="1"/>
+          </p:cNvSpPr>
+          <p:nvPr>
+            <p:ph type="sldNum" sz="quarter" idx="4"/>
+          </p:nvPr>
+        </p:nvSpPr>
+        <p:spPr/>
+        <p:txBody>
+          <a:bodyPr/>
+          <a:lstStyle/>
+          <a:p>
+            <a:pPr marL="0" marR="0" lvl="0" indent="0" algn="r" defTabSz="914400" rtl="0" eaLnBrk="1" fontAlgn="auto" latinLnBrk="0" hangingPunct="1">
+              <a:lnSpc>
+                <a:spcPct val="100000"/>
+              </a:lnSpc>
+              <a:spcBef>
+                <a:spcPts val="0"/>
+              </a:spcBef>
+              <a:spcAft>
+                <a:spcPts val="0"/>
+              </a:spcAft>
+              <a:buClrTx/>
+              <a:buSzTx/>
+              <a:buFontTx/>
+              <a:buNone/>
+              <a:tabLst/>
+              <a:defRPr/>
+            </a:pPr>
+            <a:fld id="{B68F88C8-0A9A-DA43-95C8-7FE161A05352}" type="slidenum">
+              <a:rPr kumimoji="0" lang="en-US" sz="1000" b="0" i="0" u="none" strike="noStrike" kern="1200" cap="none" spc="0" normalizeH="0" baseline="0" noProof="0" smtClean="0">
+                <a:ln>
+                  <a:noFill/>
+                </a:ln>
+                <a:solidFill>
+                  <a:srgbClr val="494546">
+                    <a:tint val="75000"/>
+                  </a:srgbClr>
+                </a:solidFill>
+                <a:effectLst/>
+                <a:uLnTx/>
+                <a:uFillTx/>
+                <a:latin typeface="Lato" charset="0"/>
+              </a:rPr>
+              <a:pPr marL="0" marR="0" lvl="0" indent="0" algn="r" defTabSz="914400" rtl="0" eaLnBrk="1" fontAlgn="auto" latinLnBrk="0" hangingPunct="1">
+                <a:lnSpc>
+                  <a:spcPct val="100000"/>
+                </a:lnSpc>
+                <a:spcBef>
+                  <a:spcPts val="0"/>
+                </a:spcBef>
+                <a:spcAft>
+                  <a:spcPts val="0"/>
+                </a:spcAft>
+                <a:buClrTx/>
+                <a:buSzTx/>
+                <a:buFontTx/>
+                <a:buNone/>
+                <a:tabLst/>
+                <a:defRPr/>
+              </a:pPr>
+              <a:t>43</a:t>
+            </a:fld>
+            <a:endParaRPr kumimoji="0" lang="en-US" sz="1000" b="0" i="0" u="none" strike="noStrike" kern="1200" cap="none" spc="0" normalizeH="0" baseline="0" noProof="0">
+              <a:ln>
+                <a:noFill/>
+              </a:ln>
+              <a:solidFill>
+                <a:srgbClr val="494546">
+                  <a:tint val="75000"/>
+                </a:srgbClr>
+              </a:solidFill>
+              <a:effectLst/>
+              <a:uLnTx/>
+              <a:uFillTx/>
+              <a:latin typeface="Lato" charset="0"/>
+            </a:endParaRPr>
+          </a:p>
+        </p:txBody>
+      </p:sp>
+      <p:sp>
+        <p:nvSpPr>
+          <p:cNvPr id="3" name="Title 2">
+            <a:extLst>
+              <a:ext uri="{FF2B5EF4-FFF2-40B4-BE49-F238E27FC236}">
+                <a16:creationId xmlns:a16="http://schemas.microsoft.com/office/drawing/2014/main" id="{09B58D78-A6BD-E12D-3B4E-DFBDEA8B2138}"/>
+              </a:ext>
+            </a:extLst>
+          </p:cNvPr>
+          <p:cNvSpPr>
+            <a:spLocks noGrp="1"/>
+          </p:cNvSpPr>
+          <p:nvPr>
+            <p:ph type="title"/>
+          </p:nvPr>
+        </p:nvSpPr>
+        <p:spPr/>
+        <p:txBody>
+          <a:bodyPr/>
+          <a:lstStyle/>
+          <a:p>
+            <a:r>
+              <a:rPr lang="en-US" dirty="0"/>
+              <a:t>Summer 2022 Projects </a:t>
+            </a:r>
+            <a:r>
+              <a:rPr lang="en-US" sz="2400" dirty="0">
+                <a:hlinkClick r:id="rId2"/>
+              </a:rPr>
+              <a:t>[download project descriptions]</a:t>
+            </a:r>
+            <a:endParaRPr lang="en-US" sz="3200" dirty="0">
+              <a:ea typeface="Lato"/>
+              <a:cs typeface="Lato"/>
+            </a:endParaRPr>
+          </a:p>
+        </p:txBody>
+      </p:sp>
+      <p:sp>
+        <p:nvSpPr>
+          <p:cNvPr id="4" name="Text Placeholder 3">
+            <a:extLst>
+              <a:ext uri="{FF2B5EF4-FFF2-40B4-BE49-F238E27FC236}">
+                <a16:creationId xmlns:a16="http://schemas.microsoft.com/office/drawing/2014/main" id="{E0E1339E-0CCD-783F-9A70-33B9CEFA4944}"/>
+              </a:ext>
+            </a:extLst>
+          </p:cNvPr>
+          <p:cNvSpPr>
+            <a:spLocks noGrp="1"/>
+          </p:cNvSpPr>
+          <p:nvPr>
+            <p:ph type="body" sz="quarter" idx="10"/>
+          </p:nvPr>
+        </p:nvSpPr>
+        <p:spPr/>
+        <p:txBody>
+          <a:bodyPr vert="horz" lIns="0" tIns="0" rIns="0" bIns="91440" rtlCol="0" anchor="t">
+            <a:noAutofit/>
+          </a:bodyPr>
+          <a:lstStyle/>
+          <a:p>
+            <a:pPr marL="457200" indent="-457200">
+              <a:buAutoNum type="arabicPeriod"/>
+            </a:pPr>
+            <a:r>
+              <a:rPr lang="en-US" dirty="0">
+                <a:ea typeface="+mn-lt"/>
+                <a:cs typeface="+mn-lt"/>
+              </a:rPr>
+              <a:t>New Dashboard for the Nonprofit Sector in Brief </a:t>
+            </a:r>
+            <a:endParaRPr lang="en-US" dirty="0">
+              <a:cs typeface="Arial"/>
+            </a:endParaRPr>
+          </a:p>
+          <a:p>
+            <a:pPr marL="457200" indent="-457200">
+              <a:buAutoNum type="arabicPeriod"/>
+            </a:pPr>
+            <a:r>
+              <a:rPr lang="en-US" dirty="0">
+                <a:ea typeface="+mn-lt"/>
+                <a:cs typeface="+mn-lt"/>
+              </a:rPr>
+              <a:t>Nonprofit Sampling Tool </a:t>
+            </a:r>
+            <a:endParaRPr lang="en-US" dirty="0">
+              <a:cs typeface="Arial"/>
+            </a:endParaRPr>
+          </a:p>
+          <a:p>
+            <a:pPr marL="457200" indent="-457200">
+              <a:buAutoNum type="arabicPeriod"/>
+            </a:pPr>
+            <a:r>
+              <a:rPr lang="en-US" dirty="0">
+                <a:ea typeface="+mn-lt"/>
+                <a:cs typeface="+mn-lt"/>
+              </a:rPr>
+              <a:t>Mission Match Tool (R package) </a:t>
+            </a:r>
+            <a:endParaRPr lang="en-US" dirty="0">
+              <a:cs typeface="Arial"/>
+            </a:endParaRPr>
+          </a:p>
+          <a:p>
+            <a:pPr marL="457200" indent="-457200">
+              <a:buAutoNum type="arabicPeriod"/>
+            </a:pPr>
+            <a:r>
+              <a:rPr lang="en-US" dirty="0">
+                <a:ea typeface="+mn-lt"/>
+                <a:cs typeface="+mn-lt"/>
+              </a:rPr>
+              <a:t>Sector Density and Growth Dashboard  </a:t>
+            </a:r>
+            <a:endParaRPr lang="en-US" dirty="0">
+              <a:cs typeface="Arial"/>
+            </a:endParaRPr>
+          </a:p>
+          <a:p>
+            <a:pPr marL="457200" indent="-457200">
+              <a:buAutoNum type="arabicPeriod"/>
+            </a:pPr>
+            <a:r>
+              <a:rPr lang="en-US" dirty="0">
+                <a:ea typeface="+mn-lt"/>
+                <a:cs typeface="+mn-lt"/>
+              </a:rPr>
+              <a:t>Competition and Life-Cycle Dashboard </a:t>
+            </a:r>
+            <a:endParaRPr lang="en-US" dirty="0">
+              <a:cs typeface="Arial"/>
+            </a:endParaRPr>
+          </a:p>
+          <a:p>
+            <a:pPr marL="457200" indent="-457200">
+              <a:buAutoNum type="arabicPeriod"/>
+            </a:pPr>
+            <a:r>
+              <a:rPr lang="en-US" dirty="0">
+                <a:ea typeface="+mn-lt"/>
+                <a:cs typeface="+mn-lt"/>
+              </a:rPr>
+              <a:t>Executive Pay Appraisal Tool  </a:t>
+            </a:r>
+            <a:endParaRPr lang="en-US" dirty="0">
+              <a:cs typeface="Arial"/>
+            </a:endParaRPr>
+          </a:p>
+          <a:p>
+            <a:pPr marL="457200" indent="-457200">
+              <a:buAutoNum type="arabicPeriod"/>
+            </a:pPr>
+            <a:r>
+              <a:rPr lang="en-US" dirty="0">
+                <a:ea typeface="+mn-lt"/>
+                <a:cs typeface="+mn-lt"/>
+              </a:rPr>
+              <a:t>Web Scraping R Package </a:t>
+            </a:r>
+            <a:endParaRPr lang="en-US" dirty="0">
+              <a:cs typeface="Arial"/>
+            </a:endParaRPr>
+          </a:p>
+          <a:p>
+            <a:pPr marL="457200" indent="-457200">
+              <a:buAutoNum type="arabicPeriod"/>
+            </a:pPr>
+            <a:r>
+              <a:rPr lang="en-US" dirty="0">
+                <a:ea typeface="+mn-lt"/>
+                <a:cs typeface="+mn-lt"/>
+              </a:rPr>
+              <a:t>NCCS Data Packages </a:t>
+            </a:r>
+            <a:endParaRPr lang="en-US" dirty="0">
+              <a:cs typeface="Arial"/>
+            </a:endParaRPr>
+          </a:p>
+          <a:p>
+            <a:pPr marL="457200" indent="-457200">
+              <a:buAutoNum type="arabicPeriod"/>
+            </a:pPr>
+            <a:endParaRPr lang="en-US" dirty="0">
+              <a:cs typeface="Arial"/>
+            </a:endParaRPr>
+          </a:p>
+          <a:p>
+            <a:endParaRPr lang="en-US" dirty="0">
+              <a:cs typeface="Arial"/>
+            </a:endParaRPr>
+          </a:p>
+        </p:txBody>
+      </p:sp>
+      <p:sp>
+        <p:nvSpPr>
+          <p:cNvPr id="5" name="Text Placeholder 4">
+            <a:extLst>
+              <a:ext uri="{FF2B5EF4-FFF2-40B4-BE49-F238E27FC236}">
+                <a16:creationId xmlns:a16="http://schemas.microsoft.com/office/drawing/2014/main" id="{28AA9D06-4306-F9D9-74EF-A20D607143ED}"/>
+              </a:ext>
+            </a:extLst>
+          </p:cNvPr>
+          <p:cNvSpPr>
+            <a:spLocks noGrp="1"/>
+          </p:cNvSpPr>
+          <p:nvPr>
+            <p:ph type="body" sz="quarter" idx="11"/>
+          </p:nvPr>
+        </p:nvSpPr>
+        <p:spPr/>
+        <p:txBody>
+          <a:bodyPr/>
+          <a:lstStyle/>
+          <a:p>
+            <a:endParaRPr lang="en-US"/>
+          </a:p>
+        </p:txBody>
+      </p:sp>
+    </p:spTree>
+    <p:extLst>
+      <p:ext uri="{BB962C8B-B14F-4D97-AF65-F5344CB8AC3E}">
+        <p14:creationId xmlns:p14="http://schemas.microsoft.com/office/powerpoint/2010/main" val="1494795625"/>
+      </p:ext>
+    </p:extLst>
+  </p:cSld>
+  <p:clrMapOvr>
+    <a:masterClrMapping/>
+  </p:clrMapOvr>
+  <p:transition>
+    <p:fade/>
+  </p:transition>
+</p:sld>
+</file>
+
+<file path=ppt/slides/slide44.xml><?xml version="1.0" encoding="utf-8"?>
+<p:sld xmlns:a="http://schemas.openxmlformats.org/drawingml/2006/main" xmlns:r="http://schemas.openxmlformats.org/officeDocument/2006/relationships" xmlns:p="http://schemas.openxmlformats.org/presentationml/2006/main">
+  <p:cSld>
+    <p:spTree>
+      <p:nvGrpSpPr>
+        <p:cNvPr id="1" name=""/>
+        <p:cNvGrpSpPr/>
+        <p:nvPr/>
+      </p:nvGrpSpPr>
+      <p:grpSpPr>
+        <a:xfrm>
+          <a:off x="0" y="0"/>
+          <a:ext cx="0" cy="0"/>
+          <a:chOff x="0" y="0"/>
+          <a:chExt cx="0" cy="0"/>
+        </a:xfrm>
+      </p:grpSpPr>
+      <p:sp>
+        <p:nvSpPr>
+          <p:cNvPr id="2" name="Slide Number Placeholder 1">
+            <a:extLst>
+              <a:ext uri="{FF2B5EF4-FFF2-40B4-BE49-F238E27FC236}">
+                <a16:creationId xmlns:a16="http://schemas.microsoft.com/office/drawing/2014/main" id="{D42BFCEA-3C77-A198-B577-910E0574B566}"/>
+              </a:ext>
+            </a:extLst>
+          </p:cNvPr>
+          <p:cNvSpPr>
+            <a:spLocks noGrp="1"/>
+          </p:cNvSpPr>
+          <p:nvPr>
+            <p:ph type="sldNum" sz="quarter" idx="4"/>
+          </p:nvPr>
+        </p:nvSpPr>
+        <p:spPr/>
+        <p:txBody>
+          <a:bodyPr/>
+          <a:lstStyle/>
+          <a:p>
+            <a:pPr marL="0" marR="0" lvl="0" indent="0" algn="r" defTabSz="914400" rtl="0" eaLnBrk="1" fontAlgn="auto" latinLnBrk="0" hangingPunct="1">
+              <a:lnSpc>
+                <a:spcPct val="100000"/>
+              </a:lnSpc>
+              <a:spcBef>
+                <a:spcPts val="0"/>
+              </a:spcBef>
+              <a:spcAft>
+                <a:spcPts val="0"/>
+              </a:spcAft>
+              <a:buClrTx/>
+              <a:buSzTx/>
+              <a:buFontTx/>
+              <a:buNone/>
+              <a:tabLst/>
+              <a:defRPr/>
+            </a:pPr>
+            <a:fld id="{B68F88C8-0A9A-DA43-95C8-7FE161A05352}" type="slidenum">
+              <a:rPr kumimoji="0" lang="en-US" sz="1000" b="0" i="0" u="none" strike="noStrike" kern="1200" cap="none" spc="0" normalizeH="0" baseline="0" noProof="0" smtClean="0">
+                <a:ln>
+                  <a:noFill/>
+                </a:ln>
+                <a:solidFill>
+                  <a:srgbClr val="494546">
+                    <a:tint val="75000"/>
+                  </a:srgbClr>
+                </a:solidFill>
+                <a:effectLst/>
+                <a:uLnTx/>
+                <a:uFillTx/>
+                <a:latin typeface="Lato" charset="0"/>
+              </a:rPr>
+              <a:pPr marL="0" marR="0" lvl="0" indent="0" algn="r" defTabSz="914400" rtl="0" eaLnBrk="1" fontAlgn="auto" latinLnBrk="0" hangingPunct="1">
+                <a:lnSpc>
+                  <a:spcPct val="100000"/>
+                </a:lnSpc>
+                <a:spcBef>
+                  <a:spcPts val="0"/>
+                </a:spcBef>
+                <a:spcAft>
+                  <a:spcPts val="0"/>
+                </a:spcAft>
+                <a:buClrTx/>
+                <a:buSzTx/>
+                <a:buFontTx/>
+                <a:buNone/>
+                <a:tabLst/>
+                <a:defRPr/>
+              </a:pPr>
+              <a:t>44</a:t>
+            </a:fld>
+            <a:endParaRPr kumimoji="0" lang="en-US" sz="1000" b="0" i="0" u="none" strike="noStrike" kern="1200" cap="none" spc="0" normalizeH="0" baseline="0" noProof="0">
+              <a:ln>
+                <a:noFill/>
+              </a:ln>
+              <a:solidFill>
+                <a:srgbClr val="494546">
+                  <a:tint val="75000"/>
+                </a:srgbClr>
+              </a:solidFill>
+              <a:effectLst/>
+              <a:uLnTx/>
+              <a:uFillTx/>
+              <a:latin typeface="Lato" charset="0"/>
+            </a:endParaRPr>
+          </a:p>
+        </p:txBody>
+      </p:sp>
+      <p:sp>
+        <p:nvSpPr>
+          <p:cNvPr id="3" name="Title 2">
+            <a:extLst>
+              <a:ext uri="{FF2B5EF4-FFF2-40B4-BE49-F238E27FC236}">
+                <a16:creationId xmlns:a16="http://schemas.microsoft.com/office/drawing/2014/main" id="{BCE998CC-D1C3-5005-E620-60B9250D3FCD}"/>
+              </a:ext>
+            </a:extLst>
+          </p:cNvPr>
+          <p:cNvSpPr>
+            <a:spLocks noGrp="1"/>
+          </p:cNvSpPr>
+          <p:nvPr>
+            <p:ph type="title"/>
+          </p:nvPr>
+        </p:nvSpPr>
+        <p:spPr/>
+        <p:txBody>
+          <a:bodyPr/>
+          <a:lstStyle/>
+          <a:p>
+            <a:r>
+              <a:rPr lang="en-US" dirty="0"/>
+              <a:t>Welcome NCCS Summer 2022 Interns</a:t>
+            </a:r>
+          </a:p>
+        </p:txBody>
+      </p:sp>
+      <p:sp>
+        <p:nvSpPr>
+          <p:cNvPr id="4" name="Text Placeholder 3">
+            <a:extLst>
+              <a:ext uri="{FF2B5EF4-FFF2-40B4-BE49-F238E27FC236}">
+                <a16:creationId xmlns:a16="http://schemas.microsoft.com/office/drawing/2014/main" id="{7BF55037-FC89-B05A-6396-98C7E3A3BFBF}"/>
+              </a:ext>
+            </a:extLst>
+          </p:cNvPr>
+          <p:cNvSpPr>
+            <a:spLocks noGrp="1"/>
+          </p:cNvSpPr>
+          <p:nvPr>
+            <p:ph type="body" sz="quarter" idx="10"/>
+          </p:nvPr>
+        </p:nvSpPr>
+        <p:spPr/>
+        <p:txBody>
+          <a:bodyPr numCol="2"/>
+          <a:lstStyle/>
+          <a:p>
+            <a:pPr marL="0" indent="0">
+              <a:spcAft>
+                <a:spcPts val="0"/>
+              </a:spcAft>
+              <a:buNone/>
+            </a:pPr>
+            <a:r>
+              <a:rPr lang="en-US" sz="2000" dirty="0"/>
+              <a:t>Olivia Louise Beck</a:t>
+            </a:r>
+          </a:p>
+          <a:p>
+            <a:pPr marL="0" indent="0">
+              <a:spcAft>
+                <a:spcPts val="0"/>
+              </a:spcAft>
+              <a:buNone/>
+            </a:pPr>
+            <a:r>
+              <a:rPr lang="en-US" sz="1600" dirty="0"/>
+              <a:t>PhD in Statistics</a:t>
+            </a:r>
+          </a:p>
+          <a:p>
+            <a:pPr marL="0" indent="0">
+              <a:spcAft>
+                <a:spcPts val="0"/>
+              </a:spcAft>
+              <a:buNone/>
+            </a:pPr>
+            <a:r>
+              <a:rPr lang="en-US" sz="1600" dirty="0"/>
+              <a:t>Penn State University</a:t>
+            </a:r>
+          </a:p>
+          <a:p>
+            <a:pPr marL="0" indent="0">
+              <a:spcAft>
+                <a:spcPts val="0"/>
+              </a:spcAft>
+              <a:buNone/>
+            </a:pPr>
+            <a:endParaRPr lang="en-US" sz="2000" dirty="0"/>
+          </a:p>
+          <a:p>
+            <a:pPr marL="0" indent="0">
+              <a:spcAft>
+                <a:spcPts val="0"/>
+              </a:spcAft>
+              <a:buNone/>
+            </a:pPr>
+            <a:r>
+              <a:rPr lang="en-US" sz="2000" dirty="0"/>
+              <a:t>Christian </a:t>
+            </a:r>
+            <a:r>
+              <a:rPr lang="en-US" sz="2000" dirty="0" err="1"/>
+              <a:t>Maino</a:t>
+            </a:r>
+            <a:r>
+              <a:rPr lang="en-US" sz="2000" dirty="0"/>
+              <a:t> </a:t>
+            </a:r>
+            <a:r>
+              <a:rPr lang="en-US" sz="2000" dirty="0" err="1"/>
+              <a:t>Vieytes</a:t>
+            </a:r>
+            <a:r>
+              <a:rPr lang="en-US" sz="2000" dirty="0"/>
+              <a:t> </a:t>
+            </a:r>
+          </a:p>
+          <a:p>
+            <a:pPr marL="0" indent="0">
+              <a:spcAft>
+                <a:spcPts val="0"/>
+              </a:spcAft>
+              <a:buNone/>
+            </a:pPr>
+            <a:r>
+              <a:rPr lang="en-US" sz="1600" dirty="0"/>
+              <a:t>PhD in Nutritional Sciences</a:t>
+            </a:r>
+          </a:p>
+          <a:p>
+            <a:pPr marL="0" indent="0">
+              <a:spcAft>
+                <a:spcPts val="0"/>
+              </a:spcAft>
+              <a:buNone/>
+            </a:pPr>
+            <a:r>
+              <a:rPr lang="en-US" sz="1600" dirty="0"/>
+              <a:t>University of Illinois at Urbana-Champaign</a:t>
+            </a:r>
+          </a:p>
+          <a:p>
+            <a:pPr marL="0" indent="0">
+              <a:spcAft>
+                <a:spcPts val="0"/>
+              </a:spcAft>
+              <a:buNone/>
+            </a:pPr>
+            <a:endParaRPr lang="en-US" sz="2000" dirty="0"/>
+          </a:p>
+          <a:p>
+            <a:pPr marL="0" indent="0">
+              <a:spcAft>
+                <a:spcPts val="0"/>
+              </a:spcAft>
+              <a:buNone/>
+            </a:pPr>
+            <a:r>
+              <a:rPr lang="en-US" sz="2000" dirty="0" err="1"/>
+              <a:t>Akila</a:t>
+            </a:r>
+            <a:r>
+              <a:rPr lang="en-US" sz="2000" dirty="0"/>
+              <a:t> Forde </a:t>
+            </a:r>
+          </a:p>
+          <a:p>
+            <a:pPr marL="0" indent="0">
+              <a:spcAft>
+                <a:spcPts val="0"/>
+              </a:spcAft>
+              <a:buNone/>
+            </a:pPr>
+            <a:r>
+              <a:rPr lang="en-US" sz="1600" dirty="0"/>
+              <a:t>Master’s Computational Analysis &amp; Public Policy</a:t>
+            </a:r>
+          </a:p>
+          <a:p>
+            <a:pPr marL="0" indent="0">
+              <a:spcAft>
+                <a:spcPts val="0"/>
+              </a:spcAft>
+              <a:buNone/>
+            </a:pPr>
+            <a:r>
+              <a:rPr lang="en-US" sz="1600" dirty="0"/>
+              <a:t>University of Chicago </a:t>
+            </a:r>
+          </a:p>
+          <a:p>
+            <a:pPr marL="0" indent="0">
+              <a:spcAft>
+                <a:spcPts val="0"/>
+              </a:spcAft>
+              <a:buNone/>
+            </a:pPr>
+            <a:endParaRPr lang="en-US" sz="2000" dirty="0"/>
+          </a:p>
+          <a:p>
+            <a:pPr marL="0" indent="0">
+              <a:spcAft>
+                <a:spcPts val="0"/>
+              </a:spcAft>
+              <a:buNone/>
+            </a:pPr>
+            <a:endParaRPr lang="en-US" sz="2000" dirty="0"/>
+          </a:p>
+          <a:p>
+            <a:pPr marL="0" indent="0">
+              <a:spcAft>
+                <a:spcPts val="0"/>
+              </a:spcAft>
+              <a:buNone/>
+            </a:pPr>
+            <a:endParaRPr lang="en-US" sz="2000" dirty="0"/>
+          </a:p>
+          <a:p>
+            <a:pPr marL="0" indent="0">
+              <a:spcAft>
+                <a:spcPts val="0"/>
+              </a:spcAft>
+              <a:buNone/>
+            </a:pPr>
+            <a:endParaRPr lang="en-US" sz="2000" dirty="0"/>
+          </a:p>
+          <a:p>
+            <a:pPr marL="0" indent="0">
+              <a:spcAft>
+                <a:spcPts val="0"/>
+              </a:spcAft>
+              <a:buNone/>
+            </a:pPr>
+            <a:endParaRPr lang="en-US" sz="2000" dirty="0"/>
+          </a:p>
+          <a:p>
+            <a:pPr marL="0" indent="0">
+              <a:spcAft>
+                <a:spcPts val="0"/>
+              </a:spcAft>
+              <a:buNone/>
+            </a:pPr>
+            <a:r>
+              <a:rPr lang="en-US" sz="2000" dirty="0"/>
+              <a:t>Vincent Liu</a:t>
+            </a:r>
+          </a:p>
+          <a:p>
+            <a:pPr marL="0" indent="0">
+              <a:spcAft>
+                <a:spcPts val="0"/>
+              </a:spcAft>
+              <a:buNone/>
+            </a:pPr>
+            <a:r>
+              <a:rPr lang="en-US" sz="1600" dirty="0"/>
+              <a:t>Master’s Computational Analysis &amp; Public Policy</a:t>
+            </a:r>
+          </a:p>
+          <a:p>
+            <a:pPr marL="0" indent="0">
+              <a:spcAft>
+                <a:spcPts val="0"/>
+              </a:spcAft>
+              <a:buNone/>
+            </a:pPr>
+            <a:r>
+              <a:rPr lang="en-US" sz="1600" dirty="0"/>
+              <a:t>University of Chicago </a:t>
+            </a:r>
+          </a:p>
+          <a:p>
+            <a:pPr marL="0" indent="0">
+              <a:spcAft>
+                <a:spcPts val="0"/>
+              </a:spcAft>
+              <a:buNone/>
+            </a:pPr>
+            <a:endParaRPr lang="en-US" sz="1600" dirty="0"/>
+          </a:p>
+          <a:p>
+            <a:pPr marL="0" indent="0">
+              <a:spcAft>
+                <a:spcPts val="0"/>
+              </a:spcAft>
+              <a:buNone/>
+            </a:pPr>
+            <a:r>
+              <a:rPr lang="en-US" sz="2000" dirty="0"/>
+              <a:t>Surbhi Trivedi</a:t>
+            </a:r>
+          </a:p>
+          <a:p>
+            <a:pPr marL="0" indent="0">
+              <a:spcAft>
+                <a:spcPts val="0"/>
+              </a:spcAft>
+              <a:buNone/>
+            </a:pPr>
+            <a:r>
+              <a:rPr lang="en-US" sz="1600" dirty="0"/>
+              <a:t>Masters in Interdisciplinary Data Science </a:t>
+            </a:r>
+          </a:p>
+          <a:p>
+            <a:pPr marL="0" indent="0">
+              <a:spcAft>
+                <a:spcPts val="0"/>
+              </a:spcAft>
+              <a:buNone/>
+            </a:pPr>
+            <a:r>
+              <a:rPr lang="en-US" sz="1600" dirty="0"/>
+              <a:t>Duke University </a:t>
+            </a:r>
+          </a:p>
+          <a:p>
+            <a:pPr marL="0" indent="0">
+              <a:spcAft>
+                <a:spcPts val="0"/>
+              </a:spcAft>
+              <a:buNone/>
+            </a:pPr>
+            <a:endParaRPr lang="en-US" sz="2000" dirty="0"/>
+          </a:p>
+          <a:p>
+            <a:pPr marL="0" indent="0">
+              <a:spcAft>
+                <a:spcPts val="0"/>
+              </a:spcAft>
+              <a:buNone/>
+            </a:pPr>
+            <a:r>
+              <a:rPr lang="en-US" sz="2000" dirty="0" err="1"/>
+              <a:t>Pradhyumna</a:t>
+            </a:r>
+            <a:r>
+              <a:rPr lang="en-US" sz="2000" dirty="0"/>
+              <a:t> Wagle </a:t>
+            </a:r>
+          </a:p>
+          <a:p>
+            <a:pPr marL="0" indent="0">
+              <a:spcAft>
+                <a:spcPts val="0"/>
+              </a:spcAft>
+              <a:buNone/>
+            </a:pPr>
+            <a:r>
+              <a:rPr lang="en-US" sz="1600" dirty="0"/>
+              <a:t>Master’s in Applied Economics and Management</a:t>
+            </a:r>
+          </a:p>
+          <a:p>
+            <a:pPr marL="0" indent="0">
+              <a:spcAft>
+                <a:spcPts val="0"/>
+              </a:spcAft>
+              <a:buNone/>
+            </a:pPr>
+            <a:r>
+              <a:rPr lang="en-US" sz="1600" dirty="0"/>
+              <a:t>Cornell University </a:t>
+            </a:r>
+          </a:p>
+          <a:p>
+            <a:pPr marL="0" indent="0">
+              <a:spcAft>
+                <a:spcPts val="0"/>
+              </a:spcAft>
+              <a:buNone/>
+            </a:pPr>
+            <a:r>
+              <a:rPr lang="en-US" sz="2000" dirty="0"/>
+              <a:t> </a:t>
+            </a:r>
+          </a:p>
+          <a:p>
+            <a:pPr marL="0" indent="0">
+              <a:spcAft>
+                <a:spcPts val="0"/>
+              </a:spcAft>
+              <a:buNone/>
+            </a:pPr>
+            <a:r>
+              <a:rPr lang="en-US" sz="2000" dirty="0"/>
+              <a:t>Blake Robert Mills</a:t>
+            </a:r>
+          </a:p>
+          <a:p>
+            <a:pPr marL="0" indent="0">
+              <a:spcAft>
+                <a:spcPts val="0"/>
+              </a:spcAft>
+              <a:buNone/>
+            </a:pPr>
+            <a:r>
+              <a:rPr lang="en-US" sz="1600" dirty="0"/>
+              <a:t>BA in Political Science-Statistics </a:t>
+            </a:r>
+          </a:p>
+          <a:p>
+            <a:pPr marL="0" indent="0">
+              <a:spcAft>
+                <a:spcPts val="0"/>
+              </a:spcAft>
+              <a:buNone/>
+            </a:pPr>
+            <a:r>
+              <a:rPr lang="en-US" sz="1600" dirty="0"/>
+              <a:t>Columbia University </a:t>
+            </a:r>
+          </a:p>
+          <a:p>
+            <a:pPr marL="0" indent="0">
+              <a:spcAft>
+                <a:spcPts val="0"/>
+              </a:spcAft>
+              <a:buNone/>
+            </a:pPr>
+            <a:endParaRPr lang="en-US" sz="2000" dirty="0"/>
+          </a:p>
+          <a:p>
+            <a:pPr marL="0" indent="0">
+              <a:spcAft>
+                <a:spcPts val="0"/>
+              </a:spcAft>
+              <a:buNone/>
+            </a:pPr>
+            <a:endParaRPr lang="en-US" sz="2000" dirty="0"/>
+          </a:p>
+        </p:txBody>
+      </p:sp>
+      <p:sp>
+        <p:nvSpPr>
+          <p:cNvPr id="5" name="Text Placeholder 4">
+            <a:extLst>
+              <a:ext uri="{FF2B5EF4-FFF2-40B4-BE49-F238E27FC236}">
+                <a16:creationId xmlns:a16="http://schemas.microsoft.com/office/drawing/2014/main" id="{45D974F0-9FDA-54D2-9B49-CE65F30F1B00}"/>
+              </a:ext>
+            </a:extLst>
+          </p:cNvPr>
+          <p:cNvSpPr>
+            <a:spLocks noGrp="1"/>
+          </p:cNvSpPr>
+          <p:nvPr>
+            <p:ph type="body" sz="quarter" idx="11"/>
+          </p:nvPr>
+        </p:nvSpPr>
+        <p:spPr/>
+        <p:txBody>
+          <a:bodyPr/>
+          <a:lstStyle/>
+          <a:p>
+            <a:endParaRPr lang="en-US"/>
+          </a:p>
+        </p:txBody>
+      </p:sp>
+    </p:spTree>
+    <p:extLst>
+      <p:ext uri="{BB962C8B-B14F-4D97-AF65-F5344CB8AC3E}">
+        <p14:creationId xmlns:p14="http://schemas.microsoft.com/office/powerpoint/2010/main" val="3277434389"/>
+      </p:ext>
+    </p:extLst>
+  </p:cSld>
+  <p:clrMapOvr>
+    <a:masterClrMapping/>
+  </p:clrMapOvr>
+  <p:transition>
+    <p:fade/>
+  </p:transition>
+</p:sld>
+</file>
+
+<file path=ppt/slides/slide45.xml><?xml version="1.0" encoding="utf-8"?>
+<p:sld xmlns:a="http://schemas.openxmlformats.org/drawingml/2006/main" xmlns:r="http://schemas.openxmlformats.org/officeDocument/2006/relationships" xmlns:p="http://schemas.openxmlformats.org/presentationml/2006/main">
+  <p:cSld>
     <p:bg>
       <p:bgPr>
         <a:solidFill>
@@ -37030,427 +42753,6 @@
             <a:extLst>
               <a:ext uri="{FF2B5EF4-FFF2-40B4-BE49-F238E27FC236}">
                 <a16:creationId xmlns:a16="http://schemas.microsoft.com/office/drawing/2014/main" id="{22802457-4DA9-42D6-913D-EFB130917A6B}"/>
-              </a:ext>
-            </a:extLst>
-          </p:cNvPr>
-          <p:cNvSpPr>
-            <a:spLocks noGrp="1"/>
-          </p:cNvSpPr>
-          <p:nvPr>
-            <p:ph type="sldNum" sz="quarter" idx="12"/>
-          </p:nvPr>
-        </p:nvSpPr>
-        <p:spPr/>
-        <p:txBody>
-          <a:bodyPr/>
-          <a:lstStyle/>
-          <a:p>
-            <a:pPr marL="0" marR="0" lvl="0" indent="0" algn="r" defTabSz="914400" rtl="0" eaLnBrk="1" fontAlgn="auto" latinLnBrk="0" hangingPunct="1">
-              <a:lnSpc>
-                <a:spcPct val="100000"/>
-              </a:lnSpc>
-              <a:spcBef>
-                <a:spcPts val="0"/>
-              </a:spcBef>
-              <a:spcAft>
-                <a:spcPts val="0"/>
-              </a:spcAft>
-              <a:buClrTx/>
-              <a:buSzTx/>
-              <a:buFontTx/>
-              <a:buNone/>
-              <a:tabLst/>
-              <a:defRPr/>
-            </a:pPr>
-            <a:fld id="{6A8A6847-FF54-4997-9E64-663FA8B5A75E}" type="slidenum">
-              <a:rPr kumimoji="0" lang="en-US" sz="1200" b="0" i="0" u="none" strike="noStrike" kern="1200" cap="none" spc="0" normalizeH="0" baseline="0" noProof="0" smtClean="0">
-                <a:ln>
-                  <a:noFill/>
-                </a:ln>
-                <a:solidFill>
-                  <a:prstClr val="black">
-                    <a:tint val="75000"/>
-                  </a:prstClr>
-                </a:solidFill>
-                <a:effectLst/>
-                <a:uLnTx/>
-                <a:uFillTx/>
-                <a:latin typeface="Calibri"/>
-                <a:ea typeface="+mn-ea"/>
-                <a:cs typeface="+mn-cs"/>
-              </a:rPr>
-              <a:pPr marL="0" marR="0" lvl="0" indent="0" algn="r" defTabSz="914400" rtl="0" eaLnBrk="1" fontAlgn="auto" latinLnBrk="0" hangingPunct="1">
-                <a:lnSpc>
-                  <a:spcPct val="100000"/>
-                </a:lnSpc>
-                <a:spcBef>
-                  <a:spcPts val="0"/>
-                </a:spcBef>
-                <a:spcAft>
-                  <a:spcPts val="0"/>
-                </a:spcAft>
-                <a:buClrTx/>
-                <a:buSzTx/>
-                <a:buFontTx/>
-                <a:buNone/>
-                <a:tabLst/>
-                <a:defRPr/>
-              </a:pPr>
-              <a:t>43</a:t>
-            </a:fld>
-            <a:endParaRPr kumimoji="0" lang="en-US" sz="1200" b="0" i="0" u="none" strike="noStrike" kern="1200" cap="none" spc="0" normalizeH="0" baseline="0" noProof="0">
-              <a:ln>
-                <a:noFill/>
-              </a:ln>
-              <a:solidFill>
-                <a:prstClr val="black">
-                  <a:tint val="75000"/>
-                </a:prstClr>
-              </a:solidFill>
-              <a:effectLst/>
-              <a:uLnTx/>
-              <a:uFillTx/>
-              <a:latin typeface="Calibri"/>
-              <a:ea typeface="+mn-ea"/>
-              <a:cs typeface="+mn-cs"/>
-            </a:endParaRPr>
-          </a:p>
-        </p:txBody>
-      </p:sp>
-    </p:spTree>
-    <p:extLst>
-      <p:ext uri="{BB962C8B-B14F-4D97-AF65-F5344CB8AC3E}">
-        <p14:creationId xmlns:p14="http://schemas.microsoft.com/office/powerpoint/2010/main" val="3493615562"/>
-      </p:ext>
-    </p:extLst>
-  </p:cSld>
-  <p:clrMapOvr>
-    <a:masterClrMapping/>
-  </p:clrMapOvr>
-</p:sld>
-</file>
-
-<file path=ppt/slides/slide44.xml><?xml version="1.0" encoding="utf-8"?>
-<p:sld xmlns:a="http://schemas.openxmlformats.org/drawingml/2006/main" xmlns:r="http://schemas.openxmlformats.org/officeDocument/2006/relationships" xmlns:p="http://schemas.openxmlformats.org/presentationml/2006/main">
-  <p:cSld>
-    <p:spTree>
-      <p:nvGrpSpPr>
-        <p:cNvPr id="1" name=""/>
-        <p:cNvGrpSpPr/>
-        <p:nvPr/>
-      </p:nvGrpSpPr>
-      <p:grpSpPr>
-        <a:xfrm>
-          <a:off x="0" y="0"/>
-          <a:ext cx="0" cy="0"/>
-          <a:chOff x="0" y="0"/>
-          <a:chExt cx="0" cy="0"/>
-        </a:xfrm>
-      </p:grpSpPr>
-      <p:sp>
-        <p:nvSpPr>
-          <p:cNvPr id="2" name="Slide Number Placeholder 1">
-            <a:extLst>
-              <a:ext uri="{FF2B5EF4-FFF2-40B4-BE49-F238E27FC236}">
-                <a16:creationId xmlns:a16="http://schemas.microsoft.com/office/drawing/2014/main" id="{A24275C4-00B2-4320-8EC6-0DA55B550CC5}"/>
-              </a:ext>
-            </a:extLst>
-          </p:cNvPr>
-          <p:cNvSpPr>
-            <a:spLocks noGrp="1"/>
-          </p:cNvSpPr>
-          <p:nvPr>
-            <p:ph type="sldNum" sz="quarter" idx="12"/>
-          </p:nvPr>
-        </p:nvSpPr>
-        <p:spPr/>
-        <p:txBody>
-          <a:bodyPr/>
-          <a:lstStyle/>
-          <a:p>
-            <a:pPr marL="0" marR="0" lvl="0" indent="0" algn="r" defTabSz="914400" rtl="0" eaLnBrk="1" fontAlgn="auto" latinLnBrk="0" hangingPunct="1">
-              <a:lnSpc>
-                <a:spcPct val="100000"/>
-              </a:lnSpc>
-              <a:spcBef>
-                <a:spcPts val="0"/>
-              </a:spcBef>
-              <a:spcAft>
-                <a:spcPts val="0"/>
-              </a:spcAft>
-              <a:buClrTx/>
-              <a:buSzTx/>
-              <a:buFontTx/>
-              <a:buNone/>
-              <a:tabLst/>
-              <a:defRPr/>
-            </a:pPr>
-            <a:fld id="{0FDD4DA2-4FBE-4694-B57B-F9990517B432}" type="slidenum">
-              <a:rPr kumimoji="0" lang="en-US" sz="1200" b="0" i="0" u="none" strike="noStrike" kern="1200" cap="none" spc="0" normalizeH="0" baseline="0" noProof="0" smtClean="0">
-                <a:ln>
-                  <a:noFill/>
-                </a:ln>
-                <a:solidFill>
-                  <a:prstClr val="black">
-                    <a:tint val="75000"/>
-                  </a:prstClr>
-                </a:solidFill>
-                <a:effectLst/>
-                <a:uLnTx/>
-                <a:uFillTx/>
-                <a:latin typeface="Calibri" panose="020F0502020204030204"/>
-                <a:ea typeface="+mn-ea"/>
-                <a:cs typeface="+mn-cs"/>
-              </a:rPr>
-              <a:pPr marL="0" marR="0" lvl="0" indent="0" algn="r" defTabSz="914400" rtl="0" eaLnBrk="1" fontAlgn="auto" latinLnBrk="0" hangingPunct="1">
-                <a:lnSpc>
-                  <a:spcPct val="100000"/>
-                </a:lnSpc>
-                <a:spcBef>
-                  <a:spcPts val="0"/>
-                </a:spcBef>
-                <a:spcAft>
-                  <a:spcPts val="0"/>
-                </a:spcAft>
-                <a:buClrTx/>
-                <a:buSzTx/>
-                <a:buFontTx/>
-                <a:buNone/>
-                <a:tabLst/>
-                <a:defRPr/>
-              </a:pPr>
-              <a:t>44</a:t>
-            </a:fld>
-            <a:endParaRPr kumimoji="0" lang="en-US" sz="1200" b="0" i="0" u="none" strike="noStrike" kern="1200" cap="none" spc="0" normalizeH="0" baseline="0" noProof="0">
-              <a:ln>
-                <a:noFill/>
-              </a:ln>
-              <a:solidFill>
-                <a:prstClr val="black">
-                  <a:tint val="75000"/>
-                </a:prstClr>
-              </a:solidFill>
-              <a:effectLst/>
-              <a:uLnTx/>
-              <a:uFillTx/>
-              <a:latin typeface="Calibri" panose="020F0502020204030204"/>
-              <a:ea typeface="+mn-ea"/>
-              <a:cs typeface="+mn-cs"/>
-            </a:endParaRPr>
-          </a:p>
-        </p:txBody>
-      </p:sp>
-      <p:pic>
-        <p:nvPicPr>
-          <p:cNvPr id="3" name="Picture 2">
-            <a:extLst>
-              <a:ext uri="{FF2B5EF4-FFF2-40B4-BE49-F238E27FC236}">
-                <a16:creationId xmlns:a16="http://schemas.microsoft.com/office/drawing/2014/main" id="{27A9BC35-AD28-4631-8C36-C20BFAF6181E}"/>
-              </a:ext>
-            </a:extLst>
-          </p:cNvPr>
-          <p:cNvPicPr>
-            <a:picLocks noChangeAspect="1"/>
-          </p:cNvPicPr>
-          <p:nvPr/>
-        </p:nvPicPr>
-        <p:blipFill>
-          <a:blip r:embed="rId2"/>
-          <a:stretch>
-            <a:fillRect/>
-          </a:stretch>
-        </p:blipFill>
-        <p:spPr>
-          <a:xfrm>
-            <a:off x="0" y="1201157"/>
-            <a:ext cx="12192000" cy="5113527"/>
-          </a:xfrm>
-          <a:prstGeom prst="rect">
-            <a:avLst/>
-          </a:prstGeom>
-        </p:spPr>
-      </p:pic>
-      <p:sp>
-        <p:nvSpPr>
-          <p:cNvPr id="4" name="Title 2">
-            <a:extLst>
-              <a:ext uri="{FF2B5EF4-FFF2-40B4-BE49-F238E27FC236}">
-                <a16:creationId xmlns:a16="http://schemas.microsoft.com/office/drawing/2014/main" id="{28ADE16E-6CAE-4AE9-BCDB-58EAE437FBE9}"/>
-              </a:ext>
-            </a:extLst>
-          </p:cNvPr>
-          <p:cNvSpPr txBox="1">
-            <a:spLocks/>
-          </p:cNvSpPr>
-          <p:nvPr/>
-        </p:nvSpPr>
-        <p:spPr>
-          <a:xfrm>
-            <a:off x="838200" y="294160"/>
-            <a:ext cx="10515600" cy="1325563"/>
-          </a:xfrm>
-          <a:prstGeom prst="rect">
-            <a:avLst/>
-          </a:prstGeom>
-        </p:spPr>
-        <p:txBody>
-          <a:bodyPr/>
-          <a:lstStyle>
-            <a:lvl1pPr algn="l" defTabSz="914400" rtl="0" eaLnBrk="1" latinLnBrk="0" hangingPunct="1">
-              <a:lnSpc>
-                <a:spcPct val="90000"/>
-              </a:lnSpc>
-              <a:spcBef>
-                <a:spcPct val="0"/>
-              </a:spcBef>
-              <a:buNone/>
-              <a:defRPr sz="4400" kern="1200" cap="small" baseline="0">
-                <a:solidFill>
-                  <a:schemeClr val="tx2">
-                    <a:lumMod val="75000"/>
-                  </a:schemeClr>
-                </a:solidFill>
-                <a:latin typeface="Euphemia"/>
-                <a:ea typeface="+mj-ea"/>
-                <a:cs typeface="+mj-cs"/>
-              </a:defRPr>
-            </a:lvl1pPr>
-          </a:lstStyle>
-          <a:p>
-            <a:pPr marL="0" marR="0" lvl="0" indent="0" algn="l" defTabSz="914400" rtl="0" eaLnBrk="1" fontAlgn="auto" latinLnBrk="0" hangingPunct="1">
-              <a:lnSpc>
-                <a:spcPct val="90000"/>
-              </a:lnSpc>
-              <a:spcBef>
-                <a:spcPct val="0"/>
-              </a:spcBef>
-              <a:spcAft>
-                <a:spcPts val="0"/>
-              </a:spcAft>
-              <a:buClrTx/>
-              <a:buSzTx/>
-              <a:buFontTx/>
-              <a:buNone/>
-              <a:tabLst/>
-              <a:defRPr/>
-            </a:pPr>
-            <a:r>
-              <a:rPr kumimoji="0" lang="en-US" sz="4800" b="0" i="0" u="none" strike="noStrike" kern="1200" cap="small" spc="0" normalizeH="0" baseline="0" noProof="0" dirty="0">
-                <a:ln>
-                  <a:noFill/>
-                </a:ln>
-                <a:solidFill>
-                  <a:srgbClr val="44546A">
-                    <a:lumMod val="75000"/>
-                  </a:srgbClr>
-                </a:solidFill>
-                <a:effectLst/>
-                <a:uLnTx/>
-                <a:uFillTx/>
-                <a:latin typeface="Euphemia"/>
-                <a:ea typeface="+mj-ea"/>
-                <a:cs typeface="+mj-cs"/>
-              </a:rPr>
-              <a:t>Synthetic employee IDs</a:t>
-            </a:r>
-            <a:endParaRPr kumimoji="0" lang="en-US" sz="4400" b="0" i="0" u="none" strike="noStrike" kern="1200" cap="small" spc="0" normalizeH="0" baseline="0" noProof="0" dirty="0">
-              <a:ln>
-                <a:noFill/>
-              </a:ln>
-              <a:solidFill>
-                <a:srgbClr val="44546A">
-                  <a:lumMod val="75000"/>
-                </a:srgbClr>
-              </a:solidFill>
-              <a:effectLst/>
-              <a:uLnTx/>
-              <a:uFillTx/>
-              <a:latin typeface="Euphemia"/>
-              <a:ea typeface="+mj-ea"/>
-              <a:cs typeface="+mj-cs"/>
-            </a:endParaRPr>
-          </a:p>
-        </p:txBody>
-      </p:sp>
-      <p:sp>
-        <p:nvSpPr>
-          <p:cNvPr id="5" name="TextBox 4">
-            <a:extLst>
-              <a:ext uri="{FF2B5EF4-FFF2-40B4-BE49-F238E27FC236}">
-                <a16:creationId xmlns:a16="http://schemas.microsoft.com/office/drawing/2014/main" id="{0B81B8B4-896C-486D-B5F5-4BEB2E197042}"/>
-              </a:ext>
-            </a:extLst>
-          </p:cNvPr>
-          <p:cNvSpPr txBox="1"/>
-          <p:nvPr/>
-        </p:nvSpPr>
-        <p:spPr>
-          <a:xfrm>
-            <a:off x="7390243" y="136525"/>
-            <a:ext cx="4578600" cy="1200329"/>
-          </a:xfrm>
-          <a:prstGeom prst="rect">
-            <a:avLst/>
-          </a:prstGeom>
-          <a:noFill/>
-        </p:spPr>
-        <p:txBody>
-          <a:bodyPr wrap="square" rtlCol="0">
-            <a:spAutoFit/>
-          </a:bodyPr>
-          <a:lstStyle/>
-          <a:p>
-            <a:pPr algn="ctr"/>
-            <a:r>
-              <a:rPr lang="en-US" dirty="0">
-                <a:solidFill>
-                  <a:schemeClr val="accent2">
-                    <a:lumMod val="75000"/>
-                  </a:schemeClr>
-                </a:solidFill>
-                <a:latin typeface="Century Gothic" panose="020B0502020202020204" pitchFamily="34" charset="0"/>
-              </a:rPr>
-              <a:t>Final step is building a classifier to determine if two non-identical names are the same person to create synthetic IDs</a:t>
-            </a:r>
-          </a:p>
-        </p:txBody>
-      </p:sp>
-    </p:spTree>
-    <p:extLst>
-      <p:ext uri="{BB962C8B-B14F-4D97-AF65-F5344CB8AC3E}">
-        <p14:creationId xmlns:p14="http://schemas.microsoft.com/office/powerpoint/2010/main" val="2153492811"/>
-      </p:ext>
-    </p:extLst>
-  </p:cSld>
-  <p:clrMapOvr>
-    <a:masterClrMapping/>
-  </p:clrMapOvr>
-</p:sld>
-</file>
-
-<file path=ppt/slides/slide45.xml><?xml version="1.0" encoding="utf-8"?>
-<p:sld xmlns:a="http://schemas.openxmlformats.org/drawingml/2006/main" xmlns:r="http://schemas.openxmlformats.org/officeDocument/2006/relationships" xmlns:p="http://schemas.openxmlformats.org/presentationml/2006/main">
-  <p:cSld>
-    <p:spTree>
-      <p:nvGrpSpPr>
-        <p:cNvPr id="1" name=""/>
-        <p:cNvGrpSpPr/>
-        <p:nvPr/>
-      </p:nvGrpSpPr>
-      <p:grpSpPr>
-        <a:xfrm>
-          <a:off x="0" y="0"/>
-          <a:ext cx="0" cy="0"/>
-          <a:chOff x="0" y="0"/>
-          <a:chExt cx="0" cy="0"/>
-        </a:xfrm>
-      </p:grpSpPr>
-      <p:sp>
-        <p:nvSpPr>
-          <p:cNvPr id="2" name="Slide Number Placeholder 1">
-            <a:extLst>
-              <a:ext uri="{FF2B5EF4-FFF2-40B4-BE49-F238E27FC236}">
-                <a16:creationId xmlns:a16="http://schemas.microsoft.com/office/drawing/2014/main" id="{DFA3A1FE-EC52-4B2D-9FFF-ED2E3E36BD46}"/>
               </a:ext>
             </a:extLst>
           </p:cNvPr>
@@ -37538,6 +42840,427 @@
           </a:p>
         </p:txBody>
       </p:sp>
+    </p:spTree>
+    <p:extLst>
+      <p:ext uri="{BB962C8B-B14F-4D97-AF65-F5344CB8AC3E}">
+        <p14:creationId xmlns:p14="http://schemas.microsoft.com/office/powerpoint/2010/main" val="3493615562"/>
+      </p:ext>
+    </p:extLst>
+  </p:cSld>
+  <p:clrMapOvr>
+    <a:masterClrMapping/>
+  </p:clrMapOvr>
+</p:sld>
+</file>
+
+<file path=ppt/slides/slide46.xml><?xml version="1.0" encoding="utf-8"?>
+<p:sld xmlns:a="http://schemas.openxmlformats.org/drawingml/2006/main" xmlns:r="http://schemas.openxmlformats.org/officeDocument/2006/relationships" xmlns:p="http://schemas.openxmlformats.org/presentationml/2006/main">
+  <p:cSld>
+    <p:spTree>
+      <p:nvGrpSpPr>
+        <p:cNvPr id="1" name=""/>
+        <p:cNvGrpSpPr/>
+        <p:nvPr/>
+      </p:nvGrpSpPr>
+      <p:grpSpPr>
+        <a:xfrm>
+          <a:off x="0" y="0"/>
+          <a:ext cx="0" cy="0"/>
+          <a:chOff x="0" y="0"/>
+          <a:chExt cx="0" cy="0"/>
+        </a:xfrm>
+      </p:grpSpPr>
+      <p:sp>
+        <p:nvSpPr>
+          <p:cNvPr id="2" name="Slide Number Placeholder 1">
+            <a:extLst>
+              <a:ext uri="{FF2B5EF4-FFF2-40B4-BE49-F238E27FC236}">
+                <a16:creationId xmlns:a16="http://schemas.microsoft.com/office/drawing/2014/main" id="{A24275C4-00B2-4320-8EC6-0DA55B550CC5}"/>
+              </a:ext>
+            </a:extLst>
+          </p:cNvPr>
+          <p:cNvSpPr>
+            <a:spLocks noGrp="1"/>
+          </p:cNvSpPr>
+          <p:nvPr>
+            <p:ph type="sldNum" sz="quarter" idx="12"/>
+          </p:nvPr>
+        </p:nvSpPr>
+        <p:spPr/>
+        <p:txBody>
+          <a:bodyPr/>
+          <a:lstStyle/>
+          <a:p>
+            <a:pPr marL="0" marR="0" lvl="0" indent="0" algn="r" defTabSz="914400" rtl="0" eaLnBrk="1" fontAlgn="auto" latinLnBrk="0" hangingPunct="1">
+              <a:lnSpc>
+                <a:spcPct val="100000"/>
+              </a:lnSpc>
+              <a:spcBef>
+                <a:spcPts val="0"/>
+              </a:spcBef>
+              <a:spcAft>
+                <a:spcPts val="0"/>
+              </a:spcAft>
+              <a:buClrTx/>
+              <a:buSzTx/>
+              <a:buFontTx/>
+              <a:buNone/>
+              <a:tabLst/>
+              <a:defRPr/>
+            </a:pPr>
+            <a:fld id="{0FDD4DA2-4FBE-4694-B57B-F9990517B432}" type="slidenum">
+              <a:rPr kumimoji="0" lang="en-US" sz="1200" b="0" i="0" u="none" strike="noStrike" kern="1200" cap="none" spc="0" normalizeH="0" baseline="0" noProof="0" smtClean="0">
+                <a:ln>
+                  <a:noFill/>
+                </a:ln>
+                <a:solidFill>
+                  <a:prstClr val="black">
+                    <a:tint val="75000"/>
+                  </a:prstClr>
+                </a:solidFill>
+                <a:effectLst/>
+                <a:uLnTx/>
+                <a:uFillTx/>
+                <a:latin typeface="Calibri" panose="020F0502020204030204"/>
+                <a:ea typeface="+mn-ea"/>
+                <a:cs typeface="+mn-cs"/>
+              </a:rPr>
+              <a:pPr marL="0" marR="0" lvl="0" indent="0" algn="r" defTabSz="914400" rtl="0" eaLnBrk="1" fontAlgn="auto" latinLnBrk="0" hangingPunct="1">
+                <a:lnSpc>
+                  <a:spcPct val="100000"/>
+                </a:lnSpc>
+                <a:spcBef>
+                  <a:spcPts val="0"/>
+                </a:spcBef>
+                <a:spcAft>
+                  <a:spcPts val="0"/>
+                </a:spcAft>
+                <a:buClrTx/>
+                <a:buSzTx/>
+                <a:buFontTx/>
+                <a:buNone/>
+                <a:tabLst/>
+                <a:defRPr/>
+              </a:pPr>
+              <a:t>46</a:t>
+            </a:fld>
+            <a:endParaRPr kumimoji="0" lang="en-US" sz="1200" b="0" i="0" u="none" strike="noStrike" kern="1200" cap="none" spc="0" normalizeH="0" baseline="0" noProof="0">
+              <a:ln>
+                <a:noFill/>
+              </a:ln>
+              <a:solidFill>
+                <a:prstClr val="black">
+                  <a:tint val="75000"/>
+                </a:prstClr>
+              </a:solidFill>
+              <a:effectLst/>
+              <a:uLnTx/>
+              <a:uFillTx/>
+              <a:latin typeface="Calibri" panose="020F0502020204030204"/>
+              <a:ea typeface="+mn-ea"/>
+              <a:cs typeface="+mn-cs"/>
+            </a:endParaRPr>
+          </a:p>
+        </p:txBody>
+      </p:sp>
+      <p:pic>
+        <p:nvPicPr>
+          <p:cNvPr id="3" name="Picture 2">
+            <a:extLst>
+              <a:ext uri="{FF2B5EF4-FFF2-40B4-BE49-F238E27FC236}">
+                <a16:creationId xmlns:a16="http://schemas.microsoft.com/office/drawing/2014/main" id="{27A9BC35-AD28-4631-8C36-C20BFAF6181E}"/>
+              </a:ext>
+            </a:extLst>
+          </p:cNvPr>
+          <p:cNvPicPr>
+            <a:picLocks noChangeAspect="1"/>
+          </p:cNvPicPr>
+          <p:nvPr/>
+        </p:nvPicPr>
+        <p:blipFill>
+          <a:blip r:embed="rId2"/>
+          <a:stretch>
+            <a:fillRect/>
+          </a:stretch>
+        </p:blipFill>
+        <p:spPr>
+          <a:xfrm>
+            <a:off x="0" y="1201157"/>
+            <a:ext cx="12192000" cy="5113527"/>
+          </a:xfrm>
+          <a:prstGeom prst="rect">
+            <a:avLst/>
+          </a:prstGeom>
+        </p:spPr>
+      </p:pic>
+      <p:sp>
+        <p:nvSpPr>
+          <p:cNvPr id="4" name="Title 2">
+            <a:extLst>
+              <a:ext uri="{FF2B5EF4-FFF2-40B4-BE49-F238E27FC236}">
+                <a16:creationId xmlns:a16="http://schemas.microsoft.com/office/drawing/2014/main" id="{28ADE16E-6CAE-4AE9-BCDB-58EAE437FBE9}"/>
+              </a:ext>
+            </a:extLst>
+          </p:cNvPr>
+          <p:cNvSpPr txBox="1">
+            <a:spLocks/>
+          </p:cNvSpPr>
+          <p:nvPr/>
+        </p:nvSpPr>
+        <p:spPr>
+          <a:xfrm>
+            <a:off x="838200" y="294160"/>
+            <a:ext cx="10515600" cy="1325563"/>
+          </a:xfrm>
+          <a:prstGeom prst="rect">
+            <a:avLst/>
+          </a:prstGeom>
+        </p:spPr>
+        <p:txBody>
+          <a:bodyPr/>
+          <a:lstStyle>
+            <a:lvl1pPr algn="l" defTabSz="914400" rtl="0" eaLnBrk="1" latinLnBrk="0" hangingPunct="1">
+              <a:lnSpc>
+                <a:spcPct val="90000"/>
+              </a:lnSpc>
+              <a:spcBef>
+                <a:spcPct val="0"/>
+              </a:spcBef>
+              <a:buNone/>
+              <a:defRPr sz="4400" kern="1200" cap="small" baseline="0">
+                <a:solidFill>
+                  <a:schemeClr val="tx2">
+                    <a:lumMod val="75000"/>
+                  </a:schemeClr>
+                </a:solidFill>
+                <a:latin typeface="Euphemia"/>
+                <a:ea typeface="+mj-ea"/>
+                <a:cs typeface="+mj-cs"/>
+              </a:defRPr>
+            </a:lvl1pPr>
+          </a:lstStyle>
+          <a:p>
+            <a:pPr marL="0" marR="0" lvl="0" indent="0" algn="l" defTabSz="914400" rtl="0" eaLnBrk="1" fontAlgn="auto" latinLnBrk="0" hangingPunct="1">
+              <a:lnSpc>
+                <a:spcPct val="90000"/>
+              </a:lnSpc>
+              <a:spcBef>
+                <a:spcPct val="0"/>
+              </a:spcBef>
+              <a:spcAft>
+                <a:spcPts val="0"/>
+              </a:spcAft>
+              <a:buClrTx/>
+              <a:buSzTx/>
+              <a:buFontTx/>
+              <a:buNone/>
+              <a:tabLst/>
+              <a:defRPr/>
+            </a:pPr>
+            <a:r>
+              <a:rPr kumimoji="0" lang="en-US" sz="4800" b="0" i="0" u="none" strike="noStrike" kern="1200" cap="small" spc="0" normalizeH="0" baseline="0" noProof="0" dirty="0">
+                <a:ln>
+                  <a:noFill/>
+                </a:ln>
+                <a:solidFill>
+                  <a:srgbClr val="44546A">
+                    <a:lumMod val="75000"/>
+                  </a:srgbClr>
+                </a:solidFill>
+                <a:effectLst/>
+                <a:uLnTx/>
+                <a:uFillTx/>
+                <a:latin typeface="Euphemia"/>
+                <a:ea typeface="+mj-ea"/>
+                <a:cs typeface="+mj-cs"/>
+              </a:rPr>
+              <a:t>Synthetic employee IDs</a:t>
+            </a:r>
+            <a:endParaRPr kumimoji="0" lang="en-US" sz="4400" b="0" i="0" u="none" strike="noStrike" kern="1200" cap="small" spc="0" normalizeH="0" baseline="0" noProof="0" dirty="0">
+              <a:ln>
+                <a:noFill/>
+              </a:ln>
+              <a:solidFill>
+                <a:srgbClr val="44546A">
+                  <a:lumMod val="75000"/>
+                </a:srgbClr>
+              </a:solidFill>
+              <a:effectLst/>
+              <a:uLnTx/>
+              <a:uFillTx/>
+              <a:latin typeface="Euphemia"/>
+              <a:ea typeface="+mj-ea"/>
+              <a:cs typeface="+mj-cs"/>
+            </a:endParaRPr>
+          </a:p>
+        </p:txBody>
+      </p:sp>
+      <p:sp>
+        <p:nvSpPr>
+          <p:cNvPr id="5" name="TextBox 4">
+            <a:extLst>
+              <a:ext uri="{FF2B5EF4-FFF2-40B4-BE49-F238E27FC236}">
+                <a16:creationId xmlns:a16="http://schemas.microsoft.com/office/drawing/2014/main" id="{0B81B8B4-896C-486D-B5F5-4BEB2E197042}"/>
+              </a:ext>
+            </a:extLst>
+          </p:cNvPr>
+          <p:cNvSpPr txBox="1"/>
+          <p:nvPr/>
+        </p:nvSpPr>
+        <p:spPr>
+          <a:xfrm>
+            <a:off x="7390243" y="136525"/>
+            <a:ext cx="4578600" cy="1200329"/>
+          </a:xfrm>
+          <a:prstGeom prst="rect">
+            <a:avLst/>
+          </a:prstGeom>
+          <a:noFill/>
+        </p:spPr>
+        <p:txBody>
+          <a:bodyPr wrap="square" rtlCol="0">
+            <a:spAutoFit/>
+          </a:bodyPr>
+          <a:lstStyle/>
+          <a:p>
+            <a:pPr algn="ctr"/>
+            <a:r>
+              <a:rPr lang="en-US" dirty="0">
+                <a:solidFill>
+                  <a:schemeClr val="accent2">
+                    <a:lumMod val="75000"/>
+                  </a:schemeClr>
+                </a:solidFill>
+                <a:latin typeface="Century Gothic" panose="020B0502020202020204" pitchFamily="34" charset="0"/>
+              </a:rPr>
+              <a:t>Final step is building a classifier to determine if two non-identical names are the same person to create synthetic IDs</a:t>
+            </a:r>
+          </a:p>
+        </p:txBody>
+      </p:sp>
+    </p:spTree>
+    <p:extLst>
+      <p:ext uri="{BB962C8B-B14F-4D97-AF65-F5344CB8AC3E}">
+        <p14:creationId xmlns:p14="http://schemas.microsoft.com/office/powerpoint/2010/main" val="2153492811"/>
+      </p:ext>
+    </p:extLst>
+  </p:cSld>
+  <p:clrMapOvr>
+    <a:masterClrMapping/>
+  </p:clrMapOvr>
+</p:sld>
+</file>
+
+<file path=ppt/slides/slide47.xml><?xml version="1.0" encoding="utf-8"?>
+<p:sld xmlns:a="http://schemas.openxmlformats.org/drawingml/2006/main" xmlns:r="http://schemas.openxmlformats.org/officeDocument/2006/relationships" xmlns:p="http://schemas.openxmlformats.org/presentationml/2006/main">
+  <p:cSld>
+    <p:spTree>
+      <p:nvGrpSpPr>
+        <p:cNvPr id="1" name=""/>
+        <p:cNvGrpSpPr/>
+        <p:nvPr/>
+      </p:nvGrpSpPr>
+      <p:grpSpPr>
+        <a:xfrm>
+          <a:off x="0" y="0"/>
+          <a:ext cx="0" cy="0"/>
+          <a:chOff x="0" y="0"/>
+          <a:chExt cx="0" cy="0"/>
+        </a:xfrm>
+      </p:grpSpPr>
+      <p:sp>
+        <p:nvSpPr>
+          <p:cNvPr id="2" name="Slide Number Placeholder 1">
+            <a:extLst>
+              <a:ext uri="{FF2B5EF4-FFF2-40B4-BE49-F238E27FC236}">
+                <a16:creationId xmlns:a16="http://schemas.microsoft.com/office/drawing/2014/main" id="{DFA3A1FE-EC52-4B2D-9FFF-ED2E3E36BD46}"/>
+              </a:ext>
+            </a:extLst>
+          </p:cNvPr>
+          <p:cNvSpPr>
+            <a:spLocks noGrp="1"/>
+          </p:cNvSpPr>
+          <p:nvPr>
+            <p:ph type="sldNum" sz="quarter" idx="12"/>
+          </p:nvPr>
+        </p:nvSpPr>
+        <p:spPr/>
+        <p:txBody>
+          <a:bodyPr/>
+          <a:lstStyle/>
+          <a:p>
+            <a:pPr marL="0" marR="0" lvl="0" indent="0" algn="r" defTabSz="914400" rtl="0" eaLnBrk="1" fontAlgn="auto" latinLnBrk="0" hangingPunct="1">
+              <a:lnSpc>
+                <a:spcPct val="100000"/>
+              </a:lnSpc>
+              <a:spcBef>
+                <a:spcPts val="0"/>
+              </a:spcBef>
+              <a:spcAft>
+                <a:spcPts val="0"/>
+              </a:spcAft>
+              <a:buClrTx/>
+              <a:buSzTx/>
+              <a:buFontTx/>
+              <a:buNone/>
+              <a:tabLst/>
+              <a:defRPr/>
+            </a:pPr>
+            <a:fld id="{6A8A6847-FF54-4997-9E64-663FA8B5A75E}" type="slidenum">
+              <a:rPr kumimoji="0" lang="en-US" sz="1200" b="0" i="0" u="none" strike="noStrike" kern="1200" cap="none" spc="0" normalizeH="0" baseline="0" noProof="0" smtClean="0">
+                <a:ln>
+                  <a:noFill/>
+                </a:ln>
+                <a:solidFill>
+                  <a:prstClr val="black">
+                    <a:tint val="75000"/>
+                  </a:prstClr>
+                </a:solidFill>
+                <a:effectLst/>
+                <a:uLnTx/>
+                <a:uFillTx/>
+                <a:latin typeface="Calibri"/>
+                <a:ea typeface="+mn-ea"/>
+                <a:cs typeface="+mn-cs"/>
+              </a:rPr>
+              <a:pPr marL="0" marR="0" lvl="0" indent="0" algn="r" defTabSz="914400" rtl="0" eaLnBrk="1" fontAlgn="auto" latinLnBrk="0" hangingPunct="1">
+                <a:lnSpc>
+                  <a:spcPct val="100000"/>
+                </a:lnSpc>
+                <a:spcBef>
+                  <a:spcPts val="0"/>
+                </a:spcBef>
+                <a:spcAft>
+                  <a:spcPts val="0"/>
+                </a:spcAft>
+                <a:buClrTx/>
+                <a:buSzTx/>
+                <a:buFontTx/>
+                <a:buNone/>
+                <a:tabLst/>
+                <a:defRPr/>
+              </a:pPr>
+              <a:t>47</a:t>
+            </a:fld>
+            <a:endParaRPr kumimoji="0" lang="en-US" sz="1200" b="0" i="0" u="none" strike="noStrike" kern="1200" cap="none" spc="0" normalizeH="0" baseline="0" noProof="0">
+              <a:ln>
+                <a:noFill/>
+              </a:ln>
+              <a:solidFill>
+                <a:prstClr val="black">
+                  <a:tint val="75000"/>
+                </a:prstClr>
+              </a:solidFill>
+              <a:effectLst/>
+              <a:uLnTx/>
+              <a:uFillTx/>
+              <a:latin typeface="Calibri"/>
+              <a:ea typeface="+mn-ea"/>
+              <a:cs typeface="+mn-cs"/>
+            </a:endParaRPr>
+          </a:p>
+        </p:txBody>
+      </p:sp>
       <p:sp>
         <p:nvSpPr>
           <p:cNvPr id="3" name="TextBox 2">
@@ -37964,7 +43687,7 @@
 </p:sld>
 </file>
 
-<file path=ppt/slides/slide46.xml><?xml version="1.0" encoding="utf-8"?>
+<file path=ppt/slides/slide48.xml><?xml version="1.0" encoding="utf-8"?>
 <p:sld xmlns:a="http://schemas.openxmlformats.org/drawingml/2006/main" xmlns:r="http://schemas.openxmlformats.org/officeDocument/2006/relationships" xmlns:p="http://schemas.openxmlformats.org/presentationml/2006/main">
   <p:cSld>
     <p:bg>
@@ -38111,7 +43834,7 @@
                 <a:tabLst/>
                 <a:defRPr/>
               </a:pPr>
-              <a:t>46</a:t>
+              <a:t>48</a:t>
             </a:fld>
             <a:endParaRPr kumimoji="0" lang="en-US" sz="1200" b="0" i="0" u="none" strike="noStrike" kern="1200" cap="none" spc="0" normalizeH="0" baseline="0" noProof="0">
               <a:ln>
@@ -38290,7 +44013,7 @@
 </p:sld>
 </file>
 
-<file path=ppt/slides/slide47.xml><?xml version="1.0" encoding="utf-8"?>
+<file path=ppt/slides/slide49.xml><?xml version="1.0" encoding="utf-8"?>
 <p:sld xmlns:a="http://schemas.openxmlformats.org/drawingml/2006/main" xmlns:r="http://schemas.openxmlformats.org/officeDocument/2006/relationships" xmlns:p="http://schemas.openxmlformats.org/presentationml/2006/main">
   <p:cSld>
     <p:bg>
@@ -38499,7 +44222,7 @@
                 <a:tabLst/>
                 <a:defRPr/>
               </a:pPr>
-              <a:t>47</a:t>
+              <a:t>49</a:t>
             </a:fld>
             <a:endParaRPr kumimoji="0" lang="en-US" sz="1200" b="0" i="0" u="none" strike="noStrike" kern="1200" cap="none" spc="0" normalizeH="0" baseline="0" noProof="0">
               <a:ln>
@@ -38533,7 +44256,146 @@
 </p:sld>
 </file>
 
-<file path=ppt/slides/slide48.xml><?xml version="1.0" encoding="utf-8"?>
+<file path=ppt/slides/slide5.xml><?xml version="1.0" encoding="utf-8"?>
+<p:sld xmlns:a="http://schemas.openxmlformats.org/drawingml/2006/main" xmlns:r="http://schemas.openxmlformats.org/officeDocument/2006/relationships" xmlns:p="http://schemas.openxmlformats.org/presentationml/2006/main">
+  <p:cSld>
+    <p:spTree>
+      <p:nvGrpSpPr>
+        <p:cNvPr id="1" name=""/>
+        <p:cNvGrpSpPr/>
+        <p:nvPr/>
+      </p:nvGrpSpPr>
+      <p:grpSpPr>
+        <a:xfrm>
+          <a:off x="0" y="0"/>
+          <a:ext cx="0" cy="0"/>
+          <a:chOff x="0" y="0"/>
+          <a:chExt cx="0" cy="0"/>
+        </a:xfrm>
+      </p:grpSpPr>
+      <p:pic>
+        <p:nvPicPr>
+          <p:cNvPr id="3" name="Picture 2">
+            <a:extLst>
+              <a:ext uri="{FF2B5EF4-FFF2-40B4-BE49-F238E27FC236}">
+                <a16:creationId xmlns:a16="http://schemas.microsoft.com/office/drawing/2014/main" id="{2461486D-79F6-4147-9189-C46256C463AB}"/>
+              </a:ext>
+            </a:extLst>
+          </p:cNvPr>
+          <p:cNvPicPr>
+            <a:picLocks noChangeAspect="1"/>
+          </p:cNvPicPr>
+          <p:nvPr/>
+        </p:nvPicPr>
+        <p:blipFill rotWithShape="1">
+          <a:blip r:embed="rId2"/>
+          <a:srcRect t="1507"/>
+          <a:stretch/>
+        </p:blipFill>
+        <p:spPr>
+          <a:xfrm>
+            <a:off x="0" y="2463281"/>
+            <a:ext cx="12192000" cy="1961443"/>
+          </a:xfrm>
+          <a:prstGeom prst="rect">
+            <a:avLst/>
+          </a:prstGeom>
+        </p:spPr>
+      </p:pic>
+      <p:sp>
+        <p:nvSpPr>
+          <p:cNvPr id="4" name="TextBox 3">
+            <a:extLst>
+              <a:ext uri="{FF2B5EF4-FFF2-40B4-BE49-F238E27FC236}">
+                <a16:creationId xmlns:a16="http://schemas.microsoft.com/office/drawing/2014/main" id="{9F304DB5-BF2B-4C87-B7DB-95B160EED45D}"/>
+              </a:ext>
+            </a:extLst>
+          </p:cNvPr>
+          <p:cNvSpPr txBox="1"/>
+          <p:nvPr/>
+        </p:nvSpPr>
+        <p:spPr>
+          <a:xfrm>
+            <a:off x="4353886" y="721453"/>
+            <a:ext cx="3619902" cy="523220"/>
+          </a:xfrm>
+          <a:prstGeom prst="rect">
+            <a:avLst/>
+          </a:prstGeom>
+          <a:noFill/>
+        </p:spPr>
+        <p:txBody>
+          <a:bodyPr wrap="none" rtlCol="0">
+            <a:spAutoFit/>
+          </a:bodyPr>
+          <a:lstStyle/>
+          <a:p>
+            <a:r>
+              <a:rPr lang="en-US" sz="2800" dirty="0">
+                <a:latin typeface="Century Gothic" panose="020B0502020202020204" pitchFamily="34" charset="0"/>
+              </a:rPr>
+              <a:t>FORM 990-EZ Part IV</a:t>
+            </a:r>
+          </a:p>
+        </p:txBody>
+      </p:sp>
+      <p:sp>
+        <p:nvSpPr>
+          <p:cNvPr id="5" name="TextBox 4">
+            <a:extLst>
+              <a:ext uri="{FF2B5EF4-FFF2-40B4-BE49-F238E27FC236}">
+                <a16:creationId xmlns:a16="http://schemas.microsoft.com/office/drawing/2014/main" id="{452071C6-10D8-4532-AA28-B2A8F114E1E7}"/>
+              </a:ext>
+            </a:extLst>
+          </p:cNvPr>
+          <p:cNvSpPr txBox="1"/>
+          <p:nvPr/>
+        </p:nvSpPr>
+        <p:spPr>
+          <a:xfrm>
+            <a:off x="4559359" y="1515423"/>
+            <a:ext cx="3073281" cy="338554"/>
+          </a:xfrm>
+          <a:prstGeom prst="rect">
+            <a:avLst/>
+          </a:prstGeom>
+          <a:noFill/>
+        </p:spPr>
+        <p:txBody>
+          <a:bodyPr wrap="square" rtlCol="0">
+            <a:spAutoFit/>
+          </a:bodyPr>
+          <a:lstStyle/>
+          <a:p>
+            <a:pPr algn="ctr"/>
+            <a:r>
+              <a:rPr lang="en-US" sz="1600" dirty="0">
+                <a:solidFill>
+                  <a:schemeClr val="accent2">
+                    <a:lumMod val="75000"/>
+                  </a:schemeClr>
+                </a:solidFill>
+                <a:latin typeface="Century Gothic" panose="020B0502020202020204" pitchFamily="34" charset="0"/>
+              </a:rPr>
+              <a:t>Limited fields for 990-EZ filers</a:t>
+            </a:r>
+          </a:p>
+        </p:txBody>
+      </p:sp>
+    </p:spTree>
+    <p:extLst>
+      <p:ext uri="{BB962C8B-B14F-4D97-AF65-F5344CB8AC3E}">
+        <p14:creationId xmlns:p14="http://schemas.microsoft.com/office/powerpoint/2010/main" val="2474384272"/>
+      </p:ext>
+    </p:extLst>
+  </p:cSld>
+  <p:clrMapOvr>
+    <a:masterClrMapping/>
+  </p:clrMapOvr>
+</p:sld>
+</file>
+
+<file path=ppt/slides/slide50.xml><?xml version="1.0" encoding="utf-8"?>
 <p:sld xmlns:a="http://schemas.openxmlformats.org/drawingml/2006/main" xmlns:r="http://schemas.openxmlformats.org/officeDocument/2006/relationships" xmlns:p="http://schemas.openxmlformats.org/presentationml/2006/main">
   <p:cSld>
     <p:spTree>
@@ -39111,7 +44973,7 @@
 </p:sld>
 </file>
 
-<file path=ppt/slides/slide49.xml><?xml version="1.0" encoding="utf-8"?>
+<file path=ppt/slides/slide51.xml><?xml version="1.0" encoding="utf-8"?>
 <p:sld xmlns:a="http://schemas.openxmlformats.org/drawingml/2006/main" xmlns:r="http://schemas.openxmlformats.org/officeDocument/2006/relationships" xmlns:p="http://schemas.openxmlformats.org/presentationml/2006/main">
   <p:cSld>
     <p:spTree>
@@ -39213,145 +45075,6 @@
     <p:extLst>
       <p:ext uri="{BB962C8B-B14F-4D97-AF65-F5344CB8AC3E}">
         <p14:creationId xmlns:p14="http://schemas.microsoft.com/office/powerpoint/2010/main" val="4043789298"/>
-      </p:ext>
-    </p:extLst>
-  </p:cSld>
-  <p:clrMapOvr>
-    <a:masterClrMapping/>
-  </p:clrMapOvr>
-</p:sld>
-</file>
-
-<file path=ppt/slides/slide5.xml><?xml version="1.0" encoding="utf-8"?>
-<p:sld xmlns:a="http://schemas.openxmlformats.org/drawingml/2006/main" xmlns:r="http://schemas.openxmlformats.org/officeDocument/2006/relationships" xmlns:p="http://schemas.openxmlformats.org/presentationml/2006/main">
-  <p:cSld>
-    <p:spTree>
-      <p:nvGrpSpPr>
-        <p:cNvPr id="1" name=""/>
-        <p:cNvGrpSpPr/>
-        <p:nvPr/>
-      </p:nvGrpSpPr>
-      <p:grpSpPr>
-        <a:xfrm>
-          <a:off x="0" y="0"/>
-          <a:ext cx="0" cy="0"/>
-          <a:chOff x="0" y="0"/>
-          <a:chExt cx="0" cy="0"/>
-        </a:xfrm>
-      </p:grpSpPr>
-      <p:pic>
-        <p:nvPicPr>
-          <p:cNvPr id="3" name="Picture 2">
-            <a:extLst>
-              <a:ext uri="{FF2B5EF4-FFF2-40B4-BE49-F238E27FC236}">
-                <a16:creationId xmlns:a16="http://schemas.microsoft.com/office/drawing/2014/main" id="{2461486D-79F6-4147-9189-C46256C463AB}"/>
-              </a:ext>
-            </a:extLst>
-          </p:cNvPr>
-          <p:cNvPicPr>
-            <a:picLocks noChangeAspect="1"/>
-          </p:cNvPicPr>
-          <p:nvPr/>
-        </p:nvPicPr>
-        <p:blipFill rotWithShape="1">
-          <a:blip r:embed="rId2"/>
-          <a:srcRect t="1507"/>
-          <a:stretch/>
-        </p:blipFill>
-        <p:spPr>
-          <a:xfrm>
-            <a:off x="0" y="2463281"/>
-            <a:ext cx="12192000" cy="1961443"/>
-          </a:xfrm>
-          <a:prstGeom prst="rect">
-            <a:avLst/>
-          </a:prstGeom>
-        </p:spPr>
-      </p:pic>
-      <p:sp>
-        <p:nvSpPr>
-          <p:cNvPr id="4" name="TextBox 3">
-            <a:extLst>
-              <a:ext uri="{FF2B5EF4-FFF2-40B4-BE49-F238E27FC236}">
-                <a16:creationId xmlns:a16="http://schemas.microsoft.com/office/drawing/2014/main" id="{9F304DB5-BF2B-4C87-B7DB-95B160EED45D}"/>
-              </a:ext>
-            </a:extLst>
-          </p:cNvPr>
-          <p:cNvSpPr txBox="1"/>
-          <p:nvPr/>
-        </p:nvSpPr>
-        <p:spPr>
-          <a:xfrm>
-            <a:off x="4353886" y="721453"/>
-            <a:ext cx="3619902" cy="523220"/>
-          </a:xfrm>
-          <a:prstGeom prst="rect">
-            <a:avLst/>
-          </a:prstGeom>
-          <a:noFill/>
-        </p:spPr>
-        <p:txBody>
-          <a:bodyPr wrap="none" rtlCol="0">
-            <a:spAutoFit/>
-          </a:bodyPr>
-          <a:lstStyle/>
-          <a:p>
-            <a:r>
-              <a:rPr lang="en-US" sz="2800" dirty="0">
-                <a:latin typeface="Century Gothic" panose="020B0502020202020204" pitchFamily="34" charset="0"/>
-              </a:rPr>
-              <a:t>FORM 990-EZ Part IV</a:t>
-            </a:r>
-          </a:p>
-        </p:txBody>
-      </p:sp>
-      <p:sp>
-        <p:nvSpPr>
-          <p:cNvPr id="5" name="TextBox 4">
-            <a:extLst>
-              <a:ext uri="{FF2B5EF4-FFF2-40B4-BE49-F238E27FC236}">
-                <a16:creationId xmlns:a16="http://schemas.microsoft.com/office/drawing/2014/main" id="{452071C6-10D8-4532-AA28-B2A8F114E1E7}"/>
-              </a:ext>
-            </a:extLst>
-          </p:cNvPr>
-          <p:cNvSpPr txBox="1"/>
-          <p:nvPr/>
-        </p:nvSpPr>
-        <p:spPr>
-          <a:xfrm>
-            <a:off x="4559359" y="1515423"/>
-            <a:ext cx="3073281" cy="338554"/>
-          </a:xfrm>
-          <a:prstGeom prst="rect">
-            <a:avLst/>
-          </a:prstGeom>
-          <a:noFill/>
-        </p:spPr>
-        <p:txBody>
-          <a:bodyPr wrap="square" rtlCol="0">
-            <a:spAutoFit/>
-          </a:bodyPr>
-          <a:lstStyle/>
-          <a:p>
-            <a:pPr algn="ctr"/>
-            <a:r>
-              <a:rPr lang="en-US" sz="1600" dirty="0">
-                <a:solidFill>
-                  <a:schemeClr val="accent2">
-                    <a:lumMod val="75000"/>
-                  </a:schemeClr>
-                </a:solidFill>
-                <a:latin typeface="Century Gothic" panose="020B0502020202020204" pitchFamily="34" charset="0"/>
-              </a:rPr>
-              <a:t>Limited fields for 990-EZ filers</a:t>
-            </a:r>
-          </a:p>
-        </p:txBody>
-      </p:sp>
-    </p:spTree>
-    <p:extLst>
-      <p:ext uri="{BB962C8B-B14F-4D97-AF65-F5344CB8AC3E}">
-        <p14:creationId xmlns:p14="http://schemas.microsoft.com/office/powerpoint/2010/main" val="2474384272"/>
       </p:ext>
     </p:extLst>
   </p:cSld>
@@ -40991,4 +46714,205 @@
     </a:ext>
   </a:extLst>
 </a:theme>
+</file>
+
+<file path=ppt/theme/theme4.xml><?xml version="1.0" encoding="utf-8"?>
+<a:theme xmlns:a="http://schemas.openxmlformats.org/drawingml/2006/main" name="3_Office Theme">
+  <a:themeElements>
+    <a:clrScheme name="Custom 2">
+      <a:dk1>
+        <a:srgbClr val="494546"/>
+      </a:dk1>
+      <a:lt1>
+        <a:srgbClr val="FFFFFF"/>
+      </a:lt1>
+      <a:dk2>
+        <a:srgbClr val="1A8ECE"/>
+      </a:dk2>
+      <a:lt2>
+        <a:srgbClr val="FFFFFF"/>
+      </a:lt2>
+      <a:accent1>
+        <a:srgbClr val="169CEC"/>
+      </a:accent1>
+      <a:accent2>
+        <a:srgbClr val="C8C8C8"/>
+      </a:accent2>
+      <a:accent3>
+        <a:srgbClr val="FCB300"/>
+      </a:accent3>
+      <a:accent4>
+        <a:srgbClr val="E50178"/>
+      </a:accent4>
+      <a:accent5>
+        <a:srgbClr val="44AD32"/>
+      </a:accent5>
+      <a:accent6>
+        <a:srgbClr val="D31117"/>
+      </a:accent6>
+      <a:hlink>
+        <a:srgbClr val="169CEC"/>
+      </a:hlink>
+      <a:folHlink>
+        <a:srgbClr val="169CEC"/>
+      </a:folHlink>
+    </a:clrScheme>
+    <a:fontScheme name="Urban">
+      <a:majorFont>
+        <a:latin typeface="Lato"/>
+        <a:ea typeface=""/>
+        <a:cs typeface=""/>
+      </a:majorFont>
+      <a:minorFont>
+        <a:latin typeface="Arial"/>
+        <a:ea typeface=""/>
+        <a:cs typeface=""/>
+      </a:minorFont>
+    </a:fontScheme>
+    <a:fmtScheme name="Office">
+      <a:fillStyleLst>
+        <a:solidFill>
+          <a:schemeClr val="phClr"/>
+        </a:solidFill>
+        <a:gradFill rotWithShape="1">
+          <a:gsLst>
+            <a:gs pos="0">
+              <a:schemeClr val="phClr">
+                <a:lumMod val="110000"/>
+                <a:satMod val="105000"/>
+                <a:tint val="67000"/>
+              </a:schemeClr>
+            </a:gs>
+            <a:gs pos="50000">
+              <a:schemeClr val="phClr">
+                <a:lumMod val="105000"/>
+                <a:satMod val="103000"/>
+                <a:tint val="73000"/>
+              </a:schemeClr>
+            </a:gs>
+            <a:gs pos="100000">
+              <a:schemeClr val="phClr">
+                <a:lumMod val="105000"/>
+                <a:satMod val="109000"/>
+                <a:tint val="81000"/>
+              </a:schemeClr>
+            </a:gs>
+          </a:gsLst>
+          <a:lin ang="5400000" scaled="0"/>
+        </a:gradFill>
+        <a:gradFill rotWithShape="1">
+          <a:gsLst>
+            <a:gs pos="0">
+              <a:schemeClr val="phClr">
+                <a:satMod val="103000"/>
+                <a:lumMod val="102000"/>
+                <a:tint val="94000"/>
+              </a:schemeClr>
+            </a:gs>
+            <a:gs pos="50000">
+              <a:schemeClr val="phClr">
+                <a:satMod val="110000"/>
+                <a:lumMod val="100000"/>
+                <a:shade val="100000"/>
+              </a:schemeClr>
+            </a:gs>
+            <a:gs pos="100000">
+              <a:schemeClr val="phClr">
+                <a:lumMod val="99000"/>
+                <a:satMod val="120000"/>
+                <a:shade val="78000"/>
+              </a:schemeClr>
+            </a:gs>
+          </a:gsLst>
+          <a:lin ang="5400000" scaled="0"/>
+        </a:gradFill>
+      </a:fillStyleLst>
+      <a:lnStyleLst>
+        <a:ln w="6350" cap="flat" cmpd="sng" algn="ctr">
+          <a:solidFill>
+            <a:schemeClr val="phClr"/>
+          </a:solidFill>
+          <a:prstDash val="solid"/>
+          <a:miter lim="800000"/>
+        </a:ln>
+        <a:ln w="12700" cap="flat" cmpd="sng" algn="ctr">
+          <a:solidFill>
+            <a:schemeClr val="phClr"/>
+          </a:solidFill>
+          <a:prstDash val="solid"/>
+          <a:miter lim="800000"/>
+        </a:ln>
+        <a:ln w="19050" cap="flat" cmpd="sng" algn="ctr">
+          <a:solidFill>
+            <a:schemeClr val="phClr"/>
+          </a:solidFill>
+          <a:prstDash val="solid"/>
+          <a:miter lim="800000"/>
+        </a:ln>
+      </a:lnStyleLst>
+      <a:effectStyleLst>
+        <a:effectStyle>
+          <a:effectLst/>
+        </a:effectStyle>
+        <a:effectStyle>
+          <a:effectLst/>
+        </a:effectStyle>
+        <a:effectStyle>
+          <a:effectLst>
+            <a:outerShdw blurRad="57150" dist="19050" dir="5400000" algn="ctr" rotWithShape="0">
+              <a:srgbClr val="000000">
+                <a:alpha val="63000"/>
+              </a:srgbClr>
+            </a:outerShdw>
+          </a:effectLst>
+        </a:effectStyle>
+      </a:effectStyleLst>
+      <a:bgFillStyleLst>
+        <a:solidFill>
+          <a:schemeClr val="phClr"/>
+        </a:solidFill>
+        <a:solidFill>
+          <a:schemeClr val="phClr">
+            <a:tint val="95000"/>
+            <a:satMod val="170000"/>
+          </a:schemeClr>
+        </a:solidFill>
+        <a:gradFill rotWithShape="1">
+          <a:gsLst>
+            <a:gs pos="0">
+              <a:schemeClr val="phClr">
+                <a:tint val="93000"/>
+                <a:satMod val="150000"/>
+                <a:shade val="98000"/>
+                <a:lumMod val="102000"/>
+              </a:schemeClr>
+            </a:gs>
+            <a:gs pos="50000">
+              <a:schemeClr val="phClr">
+                <a:tint val="98000"/>
+                <a:satMod val="130000"/>
+                <a:shade val="90000"/>
+                <a:lumMod val="103000"/>
+              </a:schemeClr>
+            </a:gs>
+            <a:gs pos="100000">
+              <a:schemeClr val="phClr">
+                <a:shade val="63000"/>
+                <a:satMod val="120000"/>
+              </a:schemeClr>
+            </a:gs>
+          </a:gsLst>
+          <a:lin ang="5400000" scaled="0"/>
+        </a:gradFill>
+      </a:bgFillStyleLst>
+    </a:fmtScheme>
+  </a:themeElements>
+  <a:objectDefaults/>
+  <a:extraClrSchemeLst/>
+  <a:extLst>
+    <a:ext uri="{05A4C25C-085E-4340-85A3-A5531E510DB2}">
+      <thm15:themeFamily xmlns:thm15="http://schemas.microsoft.com/office/thememl/2012/main" name="Presentation2" id="{08355FE9-FAAB-5446-8702-2315DAFC621D}" vid="{BA2ED854-785E-2548-AC2F-EF1190E7FD9D}"/>
+    </a:ext>
+  </a:extLst>
+</a:theme>
 </file>